--- a/AngularMTG/Slide/Building a Single Page Application with ASP.NET and Angular.js.pptx
+++ b/AngularMTG/Slide/Building a Single Page Application with ASP.NET and Angular.js.pptx
@@ -6,44 +6,45 @@
     <p:sldMasterId id="2147484219" r:id="rId5"/>
   </p:sldMasterIdLst>
   <p:notesMasterIdLst>
-    <p:notesMasterId r:id="rId38"/>
+    <p:notesMasterId r:id="rId39"/>
   </p:notesMasterIdLst>
   <p:handoutMasterIdLst>
-    <p:handoutMasterId r:id="rId39"/>
+    <p:handoutMasterId r:id="rId40"/>
   </p:handoutMasterIdLst>
   <p:sldIdLst>
     <p:sldId id="282" r:id="rId6"/>
     <p:sldId id="257" r:id="rId7"/>
     <p:sldId id="259" r:id="rId8"/>
-    <p:sldId id="284" r:id="rId9"/>
-    <p:sldId id="286" r:id="rId10"/>
-    <p:sldId id="285" r:id="rId11"/>
-    <p:sldId id="287" r:id="rId12"/>
-    <p:sldId id="288" r:id="rId13"/>
-    <p:sldId id="283" r:id="rId14"/>
-    <p:sldId id="258" r:id="rId15"/>
-    <p:sldId id="260" r:id="rId16"/>
-    <p:sldId id="261" r:id="rId17"/>
-    <p:sldId id="262" r:id="rId18"/>
-    <p:sldId id="263" r:id="rId19"/>
-    <p:sldId id="264" r:id="rId20"/>
-    <p:sldId id="265" r:id="rId21"/>
-    <p:sldId id="266" r:id="rId22"/>
-    <p:sldId id="267" r:id="rId23"/>
-    <p:sldId id="268" r:id="rId24"/>
-    <p:sldId id="269" r:id="rId25"/>
-    <p:sldId id="270" r:id="rId26"/>
-    <p:sldId id="271" r:id="rId27"/>
-    <p:sldId id="272" r:id="rId28"/>
-    <p:sldId id="273" r:id="rId29"/>
-    <p:sldId id="274" r:id="rId30"/>
-    <p:sldId id="275" r:id="rId31"/>
-    <p:sldId id="276" r:id="rId32"/>
-    <p:sldId id="277" r:id="rId33"/>
-    <p:sldId id="278" r:id="rId34"/>
-    <p:sldId id="279" r:id="rId35"/>
-    <p:sldId id="280" r:id="rId36"/>
-    <p:sldId id="281" r:id="rId37"/>
+    <p:sldId id="289" r:id="rId9"/>
+    <p:sldId id="284" r:id="rId10"/>
+    <p:sldId id="286" r:id="rId11"/>
+    <p:sldId id="285" r:id="rId12"/>
+    <p:sldId id="287" r:id="rId13"/>
+    <p:sldId id="288" r:id="rId14"/>
+    <p:sldId id="283" r:id="rId15"/>
+    <p:sldId id="258" r:id="rId16"/>
+    <p:sldId id="260" r:id="rId17"/>
+    <p:sldId id="261" r:id="rId18"/>
+    <p:sldId id="262" r:id="rId19"/>
+    <p:sldId id="263" r:id="rId20"/>
+    <p:sldId id="264" r:id="rId21"/>
+    <p:sldId id="265" r:id="rId22"/>
+    <p:sldId id="266" r:id="rId23"/>
+    <p:sldId id="267" r:id="rId24"/>
+    <p:sldId id="268" r:id="rId25"/>
+    <p:sldId id="269" r:id="rId26"/>
+    <p:sldId id="270" r:id="rId27"/>
+    <p:sldId id="271" r:id="rId28"/>
+    <p:sldId id="272" r:id="rId29"/>
+    <p:sldId id="273" r:id="rId30"/>
+    <p:sldId id="274" r:id="rId31"/>
+    <p:sldId id="275" r:id="rId32"/>
+    <p:sldId id="276" r:id="rId33"/>
+    <p:sldId id="277" r:id="rId34"/>
+    <p:sldId id="278" r:id="rId35"/>
+    <p:sldId id="279" r:id="rId36"/>
+    <p:sldId id="280" r:id="rId37"/>
+    <p:sldId id="281" r:id="rId38"/>
   </p:sldIdLst>
   <p:sldSz cx="12436475" cy="6994525"/>
   <p:notesSz cx="6858000" cy="9144000"/>
@@ -150,6 +151,7 @@
             <p14:sldId id="282"/>
             <p14:sldId id="257"/>
             <p14:sldId id="259"/>
+            <p14:sldId id="289"/>
             <p14:sldId id="284"/>
             <p14:sldId id="286"/>
             <p14:sldId id="285"/>
@@ -330,7 +332,9 @@
               <c:showPercent val="1"/>
               <c:showBubbleSize val="0"/>
               <c:extLst>
-                <c:ext xmlns:c15="http://schemas.microsoft.com/office/drawing/2012/chart" uri="{CE6537A1-D6FC-4f65-9D91-7224C49458BB}"/>
+                <c:ext xmlns:c15="http://schemas.microsoft.com/office/drawing/2012/chart" uri="{CE6537A1-D6FC-4f65-9D91-7224C49458BB}">
+                  <c15:layout/>
+                </c:ext>
               </c:extLst>
             </c:dLbl>
             <c:dLbl>
@@ -348,7 +352,9 @@
               <c:showPercent val="1"/>
               <c:showBubbleSize val="0"/>
               <c:extLst>
-                <c:ext xmlns:c15="http://schemas.microsoft.com/office/drawing/2012/chart" uri="{CE6537A1-D6FC-4f65-9D91-7224C49458BB}"/>
+                <c:ext xmlns:c15="http://schemas.microsoft.com/office/drawing/2012/chart" uri="{CE6537A1-D6FC-4f65-9D91-7224C49458BB}">
+                  <c15:layout/>
+                </c:ext>
               </c:extLst>
             </c:dLbl>
             <c:dLbl>
@@ -366,7 +372,9 @@
               <c:showPercent val="1"/>
               <c:showBubbleSize val="0"/>
               <c:extLst>
-                <c:ext xmlns:c15="http://schemas.microsoft.com/office/drawing/2012/chart" uri="{CE6537A1-D6FC-4f65-9D91-7224C49458BB}"/>
+                <c:ext xmlns:c15="http://schemas.microsoft.com/office/drawing/2012/chart" uri="{CE6537A1-D6FC-4f65-9D91-7224C49458BB}">
+                  <c15:layout/>
+                </c:ext>
               </c:extLst>
             </c:dLbl>
             <c:dLbl>
@@ -384,7 +392,9 @@
               <c:showPercent val="1"/>
               <c:showBubbleSize val="0"/>
               <c:extLst>
-                <c:ext xmlns:c15="http://schemas.microsoft.com/office/drawing/2012/chart" uri="{CE6537A1-D6FC-4f65-9D91-7224C49458BB}"/>
+                <c:ext xmlns:c15="http://schemas.microsoft.com/office/drawing/2012/chart" uri="{CE6537A1-D6FC-4f65-9D91-7224C49458BB}">
+                  <c15:layout/>
+                </c:ext>
               </c:extLst>
             </c:dLbl>
             <c:spPr>
@@ -791,11 +801,11 @@
           <c:showBubbleSize val="0"/>
         </c:dLbls>
         <c:gapWidth val="120"/>
-        <c:axId val="295999424"/>
-        <c:axId val="295995504"/>
+        <c:axId val="292879616"/>
+        <c:axId val="292880400"/>
       </c:barChart>
       <c:catAx>
-        <c:axId val="295999424"/>
+        <c:axId val="292879616"/>
         <c:scaling>
           <c:orientation val="minMax"/>
         </c:scaling>
@@ -805,7 +815,7 @@
         <c:majorTickMark val="out"/>
         <c:minorTickMark val="none"/>
         <c:tickLblPos val="nextTo"/>
-        <c:crossAx val="295995504"/>
+        <c:crossAx val="292880400"/>
         <c:crosses val="autoZero"/>
         <c:auto val="1"/>
         <c:lblAlgn val="ctr"/>
@@ -813,7 +823,7 @@
         <c:noMultiLvlLbl val="0"/>
       </c:catAx>
       <c:valAx>
-        <c:axId val="295995504"/>
+        <c:axId val="292880400"/>
         <c:scaling>
           <c:orientation val="minMax"/>
           <c:max val="5"/>
@@ -825,7 +835,7 @@
         <c:majorTickMark val="out"/>
         <c:minorTickMark val="none"/>
         <c:tickLblPos val="nextTo"/>
-        <c:crossAx val="295999424"/>
+        <c:crossAx val="292879616"/>
         <c:crosses val="autoZero"/>
         <c:crossBetween val="between"/>
         <c:minorUnit val="1"/>
@@ -1376,7 +1386,7 @@
               <a:rPr lang="en-US" smtClean="0">
                 <a:latin typeface="Segoe UI" pitchFamily="34" charset="0"/>
               </a:rPr>
-              <a:t>3/5/2014</a:t>
+              <a:t>3/10/2014</a:t>
             </a:fld>
             <a:endParaRPr lang="en-US" dirty="0">
               <a:latin typeface="Segoe UI" pitchFamily="34" charset="0"/>
@@ -1680,7 +1690,7 @@
           <a:p>
             <a:fld id="{9F00D60D-1703-4D24-8308-FEE06A50A69C}" type="datetime1">
               <a:rPr lang="en-US" smtClean="0"/>
-              <a:t>3/5/2014</a:t>
+              <a:t>3/10/2014</a:t>
             </a:fld>
             <a:endParaRPr lang="en-US" dirty="0"/>
           </a:p>
@@ -2045,7 +2055,7 @@
           <a:p>
             <a:fld id="{C6996B83-60CF-42A8-BA06-F99D0BEC30B3}" type="datetime1">
               <a:rPr lang="en-US" smtClean="0"/>
-              <a:t>3/5/2014</a:t>
+              <a:t>3/10/2014</a:t>
             </a:fld>
             <a:endParaRPr lang="en-US" dirty="0"/>
           </a:p>
@@ -2228,9 +2238,9 @@
           <a:bodyPr/>
           <a:lstStyle/>
           <a:p>
-            <a:fld id="{FCF63DAE-D37E-4C44-BD81-0E251F1BE300}" type="datetime1">
+            <a:fld id="{41D161D5-2494-4107-A512-F3A87F6B2172}" type="datetime1">
               <a:rPr lang="en-US" smtClean="0"/>
-              <a:t>3/5/2014</a:t>
+              <a:t>3/10/2014</a:t>
             </a:fld>
             <a:endParaRPr lang="en-US" dirty="0"/>
           </a:p>
@@ -2286,7 +2296,7 @@
     </p:spTree>
     <p:extLst>
       <p:ext uri="{BB962C8B-B14F-4D97-AF65-F5344CB8AC3E}">
-        <p14:creationId xmlns:p14="http://schemas.microsoft.com/office/powerpoint/2010/main" val="2172600239"/>
+        <p14:creationId xmlns:p14="http://schemas.microsoft.com/office/powerpoint/2010/main" val="2651472473"/>
       </p:ext>
     </p:extLst>
   </p:cSld>
@@ -2346,35 +2356,12 @@
       </p:sp>
       <p:sp>
         <p:nvSpPr>
-          <p:cNvPr id="4" name="Header Placeholder 3"/>
+          <p:cNvPr id="4" name="Footer Placeholder 3"/>
           <p:cNvSpPr>
             <a:spLocks noGrp="1"/>
           </p:cNvSpPr>
           <p:nvPr>
-            <p:ph type="hdr" sz="quarter" idx="10"/>
-          </p:nvPr>
-        </p:nvSpPr>
-        <p:spPr/>
-        <p:txBody>
-          <a:bodyPr/>
-          <a:lstStyle/>
-          <a:p>
-            <a:r>
-              <a:rPr lang="en-US" smtClean="0"/>
-              <a:t>Build 2014</a:t>
-            </a:r>
-            <a:endParaRPr lang="en-US" dirty="0"/>
-          </a:p>
-        </p:txBody>
-      </p:sp>
-      <p:sp>
-        <p:nvSpPr>
-          <p:cNvPr id="5" name="Footer Placeholder 4"/>
-          <p:cNvSpPr>
-            <a:spLocks noGrp="1"/>
-          </p:cNvSpPr>
-          <p:nvPr>
-            <p:ph type="ftr" sz="quarter" idx="11"/>
+            <p:ph type="ftr" sz="quarter" idx="10"/>
           </p:nvPr>
         </p:nvSpPr>
         <p:spPr/>
@@ -2423,12 +2410,12 @@
       </p:sp>
       <p:sp>
         <p:nvSpPr>
-          <p:cNvPr id="6" name="Date Placeholder 5"/>
+          <p:cNvPr id="5" name="Date Placeholder 4"/>
           <p:cNvSpPr>
             <a:spLocks noGrp="1"/>
           </p:cNvSpPr>
           <p:nvPr>
-            <p:ph type="dt" idx="12"/>
+            <p:ph type="dt" idx="11"/>
           </p:nvPr>
         </p:nvSpPr>
         <p:spPr/>
@@ -2436,9 +2423,9 @@
           <a:bodyPr/>
           <a:lstStyle/>
           <a:p>
-            <a:fld id="{9F00D60D-1703-4D24-8308-FEE06A50A69C}" type="datetime1">
+            <a:fld id="{FCF63DAE-D37E-4C44-BD81-0E251F1BE300}" type="datetime1">
               <a:rPr lang="en-US" smtClean="0"/>
-              <a:t>3/5/2014</a:t>
+              <a:t>3/10/2014</a:t>
             </a:fld>
             <a:endParaRPr lang="en-US" dirty="0"/>
           </a:p>
@@ -2446,12 +2433,12 @@
       </p:sp>
       <p:sp>
         <p:nvSpPr>
-          <p:cNvPr id="7" name="Slide Number Placeholder 6"/>
+          <p:cNvPr id="6" name="Slide Number Placeholder 5"/>
           <p:cNvSpPr>
             <a:spLocks noGrp="1"/>
           </p:cNvSpPr>
           <p:nvPr>
-            <p:ph type="sldNum" sz="quarter" idx="13"/>
+            <p:ph type="sldNum" sz="quarter" idx="12"/>
           </p:nvPr>
         </p:nvSpPr>
         <p:spPr/>
@@ -2468,10 +2455,33 @@
           </a:p>
         </p:txBody>
       </p:sp>
+      <p:sp>
+        <p:nvSpPr>
+          <p:cNvPr id="7" name="Header Placeholder 6"/>
+          <p:cNvSpPr>
+            <a:spLocks noGrp="1"/>
+          </p:cNvSpPr>
+          <p:nvPr>
+            <p:ph type="hdr" sz="quarter" idx="13"/>
+          </p:nvPr>
+        </p:nvSpPr>
+        <p:spPr/>
+        <p:txBody>
+          <a:bodyPr/>
+          <a:lstStyle/>
+          <a:p>
+            <a:r>
+              <a:rPr lang="en-US" smtClean="0"/>
+              <a:t>Build 2014</a:t>
+            </a:r>
+            <a:endParaRPr lang="en-US" dirty="0"/>
+          </a:p>
+        </p:txBody>
+      </p:sp>
     </p:spTree>
     <p:extLst>
       <p:ext uri="{BB962C8B-B14F-4D97-AF65-F5344CB8AC3E}">
-        <p14:creationId xmlns:p14="http://schemas.microsoft.com/office/powerpoint/2010/main" val="2866621463"/>
+        <p14:creationId xmlns:p14="http://schemas.microsoft.com/office/powerpoint/2010/main" val="2172600239"/>
       </p:ext>
     </p:extLst>
   </p:cSld>
@@ -2623,7 +2633,7 @@
           <a:p>
             <a:fld id="{9F00D60D-1703-4D24-8308-FEE06A50A69C}" type="datetime1">
               <a:rPr lang="en-US" smtClean="0"/>
-              <a:t>3/5/2014</a:t>
+              <a:t>3/10/2014</a:t>
             </a:fld>
             <a:endParaRPr lang="en-US" dirty="0"/>
           </a:p>
@@ -2656,7 +2666,7 @@
     </p:spTree>
     <p:extLst>
       <p:ext uri="{BB962C8B-B14F-4D97-AF65-F5344CB8AC3E}">
-        <p14:creationId xmlns:p14="http://schemas.microsoft.com/office/powerpoint/2010/main" val="4190779658"/>
+        <p14:creationId xmlns:p14="http://schemas.microsoft.com/office/powerpoint/2010/main" val="2866621463"/>
       </p:ext>
     </p:extLst>
   </p:cSld>
@@ -2808,7 +2818,7 @@
           <a:p>
             <a:fld id="{9F00D60D-1703-4D24-8308-FEE06A50A69C}" type="datetime1">
               <a:rPr lang="en-US" smtClean="0"/>
-              <a:t>3/5/2014</a:t>
+              <a:t>3/10/2014</a:t>
             </a:fld>
             <a:endParaRPr lang="en-US" dirty="0"/>
           </a:p>
@@ -2841,7 +2851,7 @@
     </p:spTree>
     <p:extLst>
       <p:ext uri="{BB962C8B-B14F-4D97-AF65-F5344CB8AC3E}">
-        <p14:creationId xmlns:p14="http://schemas.microsoft.com/office/powerpoint/2010/main" val="342895737"/>
+        <p14:creationId xmlns:p14="http://schemas.microsoft.com/office/powerpoint/2010/main" val="4190779658"/>
       </p:ext>
     </p:extLst>
   </p:cSld>
@@ -2993,7 +3003,7 @@
           <a:p>
             <a:fld id="{9F00D60D-1703-4D24-8308-FEE06A50A69C}" type="datetime1">
               <a:rPr lang="en-US" smtClean="0"/>
-              <a:t>3/5/2014</a:t>
+              <a:t>3/10/2014</a:t>
             </a:fld>
             <a:endParaRPr lang="en-US" dirty="0"/>
           </a:p>
@@ -3026,7 +3036,7 @@
     </p:spTree>
     <p:extLst>
       <p:ext uri="{BB962C8B-B14F-4D97-AF65-F5344CB8AC3E}">
-        <p14:creationId xmlns:p14="http://schemas.microsoft.com/office/powerpoint/2010/main" val="2120770202"/>
+        <p14:creationId xmlns:p14="http://schemas.microsoft.com/office/powerpoint/2010/main" val="342895737"/>
       </p:ext>
     </p:extLst>
   </p:cSld>
@@ -3178,7 +3188,7 @@
           <a:p>
             <a:fld id="{9F00D60D-1703-4D24-8308-FEE06A50A69C}" type="datetime1">
               <a:rPr lang="en-US" smtClean="0"/>
-              <a:t>3/5/2014</a:t>
+              <a:t>3/10/2014</a:t>
             </a:fld>
             <a:endParaRPr lang="en-US" dirty="0"/>
           </a:p>
@@ -3203,6 +3213,191 @@
               <a:rPr lang="en-US" smtClean="0"/>
               <a:pPr/>
               <a:t>16</a:t>
+            </a:fld>
+            <a:endParaRPr lang="en-US" dirty="0"/>
+          </a:p>
+        </p:txBody>
+      </p:sp>
+    </p:spTree>
+    <p:extLst>
+      <p:ext uri="{BB962C8B-B14F-4D97-AF65-F5344CB8AC3E}">
+        <p14:creationId xmlns:p14="http://schemas.microsoft.com/office/powerpoint/2010/main" val="2120770202"/>
+      </p:ext>
+    </p:extLst>
+  </p:cSld>
+  <p:clrMapOvr>
+    <a:masterClrMapping/>
+  </p:clrMapOvr>
+</p:notes>
+</file>
+
+<file path=ppt/notesSlides/notesSlide16.xml><?xml version="1.0" encoding="utf-8"?>
+<p:notes xmlns:a="http://schemas.openxmlformats.org/drawingml/2006/main" xmlns:r="http://schemas.openxmlformats.org/officeDocument/2006/relationships" xmlns:p="http://schemas.openxmlformats.org/presentationml/2006/main">
+  <p:cSld>
+    <p:spTree>
+      <p:nvGrpSpPr>
+        <p:cNvPr id="1" name=""/>
+        <p:cNvGrpSpPr/>
+        <p:nvPr/>
+      </p:nvGrpSpPr>
+      <p:grpSpPr>
+        <a:xfrm>
+          <a:off x="0" y="0"/>
+          <a:ext cx="0" cy="0"/>
+          <a:chOff x="0" y="0"/>
+          <a:chExt cx="0" cy="0"/>
+        </a:xfrm>
+      </p:grpSpPr>
+      <p:sp>
+        <p:nvSpPr>
+          <p:cNvPr id="2" name="Slide Image Placeholder 1"/>
+          <p:cNvSpPr>
+            <a:spLocks noGrp="1" noRot="1" noChangeAspect="1"/>
+          </p:cNvSpPr>
+          <p:nvPr>
+            <p:ph type="sldImg"/>
+          </p:nvPr>
+        </p:nvSpPr>
+        <p:spPr/>
+      </p:sp>
+      <p:sp>
+        <p:nvSpPr>
+          <p:cNvPr id="3" name="Notes Placeholder 2"/>
+          <p:cNvSpPr>
+            <a:spLocks noGrp="1"/>
+          </p:cNvSpPr>
+          <p:nvPr>
+            <p:ph type="body" idx="1"/>
+          </p:nvPr>
+        </p:nvSpPr>
+        <p:spPr/>
+        <p:txBody>
+          <a:bodyPr/>
+          <a:lstStyle/>
+          <a:p>
+            <a:endParaRPr lang="en-US"/>
+          </a:p>
+        </p:txBody>
+      </p:sp>
+      <p:sp>
+        <p:nvSpPr>
+          <p:cNvPr id="4" name="Header Placeholder 3"/>
+          <p:cNvSpPr>
+            <a:spLocks noGrp="1"/>
+          </p:cNvSpPr>
+          <p:nvPr>
+            <p:ph type="hdr" sz="quarter" idx="10"/>
+          </p:nvPr>
+        </p:nvSpPr>
+        <p:spPr/>
+        <p:txBody>
+          <a:bodyPr/>
+          <a:lstStyle/>
+          <a:p>
+            <a:r>
+              <a:rPr lang="en-US" smtClean="0"/>
+              <a:t>Build 2014</a:t>
+            </a:r>
+            <a:endParaRPr lang="en-US" dirty="0"/>
+          </a:p>
+        </p:txBody>
+      </p:sp>
+      <p:sp>
+        <p:nvSpPr>
+          <p:cNvPr id="5" name="Footer Placeholder 4"/>
+          <p:cNvSpPr>
+            <a:spLocks noGrp="1"/>
+          </p:cNvSpPr>
+          <p:nvPr>
+            <p:ph type="ftr" sz="quarter" idx="11"/>
+          </p:nvPr>
+        </p:nvSpPr>
+        <p:spPr/>
+        <p:txBody>
+          <a:bodyPr/>
+          <a:lstStyle/>
+          <a:p>
+            <a:pPr defTabSz="914099" eaLnBrk="0" hangingPunct="0"/>
+            <a:r>
+              <a:rPr lang="en-US" sz="400" smtClean="0">
+                <a:gradFill>
+                  <a:gsLst>
+                    <a:gs pos="0">
+                      <a:prstClr val="black"/>
+                    </a:gs>
+                    <a:gs pos="100000">
+                      <a:prstClr val="black"/>
+                    </a:gs>
+                  </a:gsLst>
+                  <a:lin ang="5400000" scaled="0"/>
+                </a:gradFill>
+                <a:latin typeface="Segoe UI" pitchFamily="34" charset="0"/>
+                <a:ea typeface="Segoe UI" pitchFamily="34" charset="0"/>
+                <a:cs typeface="Segoe UI" pitchFamily="34" charset="0"/>
+              </a:rPr>
+              <a:t>© 2014 Microsoft Corporation. All rights reserved. Microsoft, Windows, and other product names are or may be registered trademarks and/or trademarks in the U.S. and/or other countries. The information herein is for informational purposes only and represents the current view of Microsoft Corporation as of the date of this presentation.  Because Microsoft must respond to changing market conditions, it should not be interpreted to be a commitment on the part of Microsoft, and Microsoft cannot guarantee the accuracy of any information provided after the date of this presentation.  MICROSOFT MAKES NO WARRANTIES, EXPRESS, IMPLIED OR STATUTORY, AS TO THE INFORMATION IN THIS PRESENTATION.</a:t>
+            </a:r>
+            <a:endParaRPr lang="en-US" sz="400" dirty="0" smtClean="0">
+              <a:gradFill>
+                <a:gsLst>
+                  <a:gs pos="0">
+                    <a:prstClr val="black"/>
+                  </a:gs>
+                  <a:gs pos="100000">
+                    <a:prstClr val="black"/>
+                  </a:gs>
+                </a:gsLst>
+                <a:lin ang="5400000" scaled="0"/>
+              </a:gradFill>
+              <a:latin typeface="Segoe UI" pitchFamily="34" charset="0"/>
+              <a:ea typeface="Segoe UI" pitchFamily="34" charset="0"/>
+              <a:cs typeface="Segoe UI" pitchFamily="34" charset="0"/>
+            </a:endParaRPr>
+          </a:p>
+        </p:txBody>
+      </p:sp>
+      <p:sp>
+        <p:nvSpPr>
+          <p:cNvPr id="6" name="Date Placeholder 5"/>
+          <p:cNvSpPr>
+            <a:spLocks noGrp="1"/>
+          </p:cNvSpPr>
+          <p:nvPr>
+            <p:ph type="dt" idx="12"/>
+          </p:nvPr>
+        </p:nvSpPr>
+        <p:spPr/>
+        <p:txBody>
+          <a:bodyPr/>
+          <a:lstStyle/>
+          <a:p>
+            <a:fld id="{9F00D60D-1703-4D24-8308-FEE06A50A69C}" type="datetime1">
+              <a:rPr lang="en-US" smtClean="0"/>
+              <a:t>3/10/2014</a:t>
+            </a:fld>
+            <a:endParaRPr lang="en-US" dirty="0"/>
+          </a:p>
+        </p:txBody>
+      </p:sp>
+      <p:sp>
+        <p:nvSpPr>
+          <p:cNvPr id="7" name="Slide Number Placeholder 6"/>
+          <p:cNvSpPr>
+            <a:spLocks noGrp="1"/>
+          </p:cNvSpPr>
+          <p:nvPr>
+            <p:ph type="sldNum" sz="quarter" idx="13"/>
+          </p:nvPr>
+        </p:nvSpPr>
+        <p:spPr/>
+        <p:txBody>
+          <a:bodyPr/>
+          <a:lstStyle/>
+          <a:p>
+            <a:fld id="{B4008EB6-D09E-4580-8CD6-DDB14511944F}" type="slidenum">
+              <a:rPr lang="en-US" smtClean="0"/>
+              <a:pPr/>
+              <a:t>17</a:t>
             </a:fld>
             <a:endParaRPr lang="en-US" dirty="0"/>
           </a:p>
@@ -3340,7 +3535,7 @@
           <a:p>
             <a:fld id="{B079C3B8-7366-4A44-A34B-3977080C19E7}" type="datetime1">
               <a:rPr lang="en-US" smtClean="0"/>
-              <a:t>3/5/2014</a:t>
+              <a:t>3/10/2014</a:t>
             </a:fld>
             <a:endParaRPr lang="en-US" dirty="0"/>
           </a:p>
@@ -3450,36 +3645,38 @@
           <a:bodyPr/>
           <a:lstStyle/>
           <a:p>
-            <a:pPr marL="0" indent="0">
-              <a:buFontTx/>
-              <a:buNone/>
-            </a:pPr>
-            <a:endParaRPr lang="en-US" dirty="0" smtClean="0"/>
-          </a:p>
-          <a:p>
-            <a:pPr marL="171450" indent="-171450">
-              <a:buFontTx/>
-              <a:buChar char="-"/>
-            </a:pPr>
-            <a:endParaRPr lang="en-US" dirty="0" smtClean="0"/>
-          </a:p>
-          <a:p>
-            <a:pPr marL="171450" indent="-171450">
-              <a:buFontTx/>
-              <a:buChar char="-"/>
-            </a:pPr>
+            <a:r>
+              <a:rPr lang="en-US" dirty="0" smtClean="0"/>
+              <a:t>1. We’ve seen how ASP.NET provides a common core which supports several different toolsets.</a:t>
+            </a:r>
+          </a:p>
+          <a:p>
+            <a:r>
+              <a:rPr lang="en-US" dirty="0" smtClean="0"/>
+              <a:t>2. [click for first animation] On the left side, we have tools which produce HTML, which will be</a:t>
+            </a:r>
+            <a:r>
+              <a:rPr lang="en-US" baseline="0" dirty="0" smtClean="0"/>
+              <a:t> viewed in browsers by people.</a:t>
+            </a:r>
+          </a:p>
+          <a:p>
+            <a:r>
+              <a:rPr lang="en-US" baseline="0" dirty="0" smtClean="0"/>
+              <a:t>3. [click for second animation] On the right, we have Web API, which produces other formats which are consumed by machines (represented by this happy robot) – JSON, XML, and other custom formats which are read by JavaScript code, other programs, other servers, etc. </a:t>
+            </a:r>
             <a:endParaRPr lang="en-US" dirty="0"/>
           </a:p>
         </p:txBody>
       </p:sp>
       <p:sp>
         <p:nvSpPr>
-          <p:cNvPr id="4" name="Header Placeholder 3"/>
+          <p:cNvPr id="4" name="Slide Number Placeholder 3"/>
           <p:cNvSpPr>
             <a:spLocks noGrp="1"/>
           </p:cNvSpPr>
           <p:nvPr>
-            <p:ph type="hdr" sz="quarter" idx="10"/>
+            <p:ph type="sldNum" sz="quarter" idx="10"/>
           </p:nvPr>
         </p:nvSpPr>
         <p:spPr/>
@@ -3487,119 +3684,18 @@
           <a:bodyPr/>
           <a:lstStyle/>
           <a:p>
-            <a:r>
+            <a:fld id="{6E8C67A6-C0E7-47DF-97C2-CA9B11275397}" type="slidenum">
               <a:rPr lang="en-US" smtClean="0"/>
-              <a:t>Build 2014</a:t>
-            </a:r>
-            <a:endParaRPr lang="en-US" dirty="0"/>
-          </a:p>
-        </p:txBody>
-      </p:sp>
-      <p:sp>
-        <p:nvSpPr>
-          <p:cNvPr id="5" name="Footer Placeholder 4"/>
-          <p:cNvSpPr>
-            <a:spLocks noGrp="1"/>
-          </p:cNvSpPr>
-          <p:nvPr>
-            <p:ph type="ftr" sz="quarter" idx="11"/>
-          </p:nvPr>
-        </p:nvSpPr>
-        <p:spPr/>
-        <p:txBody>
-          <a:bodyPr/>
-          <a:lstStyle/>
-          <a:p>
-            <a:pPr defTabSz="914099" eaLnBrk="0" hangingPunct="0"/>
-            <a:r>
-              <a:rPr lang="en-US" sz="400" smtClean="0">
-                <a:gradFill>
-                  <a:gsLst>
-                    <a:gs pos="0">
-                      <a:prstClr val="black"/>
-                    </a:gs>
-                    <a:gs pos="100000">
-                      <a:prstClr val="black"/>
-                    </a:gs>
-                  </a:gsLst>
-                  <a:lin ang="5400000" scaled="0"/>
-                </a:gradFill>
-                <a:latin typeface="Segoe UI" pitchFamily="34" charset="0"/>
-                <a:ea typeface="Segoe UI" pitchFamily="34" charset="0"/>
-                <a:cs typeface="Segoe UI" pitchFamily="34" charset="0"/>
-              </a:rPr>
-              <a:t>© 2014 Microsoft Corporation. All rights reserved. Microsoft, Windows, and other product names are or may be registered trademarks and/or trademarks in the U.S. and/or other countries. The information herein is for informational purposes only and represents the current view of Microsoft Corporation as of the date of this presentation.  Because Microsoft must respond to changing market conditions, it should not be interpreted to be a commitment on the part of Microsoft, and Microsoft cannot guarantee the accuracy of any information provided after the date of this presentation.  MICROSOFT MAKES NO WARRANTIES, EXPRESS, IMPLIED OR STATUTORY, AS TO THE INFORMATION IN THIS PRESENTATION.</a:t>
-            </a:r>
-            <a:endParaRPr lang="en-US" sz="400" dirty="0" smtClean="0">
-              <a:gradFill>
-                <a:gsLst>
-                  <a:gs pos="0">
-                    <a:prstClr val="black"/>
-                  </a:gs>
-                  <a:gs pos="100000">
-                    <a:prstClr val="black"/>
-                  </a:gs>
-                </a:gsLst>
-                <a:lin ang="5400000" scaled="0"/>
-              </a:gradFill>
-              <a:latin typeface="Segoe UI" pitchFamily="34" charset="0"/>
-              <a:ea typeface="Segoe UI" pitchFamily="34" charset="0"/>
-              <a:cs typeface="Segoe UI" pitchFamily="34" charset="0"/>
-            </a:endParaRPr>
-          </a:p>
-        </p:txBody>
-      </p:sp>
-      <p:sp>
-        <p:nvSpPr>
-          <p:cNvPr id="6" name="Date Placeholder 5"/>
-          <p:cNvSpPr>
-            <a:spLocks noGrp="1"/>
-          </p:cNvSpPr>
-          <p:nvPr>
-            <p:ph type="dt" idx="12"/>
-          </p:nvPr>
-        </p:nvSpPr>
-        <p:spPr/>
-        <p:txBody>
-          <a:bodyPr/>
-          <a:lstStyle/>
-          <a:p>
-            <a:fld id="{9F00D60D-1703-4D24-8308-FEE06A50A69C}" type="datetime1">
-              <a:rPr lang="en-US" smtClean="0"/>
-              <a:t>3/5/2014</a:t>
-            </a:fld>
-            <a:endParaRPr lang="en-US" dirty="0"/>
-          </a:p>
-        </p:txBody>
-      </p:sp>
-      <p:sp>
-        <p:nvSpPr>
-          <p:cNvPr id="7" name="Slide Number Placeholder 6"/>
-          <p:cNvSpPr>
-            <a:spLocks noGrp="1"/>
-          </p:cNvSpPr>
-          <p:nvPr>
-            <p:ph type="sldNum" sz="quarter" idx="13"/>
-          </p:nvPr>
-        </p:nvSpPr>
-        <p:spPr/>
-        <p:txBody>
-          <a:bodyPr/>
-          <a:lstStyle/>
-          <a:p>
-            <a:fld id="{B4008EB6-D09E-4580-8CD6-DDB14511944F}" type="slidenum">
-              <a:rPr lang="en-US" smtClean="0"/>
-              <a:pPr/>
               <a:t>4</a:t>
             </a:fld>
-            <a:endParaRPr lang="en-US" dirty="0"/>
+            <a:endParaRPr lang="en-US"/>
           </a:p>
         </p:txBody>
       </p:sp>
     </p:spTree>
     <p:extLst>
       <p:ext uri="{BB962C8B-B14F-4D97-AF65-F5344CB8AC3E}">
-        <p14:creationId xmlns:p14="http://schemas.microsoft.com/office/powerpoint/2010/main" val="3000955566"/>
+        <p14:creationId xmlns:p14="http://schemas.microsoft.com/office/powerpoint/2010/main" val="690284632"/>
       </p:ext>
     </p:extLst>
   </p:cSld>
@@ -3653,112 +3749,9 @@
           <a:bodyPr/>
           <a:lstStyle/>
           <a:p>
-            <a:r>
-              <a:rPr lang="en-US" dirty="0" smtClean="0"/>
-              <a:t>Angular.js is an MVC framework – strong separation between data and view through a controller</a:t>
-            </a:r>
-          </a:p>
-          <a:p>
-            <a:r>
-              <a:rPr lang="en-US" dirty="0" smtClean="0"/>
-              <a:t>It uses dependencies injection to resolve dependencies</a:t>
-            </a:r>
-          </a:p>
-          <a:p>
-            <a:r>
-              <a:rPr lang="en-US" dirty="0" smtClean="0"/>
-              <a:t/>
-            </a:r>
-            <a:br>
-              <a:rPr lang="en-US" dirty="0" smtClean="0"/>
-            </a:br>
-            <a:r>
-              <a:rPr lang="en-US" dirty="0" smtClean="0"/>
-              <a:t>Demo – From scratch:</a:t>
-            </a:r>
-          </a:p>
-          <a:p>
-            <a:pPr marL="171450" indent="-171450">
+            <a:pPr marL="0" indent="0">
               <a:buFontTx/>
-              <a:buChar char="-"/>
-            </a:pPr>
-            <a:r>
-              <a:rPr lang="en-US" dirty="0" smtClean="0"/>
-              <a:t>New html page</a:t>
-            </a:r>
-          </a:p>
-          <a:p>
-            <a:pPr marL="171450" indent="-171450">
-              <a:buFontTx/>
-              <a:buChar char="-"/>
-            </a:pPr>
-            <a:r>
-              <a:rPr lang="en-US" dirty="0" smtClean="0"/>
-              <a:t>Add references</a:t>
-            </a:r>
-          </a:p>
-          <a:p>
-            <a:pPr marL="171450" indent="-171450">
-              <a:buFontTx/>
-              <a:buChar char="-"/>
-            </a:pPr>
-            <a:r>
-              <a:rPr lang="en-US" dirty="0" smtClean="0"/>
-              <a:t>Ng-app</a:t>
-            </a:r>
-          </a:p>
-          <a:p>
-            <a:pPr marL="171450" indent="-171450">
-              <a:buFontTx/>
-              <a:buChar char="-"/>
-            </a:pPr>
-            <a:r>
-              <a:rPr lang="en-US" dirty="0" smtClean="0"/>
-              <a:t>App.js</a:t>
-            </a:r>
-          </a:p>
-          <a:p>
-            <a:pPr marL="171450" indent="-171450">
-              <a:buFontTx/>
-              <a:buChar char="-"/>
-            </a:pPr>
-            <a:r>
-              <a:rPr lang="en-US" dirty="0" smtClean="0"/>
-              <a:t>cardsController.js</a:t>
-            </a:r>
-          </a:p>
-          <a:p>
-            <a:pPr marL="171450" indent="-171450">
-              <a:buFontTx/>
-              <a:buChar char="-"/>
-            </a:pPr>
-            <a:r>
-              <a:rPr lang="en-US" dirty="0" smtClean="0"/>
-              <a:t>Ng-controller </a:t>
-            </a:r>
-            <a:r>
-              <a:rPr lang="en-US" dirty="0" err="1" smtClean="0"/>
-              <a:t>dans</a:t>
-            </a:r>
-            <a:r>
-              <a:rPr lang="en-US" dirty="0" smtClean="0"/>
-              <a:t> la page</a:t>
-            </a:r>
-          </a:p>
-          <a:p>
-            <a:pPr marL="171450" indent="-171450">
-              <a:buFontTx/>
-              <a:buChar char="-"/>
-            </a:pPr>
-            <a:r>
-              <a:rPr lang="en-US" dirty="0" smtClean="0"/>
-              <a:t>Binding simple avec ng-model</a:t>
-            </a:r>
-          </a:p>
-          <a:p>
-            <a:pPr marL="171450" indent="-171450">
-              <a:buFontTx/>
-              <a:buChar char="-"/>
+              <a:buNone/>
             </a:pPr>
             <a:endParaRPr lang="en-US" dirty="0" smtClean="0"/>
           </a:p>
@@ -3872,7 +3865,7 @@
           <a:p>
             <a:fld id="{9F00D60D-1703-4D24-8308-FEE06A50A69C}" type="datetime1">
               <a:rPr lang="en-US" smtClean="0"/>
-              <a:t>3/5/2014</a:t>
+              <a:t>3/10/2014</a:t>
             </a:fld>
             <a:endParaRPr lang="en-US" dirty="0"/>
           </a:p>
@@ -3905,7 +3898,7 @@
     </p:spTree>
     <p:extLst>
       <p:ext uri="{BB962C8B-B14F-4D97-AF65-F5344CB8AC3E}">
-        <p14:creationId xmlns:p14="http://schemas.microsoft.com/office/powerpoint/2010/main" val="2851074676"/>
+        <p14:creationId xmlns:p14="http://schemas.microsoft.com/office/powerpoint/2010/main" val="3000955566"/>
       </p:ext>
     </p:extLst>
   </p:cSld>
@@ -3961,7 +3954,26 @@
           <a:p>
             <a:r>
               <a:rPr lang="en-US" dirty="0" smtClean="0"/>
-              <a:t>Demo:</a:t>
+              <a:t>Angular.js is an MVC framework – strong separation between data and view through a controller</a:t>
+            </a:r>
+          </a:p>
+          <a:p>
+            <a:r>
+              <a:rPr lang="en-US" dirty="0" smtClean="0"/>
+              <a:t>It uses dependencies injection to resolve dependencies</a:t>
+            </a:r>
+          </a:p>
+          <a:p>
+            <a:r>
+              <a:rPr lang="en-US" dirty="0" smtClean="0"/>
+              <a:t/>
+            </a:r>
+            <a:br>
+              <a:rPr lang="en-US" dirty="0" smtClean="0"/>
+            </a:br>
+            <a:r>
+              <a:rPr lang="en-US" dirty="0" smtClean="0"/>
+              <a:t>Demo – From scratch:</a:t>
             </a:r>
           </a:p>
           <a:p>
@@ -3970,8 +3982,8 @@
               <a:buChar char="-"/>
             </a:pPr>
             <a:r>
-              <a:rPr lang="en-US" baseline="0" dirty="0" smtClean="0"/>
-              <a:t>Web request through $http</a:t>
+              <a:rPr lang="en-US" dirty="0" smtClean="0"/>
+              <a:t>New html page</a:t>
             </a:r>
           </a:p>
           <a:p>
@@ -3980,8 +3992,8 @@
               <a:buChar char="-"/>
             </a:pPr>
             <a:r>
-              <a:rPr lang="en-US" baseline="0" dirty="0" smtClean="0"/>
-              <a:t>Moving to localServices.js to use angular-resource with $resources</a:t>
+              <a:rPr lang="en-US" dirty="0" smtClean="0"/>
+              <a:t>Add references</a:t>
             </a:r>
           </a:p>
           <a:p>
@@ -3990,40 +4002,8 @@
               <a:buChar char="-"/>
             </a:pPr>
             <a:r>
-              <a:rPr lang="en-US" baseline="0" dirty="0" smtClean="0"/>
-              <a:t>Adding local filter </a:t>
-            </a:r>
-            <a:r>
-              <a:rPr lang="en-US" baseline="0" dirty="0" smtClean="0">
-                <a:solidFill>
-                  <a:srgbClr val="FF0000"/>
-                </a:solidFill>
-              </a:rPr>
-              <a:t>&lt;</a:t>
-            </a:r>
-            <a:r>
-              <a:rPr lang="en-US" b="1" baseline="0" dirty="0" smtClean="0">
-                <a:solidFill>
-                  <a:srgbClr val="FF0000"/>
-                </a:solidFill>
-              </a:rPr>
-              <a:t>Perhaps a call to </a:t>
-            </a:r>
-            <a:r>
-              <a:rPr lang="en-US" b="1" baseline="0" dirty="0" err="1" smtClean="0">
-                <a:solidFill>
-                  <a:srgbClr val="FF0000"/>
-                </a:solidFill>
-              </a:rPr>
-              <a:t>webAPI</a:t>
-            </a:r>
-            <a:r>
-              <a:rPr lang="en-US" b="1" baseline="0" dirty="0" smtClean="0">
-                <a:solidFill>
-                  <a:srgbClr val="FF0000"/>
-                </a:solidFill>
-              </a:rPr>
-              <a:t> here?&gt;</a:t>
+              <a:rPr lang="en-US" dirty="0" smtClean="0"/>
+              <a:t>Ng-app</a:t>
             </a:r>
           </a:p>
           <a:p>
@@ -4032,18 +4012,54 @@
               <a:buChar char="-"/>
             </a:pPr>
             <a:r>
-              <a:rPr lang="en-US" b="0" baseline="0" dirty="0" smtClean="0">
-                <a:solidFill>
-                  <a:srgbClr val="FF0000"/>
-                </a:solidFill>
-              </a:rPr>
-              <a:t>Adding animations (angular-animate)</a:t>
-            </a:r>
-            <a:endParaRPr lang="en-US" b="0" dirty="0" smtClean="0">
-              <a:solidFill>
-                <a:srgbClr val="FF0000"/>
-              </a:solidFill>
-            </a:endParaRPr>
+              <a:rPr lang="en-US" dirty="0" smtClean="0"/>
+              <a:t>App.js</a:t>
+            </a:r>
+          </a:p>
+          <a:p>
+            <a:pPr marL="171450" indent="-171450">
+              <a:buFontTx/>
+              <a:buChar char="-"/>
+            </a:pPr>
+            <a:r>
+              <a:rPr lang="en-US" dirty="0" smtClean="0"/>
+              <a:t>cardsController.js</a:t>
+            </a:r>
+          </a:p>
+          <a:p>
+            <a:pPr marL="171450" indent="-171450">
+              <a:buFontTx/>
+              <a:buChar char="-"/>
+            </a:pPr>
+            <a:r>
+              <a:rPr lang="en-US" dirty="0" smtClean="0"/>
+              <a:t>Ng-controller </a:t>
+            </a:r>
+            <a:r>
+              <a:rPr lang="en-US" dirty="0" err="1" smtClean="0"/>
+              <a:t>dans</a:t>
+            </a:r>
+            <a:r>
+              <a:rPr lang="en-US" dirty="0" smtClean="0"/>
+              <a:t> la page</a:t>
+            </a:r>
+          </a:p>
+          <a:p>
+            <a:pPr marL="171450" indent="-171450">
+              <a:buFontTx/>
+              <a:buChar char="-"/>
+            </a:pPr>
+            <a:r>
+              <a:rPr lang="en-US" dirty="0" smtClean="0"/>
+              <a:t>Binding simple avec ng-model</a:t>
+            </a:r>
+          </a:p>
+          <a:p>
+            <a:pPr marL="171450" indent="-171450">
+              <a:buFontTx/>
+              <a:buChar char="-"/>
+            </a:pPr>
+            <a:endParaRPr lang="en-US" dirty="0" smtClean="0"/>
           </a:p>
           <a:p>
             <a:pPr marL="171450" indent="-171450">
@@ -4155,7 +4171,7 @@
           <a:p>
             <a:fld id="{9F00D60D-1703-4D24-8308-FEE06A50A69C}" type="datetime1">
               <a:rPr lang="en-US" smtClean="0"/>
-              <a:t>3/5/2014</a:t>
+              <a:t>3/10/2014</a:t>
             </a:fld>
             <a:endParaRPr lang="en-US" dirty="0"/>
           </a:p>
@@ -4188,7 +4204,7 @@
     </p:spTree>
     <p:extLst>
       <p:ext uri="{BB962C8B-B14F-4D97-AF65-F5344CB8AC3E}">
-        <p14:creationId xmlns:p14="http://schemas.microsoft.com/office/powerpoint/2010/main" val="3945373112"/>
+        <p14:creationId xmlns:p14="http://schemas.microsoft.com/office/powerpoint/2010/main" val="2851074676"/>
       </p:ext>
     </p:extLst>
   </p:cSld>
@@ -4253,8 +4269,8 @@
               <a:buChar char="-"/>
             </a:pPr>
             <a:r>
-              <a:rPr lang="en-US" dirty="0" smtClean="0"/>
-              <a:t>Moving current content to list.html</a:t>
+              <a:rPr lang="en-US" baseline="0" dirty="0" smtClean="0"/>
+              <a:t>Web request through $http</a:t>
             </a:r>
           </a:p>
           <a:p>
@@ -4263,8 +4279,8 @@
               <a:buChar char="-"/>
             </a:pPr>
             <a:r>
-              <a:rPr lang="en-US" dirty="0" smtClean="0"/>
-              <a:t>Adding a ng-view tag</a:t>
+              <a:rPr lang="en-US" baseline="0" dirty="0" smtClean="0"/>
+              <a:t>Moving to localServices.js to use angular-resource with $resources</a:t>
             </a:r>
           </a:p>
           <a:p>
@@ -4274,7 +4290,39 @@
             </a:pPr>
             <a:r>
               <a:rPr lang="en-US" baseline="0" dirty="0" smtClean="0"/>
-              <a:t>Adding routing to app.js (angular-route)</a:t>
+              <a:t>Adding local filter </a:t>
+            </a:r>
+            <a:r>
+              <a:rPr lang="en-US" baseline="0" dirty="0" smtClean="0">
+                <a:solidFill>
+                  <a:srgbClr val="FF0000"/>
+                </a:solidFill>
+              </a:rPr>
+              <a:t>&lt;</a:t>
+            </a:r>
+            <a:r>
+              <a:rPr lang="en-US" b="1" baseline="0" dirty="0" smtClean="0">
+                <a:solidFill>
+                  <a:srgbClr val="FF0000"/>
+                </a:solidFill>
+              </a:rPr>
+              <a:t>Perhaps a call to </a:t>
+            </a:r>
+            <a:r>
+              <a:rPr lang="en-US" b="1" baseline="0" dirty="0" err="1" smtClean="0">
+                <a:solidFill>
+                  <a:srgbClr val="FF0000"/>
+                </a:solidFill>
+              </a:rPr>
+              <a:t>webAPI</a:t>
+            </a:r>
+            <a:r>
+              <a:rPr lang="en-US" b="1" baseline="0" dirty="0" smtClean="0">
+                <a:solidFill>
+                  <a:srgbClr val="FF0000"/>
+                </a:solidFill>
+              </a:rPr>
+              <a:t> here?&gt;</a:t>
             </a:r>
           </a:p>
           <a:p>
@@ -4283,10 +4331,18 @@
               <a:buChar char="-"/>
             </a:pPr>
             <a:r>
-              <a:rPr lang="en-US" baseline="0" dirty="0" smtClean="0"/>
-              <a:t>New view detail.html</a:t>
-            </a:r>
-            <a:endParaRPr lang="en-US" dirty="0" smtClean="0"/>
+              <a:rPr lang="en-US" b="0" baseline="0" dirty="0" smtClean="0">
+                <a:solidFill>
+                  <a:srgbClr val="FF0000"/>
+                </a:solidFill>
+              </a:rPr>
+              <a:t>Adding animations (angular-animate)</a:t>
+            </a:r>
+            <a:endParaRPr lang="en-US" b="0" dirty="0" smtClean="0">
+              <a:solidFill>
+                <a:srgbClr val="FF0000"/>
+              </a:solidFill>
+            </a:endParaRPr>
           </a:p>
           <a:p>
             <a:pPr marL="171450" indent="-171450">
@@ -4398,7 +4454,7 @@
           <a:p>
             <a:fld id="{9F00D60D-1703-4D24-8308-FEE06A50A69C}" type="datetime1">
               <a:rPr lang="en-US" smtClean="0"/>
-              <a:t>3/5/2014</a:t>
+              <a:t>3/10/2014</a:t>
             </a:fld>
             <a:endParaRPr lang="en-US" dirty="0"/>
           </a:p>
@@ -4431,7 +4487,7 @@
     </p:spTree>
     <p:extLst>
       <p:ext uri="{BB962C8B-B14F-4D97-AF65-F5344CB8AC3E}">
-        <p14:creationId xmlns:p14="http://schemas.microsoft.com/office/powerpoint/2010/main" val="1981855889"/>
+        <p14:creationId xmlns:p14="http://schemas.microsoft.com/office/powerpoint/2010/main" val="3945373112"/>
       </p:ext>
     </p:extLst>
   </p:cSld>
@@ -4497,7 +4553,7 @@
             </a:pPr>
             <a:r>
               <a:rPr lang="en-US" dirty="0" smtClean="0"/>
-              <a:t>Add dual-binding in detail</a:t>
+              <a:t>Moving current content to list.html</a:t>
             </a:r>
           </a:p>
           <a:p>
@@ -4507,7 +4563,7 @@
             </a:pPr>
             <a:r>
               <a:rPr lang="en-US" dirty="0" smtClean="0"/>
-              <a:t>Ng-change to update locally</a:t>
+              <a:t>Adding a ng-view tag</a:t>
             </a:r>
           </a:p>
           <a:p>
@@ -4516,8 +4572,8 @@
               <a:buChar char="-"/>
             </a:pPr>
             <a:r>
-              <a:rPr lang="en-US" dirty="0" smtClean="0"/>
-              <a:t>Reload changes at start</a:t>
+              <a:rPr lang="en-US" baseline="0" dirty="0" smtClean="0"/>
+              <a:t>Adding routing to app.js (angular-route)</a:t>
             </a:r>
           </a:p>
           <a:p>
@@ -4526,34 +4582,9 @@
               <a:buChar char="-"/>
             </a:pPr>
             <a:r>
-              <a:rPr lang="en-US" dirty="0" smtClean="0"/>
-              <a:t>Using</a:t>
-            </a:r>
-            <a:r>
               <a:rPr lang="en-US" baseline="0" dirty="0" smtClean="0"/>
-              <a:t> </a:t>
-            </a:r>
-            <a:r>
-              <a:rPr lang="en-US" baseline="0" dirty="0" err="1" smtClean="0"/>
-              <a:t>signalR</a:t>
-            </a:r>
-            <a:r>
-              <a:rPr lang="en-US" baseline="0" dirty="0" smtClean="0"/>
-              <a:t> to do a real time sync</a:t>
-            </a:r>
-          </a:p>
-          <a:p>
-            <a:pPr marL="171450" indent="-171450">
-              <a:buFontTx/>
-              <a:buChar char="-"/>
-            </a:pPr>
-            <a:endParaRPr lang="en-US" dirty="0" smtClean="0"/>
-          </a:p>
-          <a:p>
-            <a:pPr marL="171450" indent="-171450">
-              <a:buFontTx/>
-              <a:buChar char="-"/>
-            </a:pPr>
+              <a:t>New view detail.html</a:t>
+            </a:r>
             <a:endParaRPr lang="en-US" dirty="0" smtClean="0"/>
           </a:p>
           <a:p>
@@ -4666,7 +4697,7 @@
           <a:p>
             <a:fld id="{9F00D60D-1703-4D24-8308-FEE06A50A69C}" type="datetime1">
               <a:rPr lang="en-US" smtClean="0"/>
-              <a:t>3/5/2014</a:t>
+              <a:t>3/10/2014</a:t>
             </a:fld>
             <a:endParaRPr lang="en-US" dirty="0"/>
           </a:p>
@@ -4699,7 +4730,7 @@
     </p:spTree>
     <p:extLst>
       <p:ext uri="{BB962C8B-B14F-4D97-AF65-F5344CB8AC3E}">
-        <p14:creationId xmlns:p14="http://schemas.microsoft.com/office/powerpoint/2010/main" val="2609639166"/>
+        <p14:creationId xmlns:p14="http://schemas.microsoft.com/office/powerpoint/2010/main" val="1981855889"/>
       </p:ext>
     </p:extLst>
   </p:cSld>
@@ -4753,7 +4784,90 @@
           <a:bodyPr/>
           <a:lstStyle/>
           <a:p>
-            <a:endParaRPr lang="en-US"/>
+            <a:r>
+              <a:rPr lang="en-US" dirty="0" smtClean="0"/>
+              <a:t>Demo:</a:t>
+            </a:r>
+          </a:p>
+          <a:p>
+            <a:pPr marL="171450" indent="-171450">
+              <a:buFontTx/>
+              <a:buChar char="-"/>
+            </a:pPr>
+            <a:r>
+              <a:rPr lang="en-US" dirty="0" smtClean="0"/>
+              <a:t>Add dual-binding in detail</a:t>
+            </a:r>
+          </a:p>
+          <a:p>
+            <a:pPr marL="171450" indent="-171450">
+              <a:buFontTx/>
+              <a:buChar char="-"/>
+            </a:pPr>
+            <a:r>
+              <a:rPr lang="en-US" dirty="0" smtClean="0"/>
+              <a:t>Ng-change to update locally</a:t>
+            </a:r>
+          </a:p>
+          <a:p>
+            <a:pPr marL="171450" indent="-171450">
+              <a:buFontTx/>
+              <a:buChar char="-"/>
+            </a:pPr>
+            <a:r>
+              <a:rPr lang="en-US" dirty="0" smtClean="0"/>
+              <a:t>Reload changes at start</a:t>
+            </a:r>
+          </a:p>
+          <a:p>
+            <a:pPr marL="171450" indent="-171450">
+              <a:buFontTx/>
+              <a:buChar char="-"/>
+            </a:pPr>
+            <a:r>
+              <a:rPr lang="en-US" dirty="0" smtClean="0"/>
+              <a:t>Using</a:t>
+            </a:r>
+            <a:r>
+              <a:rPr lang="en-US" baseline="0" dirty="0" smtClean="0"/>
+              <a:t> </a:t>
+            </a:r>
+            <a:r>
+              <a:rPr lang="en-US" baseline="0" dirty="0" err="1" smtClean="0"/>
+              <a:t>signalR</a:t>
+            </a:r>
+            <a:r>
+              <a:rPr lang="en-US" baseline="0" dirty="0" smtClean="0"/>
+              <a:t> to do a real time sync</a:t>
+            </a:r>
+          </a:p>
+          <a:p>
+            <a:pPr marL="171450" indent="-171450">
+              <a:buFontTx/>
+              <a:buChar char="-"/>
+            </a:pPr>
+            <a:endParaRPr lang="en-US" dirty="0" smtClean="0"/>
+          </a:p>
+          <a:p>
+            <a:pPr marL="171450" indent="-171450">
+              <a:buFontTx/>
+              <a:buChar char="-"/>
+            </a:pPr>
+            <a:endParaRPr lang="en-US" dirty="0" smtClean="0"/>
+          </a:p>
+          <a:p>
+            <a:pPr marL="171450" indent="-171450">
+              <a:buFontTx/>
+              <a:buChar char="-"/>
+            </a:pPr>
+            <a:endParaRPr lang="en-US" dirty="0" smtClean="0"/>
+          </a:p>
+          <a:p>
+            <a:pPr marL="171450" indent="-171450">
+              <a:buFontTx/>
+              <a:buChar char="-"/>
+            </a:pPr>
+            <a:endParaRPr lang="en-US" dirty="0"/>
           </a:p>
         </p:txBody>
       </p:sp>
@@ -4851,7 +4965,7 @@
           <a:p>
             <a:fld id="{9F00D60D-1703-4D24-8308-FEE06A50A69C}" type="datetime1">
               <a:rPr lang="en-US" smtClean="0"/>
-              <a:t>3/5/2014</a:t>
+              <a:t>3/10/2014</a:t>
             </a:fld>
             <a:endParaRPr lang="en-US" dirty="0"/>
           </a:p>
@@ -4884,7 +4998,7 @@
     </p:spTree>
     <p:extLst>
       <p:ext uri="{BB962C8B-B14F-4D97-AF65-F5344CB8AC3E}">
-        <p14:creationId xmlns:p14="http://schemas.microsoft.com/office/powerpoint/2010/main" val="4101642589"/>
+        <p14:creationId xmlns:p14="http://schemas.microsoft.com/office/powerpoint/2010/main" val="2609639166"/>
       </p:ext>
     </p:extLst>
   </p:cSld>
@@ -4944,12 +5058,35 @@
       </p:sp>
       <p:sp>
         <p:nvSpPr>
-          <p:cNvPr id="4" name="Footer Placeholder 3"/>
+          <p:cNvPr id="4" name="Header Placeholder 3"/>
           <p:cNvSpPr>
             <a:spLocks noGrp="1"/>
           </p:cNvSpPr>
           <p:nvPr>
-            <p:ph type="ftr" sz="quarter" idx="10"/>
+            <p:ph type="hdr" sz="quarter" idx="10"/>
+          </p:nvPr>
+        </p:nvSpPr>
+        <p:spPr/>
+        <p:txBody>
+          <a:bodyPr/>
+          <a:lstStyle/>
+          <a:p>
+            <a:r>
+              <a:rPr lang="en-US" smtClean="0"/>
+              <a:t>Build 2014</a:t>
+            </a:r>
+            <a:endParaRPr lang="en-US" dirty="0"/>
+          </a:p>
+        </p:txBody>
+      </p:sp>
+      <p:sp>
+        <p:nvSpPr>
+          <p:cNvPr id="5" name="Footer Placeholder 4"/>
+          <p:cNvSpPr>
+            <a:spLocks noGrp="1"/>
+          </p:cNvSpPr>
+          <p:nvPr>
+            <p:ph type="ftr" sz="quarter" idx="11"/>
           </p:nvPr>
         </p:nvSpPr>
         <p:spPr/>
@@ -4998,12 +5135,12 @@
       </p:sp>
       <p:sp>
         <p:nvSpPr>
-          <p:cNvPr id="5" name="Date Placeholder 4"/>
+          <p:cNvPr id="6" name="Date Placeholder 5"/>
           <p:cNvSpPr>
             <a:spLocks noGrp="1"/>
           </p:cNvSpPr>
           <p:nvPr>
-            <p:ph type="dt" idx="11"/>
+            <p:ph type="dt" idx="12"/>
           </p:nvPr>
         </p:nvSpPr>
         <p:spPr/>
@@ -5011,9 +5148,9 @@
           <a:bodyPr/>
           <a:lstStyle/>
           <a:p>
-            <a:fld id="{41D161D5-2494-4107-A512-F3A87F6B2172}" type="datetime1">
+            <a:fld id="{9F00D60D-1703-4D24-8308-FEE06A50A69C}" type="datetime1">
               <a:rPr lang="en-US" smtClean="0"/>
-              <a:t>3/5/2014</a:t>
+              <a:t>3/10/2014</a:t>
             </a:fld>
             <a:endParaRPr lang="en-US" dirty="0"/>
           </a:p>
@@ -5021,12 +5158,12 @@
       </p:sp>
       <p:sp>
         <p:nvSpPr>
-          <p:cNvPr id="6" name="Slide Number Placeholder 5"/>
+          <p:cNvPr id="7" name="Slide Number Placeholder 6"/>
           <p:cNvSpPr>
             <a:spLocks noGrp="1"/>
           </p:cNvSpPr>
           <p:nvPr>
-            <p:ph type="sldNum" sz="quarter" idx="12"/>
+            <p:ph type="sldNum" sz="quarter" idx="13"/>
           </p:nvPr>
         </p:nvSpPr>
         <p:spPr/>
@@ -5043,33 +5180,10 @@
           </a:p>
         </p:txBody>
       </p:sp>
-      <p:sp>
-        <p:nvSpPr>
-          <p:cNvPr id="7" name="Header Placeholder 6"/>
-          <p:cNvSpPr>
-            <a:spLocks noGrp="1"/>
-          </p:cNvSpPr>
-          <p:nvPr>
-            <p:ph type="hdr" sz="quarter" idx="13"/>
-          </p:nvPr>
-        </p:nvSpPr>
-        <p:spPr/>
-        <p:txBody>
-          <a:bodyPr/>
-          <a:lstStyle/>
-          <a:p>
-            <a:r>
-              <a:rPr lang="en-US" smtClean="0"/>
-              <a:t>Build 2014</a:t>
-            </a:r>
-            <a:endParaRPr lang="en-US" dirty="0"/>
-          </a:p>
-        </p:txBody>
-      </p:sp>
     </p:spTree>
     <p:extLst>
       <p:ext uri="{BB962C8B-B14F-4D97-AF65-F5344CB8AC3E}">
-        <p14:creationId xmlns:p14="http://schemas.microsoft.com/office/powerpoint/2010/main" val="2651472473"/>
+        <p14:creationId xmlns:p14="http://schemas.microsoft.com/office/powerpoint/2010/main" val="4101642589"/>
       </p:ext>
     </p:extLst>
   </p:cSld>
@@ -8794,6 +8908,97 @@
 </file>
 
 <file path=ppt/slideLayouts/slideLayout15.xml><?xml version="1.0" encoding="utf-8"?>
+<p:sldLayout xmlns:a="http://schemas.openxmlformats.org/drawingml/2006/main" xmlns:r="http://schemas.openxmlformats.org/officeDocument/2006/relationships" xmlns:p="http://schemas.openxmlformats.org/presentationml/2006/main" type="titleOnly">
+  <p:cSld name="Title Only">
+    <p:spTree>
+      <p:nvGrpSpPr>
+        <p:cNvPr id="1" name=""/>
+        <p:cNvGrpSpPr/>
+        <p:nvPr/>
+      </p:nvGrpSpPr>
+      <p:grpSpPr>
+        <a:xfrm>
+          <a:off x="0" y="0"/>
+          <a:ext cx="0" cy="0"/>
+          <a:chOff x="0" y="0"/>
+          <a:chExt cx="0" cy="0"/>
+        </a:xfrm>
+      </p:grpSpPr>
+      <p:sp>
+        <p:nvSpPr>
+          <p:cNvPr id="2" name="Title 1"/>
+          <p:cNvSpPr>
+            <a:spLocks noGrp="1"/>
+          </p:cNvSpPr>
+          <p:nvPr>
+            <p:ph type="title"/>
+          </p:nvPr>
+        </p:nvSpPr>
+        <p:spPr/>
+        <p:txBody>
+          <a:bodyPr/>
+          <a:lstStyle/>
+          <a:p>
+            <a:r>
+              <a:rPr lang="en-US" smtClean="0"/>
+              <a:t>Click to edit Master title style</a:t>
+            </a:r>
+            <a:endParaRPr lang="en-US"/>
+          </a:p>
+        </p:txBody>
+      </p:sp>
+      <p:sp>
+        <p:nvSpPr>
+          <p:cNvPr id="5" name="Slide Number Placeholder 4"/>
+          <p:cNvSpPr>
+            <a:spLocks noGrp="1"/>
+          </p:cNvSpPr>
+          <p:nvPr>
+            <p:ph type="sldNum" sz="quarter" idx="12"/>
+          </p:nvPr>
+        </p:nvSpPr>
+        <p:spPr>
+          <a:xfrm>
+            <a:off x="9075832" y="6380761"/>
+            <a:ext cx="2798207" cy="372394"/>
+          </a:xfrm>
+          <a:prstGeom prst="rect">
+            <a:avLst/>
+          </a:prstGeom>
+        </p:spPr>
+        <p:txBody>
+          <a:bodyPr/>
+          <a:lstStyle/>
+          <a:p>
+            <a:fld id="{0A164282-434E-41D4-9582-783D542A7B68}" type="slidenum">
+              <a:rPr lang="en-US" smtClean="0"/>
+              <a:t>‹#›</a:t>
+            </a:fld>
+            <a:endParaRPr lang="en-US"/>
+          </a:p>
+        </p:txBody>
+      </p:sp>
+    </p:spTree>
+    <p:extLst>
+      <p:ext uri="{BB962C8B-B14F-4D97-AF65-F5344CB8AC3E}">
+        <p14:creationId xmlns:p14="http://schemas.microsoft.com/office/powerpoint/2010/main" val="2218273751"/>
+      </p:ext>
+    </p:extLst>
+  </p:cSld>
+  <p:clrMapOvr>
+    <a:masterClrMapping/>
+  </p:clrMapOvr>
+  <p:timing>
+    <p:tnLst>
+      <p:par>
+        <p:cTn id="1" dur="indefinite" restart="never" nodeType="tmRoot"/>
+      </p:par>
+    </p:tnLst>
+  </p:timing>
+</p:sldLayout>
+</file>
+
+<file path=ppt/slideLayouts/slideLayout16.xml><?xml version="1.0" encoding="utf-8"?>
 <p:sldLayout xmlns:a="http://schemas.openxmlformats.org/drawingml/2006/main" xmlns:r="http://schemas.openxmlformats.org/officeDocument/2006/relationships" xmlns:p="http://schemas.openxmlformats.org/presentationml/2006/main" preserve="1" userDrawn="1">
   <p:cSld name="Title Slide">
     <p:spTree>
@@ -8950,7 +9155,7 @@
 </p:sldLayout>
 </file>
 
-<file path=ppt/slideLayouts/slideLayout16.xml><?xml version="1.0" encoding="utf-8"?>
+<file path=ppt/slideLayouts/slideLayout17.xml><?xml version="1.0" encoding="utf-8"?>
 <p:sldLayout xmlns:a="http://schemas.openxmlformats.org/drawingml/2006/main" xmlns:r="http://schemas.openxmlformats.org/officeDocument/2006/relationships" xmlns:p="http://schemas.openxmlformats.org/presentationml/2006/main" preserve="1" userDrawn="1">
   <p:cSld name="Title slide - 2">
     <p:spTree>
@@ -10131,7 +10336,7 @@
 </p:sldLayout>
 </file>
 
-<file path=ppt/slideLayouts/slideLayout17.xml><?xml version="1.0" encoding="utf-8"?>
+<file path=ppt/slideLayouts/slideLayout18.xml><?xml version="1.0" encoding="utf-8"?>
 <p:sldLayout xmlns:a="http://schemas.openxmlformats.org/drawingml/2006/main" xmlns:r="http://schemas.openxmlformats.org/officeDocument/2006/relationships" xmlns:p="http://schemas.openxmlformats.org/presentationml/2006/main" preserve="1" userDrawn="1">
   <p:cSld name="Title and Content">
     <p:spTree>
@@ -10263,7 +10468,7 @@
 </p:sldLayout>
 </file>
 
-<file path=ppt/slideLayouts/slideLayout18.xml><?xml version="1.0" encoding="utf-8"?>
+<file path=ppt/slideLayouts/slideLayout19.xml><?xml version="1.0" encoding="utf-8"?>
 <p:sldLayout xmlns:a="http://schemas.openxmlformats.org/drawingml/2006/main" xmlns:r="http://schemas.openxmlformats.org/officeDocument/2006/relationships" xmlns:p="http://schemas.openxmlformats.org/presentationml/2006/main" preserve="1" userDrawn="1">
   <p:cSld name="Title and Content - 2">
     <p:spTree>
@@ -10446,78 +10651,6 @@
     <p:extLst>
       <p:ext uri="{BB962C8B-B14F-4D97-AF65-F5344CB8AC3E}">
         <p14:creationId xmlns:p14="http://schemas.microsoft.com/office/powerpoint/2010/main" val="1372855731"/>
-      </p:ext>
-    </p:extLst>
-  </p:cSld>
-  <p:clrMapOvr>
-    <a:masterClrMapping/>
-  </p:clrMapOvr>
-  <p:transition>
-    <p:fade/>
-  </p:transition>
-  <p:timing>
-    <p:tnLst>
-      <p:par>
-        <p:cTn id="1" dur="indefinite" restart="never" nodeType="tmRoot"/>
-      </p:par>
-    </p:tnLst>
-  </p:timing>
-</p:sldLayout>
-</file>
-
-<file path=ppt/slideLayouts/slideLayout19.xml><?xml version="1.0" encoding="utf-8"?>
-<p:sldLayout xmlns:a="http://schemas.openxmlformats.org/drawingml/2006/main" xmlns:r="http://schemas.openxmlformats.org/officeDocument/2006/relationships" xmlns:p="http://schemas.openxmlformats.org/presentationml/2006/main" preserve="1" userDrawn="1">
-  <p:cSld name="Text Only Large">
-    <p:spTree>
-      <p:nvGrpSpPr>
-        <p:cNvPr id="1" name=""/>
-        <p:cNvGrpSpPr/>
-        <p:nvPr/>
-      </p:nvGrpSpPr>
-      <p:grpSpPr>
-        <a:xfrm>
-          <a:off x="0" y="0"/>
-          <a:ext cx="0" cy="0"/>
-          <a:chOff x="0" y="0"/>
-          <a:chExt cx="0" cy="0"/>
-        </a:xfrm>
-      </p:grpSpPr>
-      <p:sp>
-        <p:nvSpPr>
-          <p:cNvPr id="2" name="Title 1"/>
-          <p:cNvSpPr>
-            <a:spLocks noGrp="1"/>
-          </p:cNvSpPr>
-          <p:nvPr>
-            <p:ph type="title"/>
-          </p:nvPr>
-        </p:nvSpPr>
-        <p:spPr>
-          <a:xfrm>
-            <a:off x="1189038" y="2125663"/>
-            <a:ext cx="10058399" cy="1828800"/>
-          </a:xfrm>
-        </p:spPr>
-        <p:txBody>
-          <a:bodyPr/>
-          <a:lstStyle>
-            <a:lvl1pPr>
-              <a:defRPr sz="4800" baseline="0"/>
-            </a:lvl1pPr>
-          </a:lstStyle>
-          <a:p>
-            <a:r>
-              <a:rPr lang="en-US" dirty="0" smtClean="0"/>
-              <a:t>Click to edit Master title style</a:t>
-            </a:r>
-            <a:endParaRPr lang="en-US" dirty="0"/>
-          </a:p>
-        </p:txBody>
-      </p:sp>
-    </p:spTree>
-    <p:extLst>
-      <p:ext uri="{BB962C8B-B14F-4D97-AF65-F5344CB8AC3E}">
-        <p14:creationId xmlns:p14="http://schemas.microsoft.com/office/powerpoint/2010/main" val="3322279723"/>
       </p:ext>
     </p:extLst>
   </p:cSld>
@@ -11720,6 +11853,78 @@
 
 <file path=ppt/slideLayouts/slideLayout20.xml><?xml version="1.0" encoding="utf-8"?>
 <p:sldLayout xmlns:a="http://schemas.openxmlformats.org/drawingml/2006/main" xmlns:r="http://schemas.openxmlformats.org/officeDocument/2006/relationships" xmlns:p="http://schemas.openxmlformats.org/presentationml/2006/main" preserve="1" userDrawn="1">
+  <p:cSld name="Text Only Large">
+    <p:spTree>
+      <p:nvGrpSpPr>
+        <p:cNvPr id="1" name=""/>
+        <p:cNvGrpSpPr/>
+        <p:nvPr/>
+      </p:nvGrpSpPr>
+      <p:grpSpPr>
+        <a:xfrm>
+          <a:off x="0" y="0"/>
+          <a:ext cx="0" cy="0"/>
+          <a:chOff x="0" y="0"/>
+          <a:chExt cx="0" cy="0"/>
+        </a:xfrm>
+      </p:grpSpPr>
+      <p:sp>
+        <p:nvSpPr>
+          <p:cNvPr id="2" name="Title 1"/>
+          <p:cNvSpPr>
+            <a:spLocks noGrp="1"/>
+          </p:cNvSpPr>
+          <p:nvPr>
+            <p:ph type="title"/>
+          </p:nvPr>
+        </p:nvSpPr>
+        <p:spPr>
+          <a:xfrm>
+            <a:off x="1189038" y="2125663"/>
+            <a:ext cx="10058399" cy="1828800"/>
+          </a:xfrm>
+        </p:spPr>
+        <p:txBody>
+          <a:bodyPr/>
+          <a:lstStyle>
+            <a:lvl1pPr>
+              <a:defRPr sz="4800" baseline="0"/>
+            </a:lvl1pPr>
+          </a:lstStyle>
+          <a:p>
+            <a:r>
+              <a:rPr lang="en-US" dirty="0" smtClean="0"/>
+              <a:t>Click to edit Master title style</a:t>
+            </a:r>
+            <a:endParaRPr lang="en-US" dirty="0"/>
+          </a:p>
+        </p:txBody>
+      </p:sp>
+    </p:spTree>
+    <p:extLst>
+      <p:ext uri="{BB962C8B-B14F-4D97-AF65-F5344CB8AC3E}">
+        <p14:creationId xmlns:p14="http://schemas.microsoft.com/office/powerpoint/2010/main" val="3322279723"/>
+      </p:ext>
+    </p:extLst>
+  </p:cSld>
+  <p:clrMapOvr>
+    <a:masterClrMapping/>
+  </p:clrMapOvr>
+  <p:transition>
+    <p:fade/>
+  </p:transition>
+  <p:timing>
+    <p:tnLst>
+      <p:par>
+        <p:cTn id="1" dur="indefinite" restart="never" nodeType="tmRoot"/>
+      </p:par>
+    </p:tnLst>
+  </p:timing>
+</p:sldLayout>
+</file>
+
+<file path=ppt/slideLayouts/slideLayout21.xml><?xml version="1.0" encoding="utf-8"?>
+<p:sldLayout xmlns:a="http://schemas.openxmlformats.org/drawingml/2006/main" xmlns:r="http://schemas.openxmlformats.org/officeDocument/2006/relationships" xmlns:p="http://schemas.openxmlformats.org/presentationml/2006/main" preserve="1" userDrawn="1">
   <p:cSld name="Custom Layout">
     <p:spTree>
       <p:nvGrpSpPr>
@@ -11852,7 +12057,7 @@
 </p:sldLayout>
 </file>
 
-<file path=ppt/slideLayouts/slideLayout21.xml><?xml version="1.0" encoding="utf-8"?>
+<file path=ppt/slideLayouts/slideLayout22.xml><?xml version="1.0" encoding="utf-8"?>
 <p:sldLayout xmlns:a="http://schemas.openxmlformats.org/drawingml/2006/main" xmlns:r="http://schemas.openxmlformats.org/officeDocument/2006/relationships" xmlns:p="http://schemas.openxmlformats.org/presentationml/2006/main" preserve="1" userDrawn="1">
   <p:cSld name="Color Shape &amp; Color Background">
     <p:spTree>
@@ -12273,7 +12478,7 @@
 </p:sldLayout>
 </file>
 
-<file path=ppt/slideLayouts/slideLayout22.xml><?xml version="1.0" encoding="utf-8"?>
+<file path=ppt/slideLayouts/slideLayout23.xml><?xml version="1.0" encoding="utf-8"?>
 <p:sldLayout xmlns:a="http://schemas.openxmlformats.org/drawingml/2006/main" xmlns:r="http://schemas.openxmlformats.org/officeDocument/2006/relationships" xmlns:p="http://schemas.openxmlformats.org/presentationml/2006/main" preserve="1" userDrawn="1">
   <p:cSld name="Color Shape &amp; Color Background w/ Title">
     <p:spTree>
@@ -12700,7 +12905,7 @@
 </p:sldLayout>
 </file>
 
-<file path=ppt/slideLayouts/slideLayout23.xml><?xml version="1.0" encoding="utf-8"?>
+<file path=ppt/slideLayouts/slideLayout24.xml><?xml version="1.0" encoding="utf-8"?>
 <p:sldLayout xmlns:a="http://schemas.openxmlformats.org/drawingml/2006/main" xmlns:r="http://schemas.openxmlformats.org/officeDocument/2006/relationships" xmlns:p="http://schemas.openxmlformats.org/presentationml/2006/main" preserve="1" userDrawn="1">
   <p:cSld name="Picture Shape &amp; Color Background w/ Title">
     <p:spTree>
@@ -13143,7 +13348,7 @@
 </p:sldLayout>
 </file>
 
-<file path=ppt/slideLayouts/slideLayout24.xml><?xml version="1.0" encoding="utf-8"?>
+<file path=ppt/slideLayouts/slideLayout25.xml><?xml version="1.0" encoding="utf-8"?>
 <p:sldLayout xmlns:a="http://schemas.openxmlformats.org/drawingml/2006/main" xmlns:r="http://schemas.openxmlformats.org/officeDocument/2006/relationships" xmlns:p="http://schemas.openxmlformats.org/presentationml/2006/main" preserve="1" userDrawn="1">
   <p:cSld name="Title and Content - Code">
     <p:spTree>
@@ -13364,7 +13569,7 @@
 </p:sldLayout>
 </file>
 
-<file path=ppt/slideLayouts/slideLayout25.xml><?xml version="1.0" encoding="utf-8"?>
+<file path=ppt/slideLayouts/slideLayout26.xml><?xml version="1.0" encoding="utf-8"?>
 <p:sldLayout xmlns:a="http://schemas.openxmlformats.org/drawingml/2006/main" xmlns:r="http://schemas.openxmlformats.org/officeDocument/2006/relationships" xmlns:p="http://schemas.openxmlformats.org/presentationml/2006/main" preserve="1" userDrawn="1">
   <p:cSld name="Blank">
     <p:spTree>
@@ -13404,7 +13609,7 @@
 </p:sldLayout>
 </file>
 
-<file path=ppt/slideLayouts/slideLayout26.xml><?xml version="1.0" encoding="utf-8"?>
+<file path=ppt/slideLayouts/slideLayout27.xml><?xml version="1.0" encoding="utf-8"?>
 <p:sldLayout xmlns:a="http://schemas.openxmlformats.org/drawingml/2006/main" xmlns:r="http://schemas.openxmlformats.org/officeDocument/2006/relationships" xmlns:p="http://schemas.openxmlformats.org/presentationml/2006/main" preserve="1" userDrawn="1">
   <p:cSld name="Multiple Shapes &amp; Color Background">
     <p:spTree>
@@ -15253,7 +15458,7 @@
 </p:sldLayout>
 </file>
 
-<file path=ppt/slideLayouts/slideLayout27.xml><?xml version="1.0" encoding="utf-8"?>
+<file path=ppt/slideLayouts/slideLayout28.xml><?xml version="1.0" encoding="utf-8"?>
 <p:sldLayout xmlns:a="http://schemas.openxmlformats.org/drawingml/2006/main" xmlns:r="http://schemas.openxmlformats.org/officeDocument/2006/relationships" xmlns:p="http://schemas.openxmlformats.org/presentationml/2006/main" preserve="1" userDrawn="1">
   <p:cSld name="Black Notes slide Layout">
     <p:bg bwMode="black">
@@ -17549,7 +17754,7 @@
           <p:nvPr userDrawn="1"/>
         </p:nvPicPr>
         <p:blipFill>
-          <a:blip r:embed="rId16">
+          <a:blip r:embed="rId17">
             <a:extLst>
               <a:ext uri="{28A0092B-C50C-407E-A947-70E740481C1C}">
                 <a14:useLocalDpi xmlns:a14="http://schemas.microsoft.com/office/drawing/2010/main" val="0"/>
@@ -17593,6 +17798,7 @@
     <p:sldLayoutId id="2147484213" r:id="rId12"/>
     <p:sldLayoutId id="2147484215" r:id="rId13"/>
     <p:sldLayoutId id="2147484203" r:id="rId14"/>
+    <p:sldLayoutId id="2147484234" r:id="rId15"/>
   </p:sldLayoutIdLst>
   <p:transition>
     <p:fade/>
@@ -18823,6 +19029,156 @@
 </file>
 
 <file path=ppt/slides/slide10.xml><?xml version="1.0" encoding="utf-8"?>
+<p:sld xmlns:a="http://schemas.openxmlformats.org/drawingml/2006/main" xmlns:r="http://schemas.openxmlformats.org/officeDocument/2006/relationships" xmlns:p="http://schemas.openxmlformats.org/presentationml/2006/main" show="0">
+  <p:cSld>
+    <p:spTree>
+      <p:nvGrpSpPr>
+        <p:cNvPr id="1" name=""/>
+        <p:cNvGrpSpPr/>
+        <p:nvPr/>
+      </p:nvGrpSpPr>
+      <p:grpSpPr>
+        <a:xfrm>
+          <a:off x="0" y="0"/>
+          <a:ext cx="0" cy="0"/>
+          <a:chOff x="0" y="0"/>
+          <a:chExt cx="0" cy="0"/>
+        </a:xfrm>
+      </p:grpSpPr>
+      <p:sp>
+        <p:nvSpPr>
+          <p:cNvPr id="2" name="Text Placeholder 1"/>
+          <p:cNvSpPr>
+            <a:spLocks noGrp="1"/>
+          </p:cNvSpPr>
+          <p:nvPr>
+            <p:ph type="body" sz="quarter" idx="10"/>
+          </p:nvPr>
+        </p:nvSpPr>
+        <p:spPr/>
+        <p:txBody>
+          <a:bodyPr/>
+          <a:lstStyle/>
+          <a:p>
+            <a:r>
+              <a:rPr lang="en-US" sz="3200" dirty="0" smtClean="0"/>
+              <a:t>Titles are 48pt Segoe UI Light and sentence case. They do not use periods.</a:t>
+            </a:r>
+          </a:p>
+          <a:p>
+            <a:r>
+              <a:rPr lang="en-US" sz="3200" dirty="0" smtClean="0"/>
+              <a:t>All text 28pt and above (including this content) is in Segoe UI Light. The smallest font you should use is 14pt, and in Segoe UI (body). </a:t>
+            </a:r>
+          </a:p>
+          <a:p>
+            <a:pPr lvl="1"/>
+            <a:r>
+              <a:rPr lang="en-US" sz="1800" dirty="0" smtClean="0"/>
+              <a:t>Second level not bulleted, 14pt Segoe UI (body) like this.</a:t>
+            </a:r>
+          </a:p>
+          <a:p>
+            <a:pPr lvl="1"/>
+            <a:r>
+              <a:rPr lang="en-US" sz="1800" dirty="0" smtClean="0"/>
+              <a:t>Multiple bullets would look like this.</a:t>
+            </a:r>
+          </a:p>
+          <a:p>
+            <a:pPr lvl="2"/>
+            <a:r>
+              <a:rPr lang="en-US" sz="1800" dirty="0" smtClean="0"/>
+              <a:t>Third level are bullets, like this.</a:t>
+            </a:r>
+          </a:p>
+          <a:p>
+            <a:r>
+              <a:rPr lang="en-US" sz="3200" dirty="0" smtClean="0"/>
+              <a:t>Font is gray (RGB 64,64,64) on white slides.</a:t>
+            </a:r>
+          </a:p>
+        </p:txBody>
+      </p:sp>
+      <p:sp>
+        <p:nvSpPr>
+          <p:cNvPr id="3" name="Title 2"/>
+          <p:cNvSpPr>
+            <a:spLocks noGrp="1"/>
+          </p:cNvSpPr>
+          <p:nvPr>
+            <p:ph type="title"/>
+          </p:nvPr>
+        </p:nvSpPr>
+        <p:spPr/>
+        <p:txBody>
+          <a:bodyPr/>
+          <a:lstStyle/>
+          <a:p>
+            <a:r>
+              <a:rPr lang="en-US" smtClean="0"/>
+              <a:t>Typography</a:t>
+            </a:r>
+            <a:endParaRPr lang="en-US" dirty="0"/>
+          </a:p>
+        </p:txBody>
+      </p:sp>
+      <p:sp>
+        <p:nvSpPr>
+          <p:cNvPr id="4" name="Content Placeholder 3"/>
+          <p:cNvSpPr>
+            <a:spLocks noGrp="1"/>
+          </p:cNvSpPr>
+          <p:nvPr>
+            <p:ph type="body" sz="quarter" idx="11"/>
+          </p:nvPr>
+        </p:nvSpPr>
+        <p:spPr/>
+        <p:txBody>
+          <a:bodyPr/>
+          <a:lstStyle/>
+          <a:p>
+            <a:r>
+              <a:rPr lang="en-US" smtClean="0"/>
+              <a:t>This could be a pithy summary of your slide content, or a single phrase to describe the main idea</a:t>
+            </a:r>
+            <a:endParaRPr lang="en-US" dirty="0" smtClean="0"/>
+          </a:p>
+        </p:txBody>
+      </p:sp>
+    </p:spTree>
+    <p:extLst>
+      <p:ext uri="{BB962C8B-B14F-4D97-AF65-F5344CB8AC3E}">
+        <p14:creationId xmlns:p14="http://schemas.microsoft.com/office/powerpoint/2010/main" val="3728537209"/>
+      </p:ext>
+    </p:extLst>
+  </p:cSld>
+  <p:clrMapOvr>
+    <a:masterClrMapping/>
+  </p:clrMapOvr>
+  <mc:AlternateContent xmlns:mc="http://schemas.openxmlformats.org/markup-compatibility/2006" xmlns:p14="http://schemas.microsoft.com/office/powerpoint/2010/main">
+    <mc:Choice Requires="p14">
+      <p:transition spd="med" p14:dur="700">
+        <p:fade/>
+      </p:transition>
+    </mc:Choice>
+    <mc:Fallback xmlns="">
+      <p:transition spd="med">
+        <p:fade/>
+      </p:transition>
+    </mc:Fallback>
+  </mc:AlternateContent>
+  <p:timing>
+    <p:tnLst>
+      <p:par>
+        <p:cTn id="1" dur="indefinite" restart="never" nodeType="tmRoot"/>
+      </p:par>
+    </p:tnLst>
+  </p:timing>
+</p:sld>
+</file>
+
+<file path=ppt/slides/slide11.xml><?xml version="1.0" encoding="utf-8"?>
 <p:sld xmlns:a="http://schemas.openxmlformats.org/drawingml/2006/main" xmlns:r="http://schemas.openxmlformats.org/officeDocument/2006/relationships" xmlns:p="http://schemas.openxmlformats.org/presentationml/2006/main" show="0">
   <p:cSld>
     <p:spTree>
@@ -20567,7 +20923,7 @@
 </p:sld>
 </file>
 
-<file path=ppt/slides/slide11.xml><?xml version="1.0" encoding="utf-8"?>
+<file path=ppt/slides/slide12.xml><?xml version="1.0" encoding="utf-8"?>
 <p:sld xmlns:a="http://schemas.openxmlformats.org/drawingml/2006/main" xmlns:r="http://schemas.openxmlformats.org/officeDocument/2006/relationships" xmlns:p="http://schemas.openxmlformats.org/presentationml/2006/main" show="0">
   <p:cSld>
     <p:spTree>
@@ -20615,156 +20971,6 @@
     <p:extLst>
       <p:ext uri="{BB962C8B-B14F-4D97-AF65-F5344CB8AC3E}">
         <p14:creationId xmlns:p14="http://schemas.microsoft.com/office/powerpoint/2010/main" val="3896972430"/>
-      </p:ext>
-    </p:extLst>
-  </p:cSld>
-  <p:clrMapOvr>
-    <a:masterClrMapping/>
-  </p:clrMapOvr>
-  <mc:AlternateContent xmlns:mc="http://schemas.openxmlformats.org/markup-compatibility/2006" xmlns:p14="http://schemas.microsoft.com/office/powerpoint/2010/main">
-    <mc:Choice Requires="p14">
-      <p:transition spd="med" p14:dur="700">
-        <p:fade/>
-      </p:transition>
-    </mc:Choice>
-    <mc:Fallback xmlns="">
-      <p:transition spd="med">
-        <p:fade/>
-      </p:transition>
-    </mc:Fallback>
-  </mc:AlternateContent>
-  <p:timing>
-    <p:tnLst>
-      <p:par>
-        <p:cTn id="1" dur="indefinite" restart="never" nodeType="tmRoot"/>
-      </p:par>
-    </p:tnLst>
-  </p:timing>
-</p:sld>
-</file>
-
-<file path=ppt/slides/slide12.xml><?xml version="1.0" encoding="utf-8"?>
-<p:sld xmlns:a="http://schemas.openxmlformats.org/drawingml/2006/main" xmlns:r="http://schemas.openxmlformats.org/officeDocument/2006/relationships" xmlns:p="http://schemas.openxmlformats.org/presentationml/2006/main" show="0">
-  <p:cSld>
-    <p:spTree>
-      <p:nvGrpSpPr>
-        <p:cNvPr id="1" name=""/>
-        <p:cNvGrpSpPr/>
-        <p:nvPr/>
-      </p:nvGrpSpPr>
-      <p:grpSpPr>
-        <a:xfrm>
-          <a:off x="0" y="0"/>
-          <a:ext cx="0" cy="0"/>
-          <a:chOff x="0" y="0"/>
-          <a:chExt cx="0" cy="0"/>
-        </a:xfrm>
-      </p:grpSpPr>
-      <p:sp>
-        <p:nvSpPr>
-          <p:cNvPr id="2" name="Text Placeholder 1"/>
-          <p:cNvSpPr>
-            <a:spLocks noGrp="1"/>
-          </p:cNvSpPr>
-          <p:nvPr>
-            <p:ph type="body" sz="quarter" idx="10"/>
-          </p:nvPr>
-        </p:nvSpPr>
-        <p:spPr/>
-        <p:txBody>
-          <a:bodyPr/>
-          <a:lstStyle/>
-          <a:p>
-            <a:r>
-              <a:rPr lang="en-US" sz="3200" dirty="0" smtClean="0"/>
-              <a:t>Titles are 48pt Segoe UI Light and sentence case. They do not use periods.</a:t>
-            </a:r>
-          </a:p>
-          <a:p>
-            <a:r>
-              <a:rPr lang="en-US" sz="3200" dirty="0" smtClean="0"/>
-              <a:t>All text 28pt and above (including this content) is in Segoe UI Light. The smallest font you should use is 14pt, and in Segoe UI (body). </a:t>
-            </a:r>
-          </a:p>
-          <a:p>
-            <a:pPr lvl="1"/>
-            <a:r>
-              <a:rPr lang="en-US" sz="1800" dirty="0" smtClean="0"/>
-              <a:t>Second level not bulleted, 14pt Segoe UI (body) like this.</a:t>
-            </a:r>
-          </a:p>
-          <a:p>
-            <a:pPr lvl="1"/>
-            <a:r>
-              <a:rPr lang="en-US" sz="1800" dirty="0" smtClean="0"/>
-              <a:t>Multiple bullets would look like this.</a:t>
-            </a:r>
-          </a:p>
-          <a:p>
-            <a:pPr lvl="2"/>
-            <a:r>
-              <a:rPr lang="en-US" sz="1800" dirty="0" smtClean="0"/>
-              <a:t>Third level are bullets, like this.</a:t>
-            </a:r>
-          </a:p>
-          <a:p>
-            <a:r>
-              <a:rPr lang="en-US" sz="3200" dirty="0" smtClean="0"/>
-              <a:t>Font is gray (RGB 64,64,64) on white slides.</a:t>
-            </a:r>
-          </a:p>
-        </p:txBody>
-      </p:sp>
-      <p:sp>
-        <p:nvSpPr>
-          <p:cNvPr id="3" name="Title 2"/>
-          <p:cNvSpPr>
-            <a:spLocks noGrp="1"/>
-          </p:cNvSpPr>
-          <p:nvPr>
-            <p:ph type="title"/>
-          </p:nvPr>
-        </p:nvSpPr>
-        <p:spPr/>
-        <p:txBody>
-          <a:bodyPr/>
-          <a:lstStyle/>
-          <a:p>
-            <a:r>
-              <a:rPr lang="en-US" smtClean="0"/>
-              <a:t>Typography</a:t>
-            </a:r>
-            <a:endParaRPr lang="en-US" dirty="0"/>
-          </a:p>
-        </p:txBody>
-      </p:sp>
-      <p:sp>
-        <p:nvSpPr>
-          <p:cNvPr id="4" name="Content Placeholder 3"/>
-          <p:cNvSpPr>
-            <a:spLocks noGrp="1"/>
-          </p:cNvSpPr>
-          <p:nvPr>
-            <p:ph type="body" sz="quarter" idx="11"/>
-          </p:nvPr>
-        </p:nvSpPr>
-        <p:spPr/>
-        <p:txBody>
-          <a:bodyPr/>
-          <a:lstStyle/>
-          <a:p>
-            <a:r>
-              <a:rPr lang="en-US" smtClean="0"/>
-              <a:t>This could be a pithy summary of your slide content, or a single phrase to describe the main idea</a:t>
-            </a:r>
-            <a:endParaRPr lang="en-US" dirty="0" smtClean="0"/>
-          </a:p>
-        </p:txBody>
-      </p:sp>
-    </p:spTree>
-    <p:extLst>
-      <p:ext uri="{BB962C8B-B14F-4D97-AF65-F5344CB8AC3E}">
-        <p14:creationId xmlns:p14="http://schemas.microsoft.com/office/powerpoint/2010/main" val="2092824316"/>
       </p:ext>
     </p:extLst>
   </p:cSld>
@@ -20860,14 +21066,7 @@
           <a:p>
             <a:r>
               <a:rPr lang="en-US" sz="3200" dirty="0" smtClean="0"/>
-              <a:t>Font is white (RGB 255,255,255) on </a:t>
-            </a:r>
-            <a:br>
-              <a:rPr lang="en-US" sz="3200" dirty="0" smtClean="0"/>
-            </a:br>
-            <a:r>
-              <a:rPr lang="en-US" sz="3200" dirty="0" smtClean="0"/>
-              <a:t>dark blue slides.</a:t>
+              <a:t>Font is gray (RGB 64,64,64) on white slides.</a:t>
             </a:r>
           </a:p>
         </p:txBody>
@@ -20889,7 +21088,7 @@
           <a:p>
             <a:r>
               <a:rPr lang="en-US" smtClean="0"/>
-              <a:t>Typography (color back option)</a:t>
+              <a:t>Typography</a:t>
             </a:r>
             <a:endParaRPr lang="en-US" dirty="0"/>
           </a:p>
@@ -20911,44 +21110,17 @@
           <a:lstStyle/>
           <a:p>
             <a:r>
-              <a:rPr lang="en-US" sz="2000" dirty="0" smtClean="0"/>
-              <a:t>This could be a </a:t>
-            </a:r>
-            <a:br>
-              <a:rPr lang="en-US" sz="2000" dirty="0" smtClean="0"/>
-            </a:br>
-            <a:r>
-              <a:rPr lang="en-US" sz="2000" dirty="0" smtClean="0"/>
-              <a:t>pithy summary of your slide content, </a:t>
-            </a:r>
-            <a:br>
-              <a:rPr lang="en-US" sz="2000" dirty="0" smtClean="0"/>
-            </a:br>
-            <a:r>
-              <a:rPr lang="en-US" sz="2000" dirty="0" smtClean="0"/>
-              <a:t>or a single phrase </a:t>
-            </a:r>
-            <a:br>
-              <a:rPr lang="en-US" sz="2000" dirty="0" smtClean="0"/>
-            </a:br>
-            <a:r>
-              <a:rPr lang="en-US" sz="2000" dirty="0" smtClean="0"/>
-              <a:t>to describe the </a:t>
-            </a:r>
-            <a:br>
-              <a:rPr lang="en-US" sz="2000" dirty="0" smtClean="0"/>
-            </a:br>
-            <a:r>
-              <a:rPr lang="en-US" sz="2000" dirty="0" smtClean="0"/>
-              <a:t>main idea.</a:t>
-            </a:r>
+              <a:rPr lang="en-US" smtClean="0"/>
+              <a:t>This could be a pithy summary of your slide content, or a single phrase to describe the main idea</a:t>
+            </a:r>
+            <a:endParaRPr lang="en-US" dirty="0" smtClean="0"/>
           </a:p>
         </p:txBody>
       </p:sp>
     </p:spTree>
     <p:extLst>
       <p:ext uri="{BB962C8B-B14F-4D97-AF65-F5344CB8AC3E}">
-        <p14:creationId xmlns:p14="http://schemas.microsoft.com/office/powerpoint/2010/main" val="1525763904"/>
+        <p14:creationId xmlns:p14="http://schemas.microsoft.com/office/powerpoint/2010/main" val="2092824316"/>
       </p:ext>
     </p:extLst>
   </p:cSld>
@@ -20996,7 +21168,69 @@
       </p:grpSpPr>
       <p:sp>
         <p:nvSpPr>
-          <p:cNvPr id="2" name="Title 1"/>
+          <p:cNvPr id="2" name="Text Placeholder 1"/>
+          <p:cNvSpPr>
+            <a:spLocks noGrp="1"/>
+          </p:cNvSpPr>
+          <p:nvPr>
+            <p:ph type="body" sz="quarter" idx="10"/>
+          </p:nvPr>
+        </p:nvSpPr>
+        <p:spPr/>
+        <p:txBody>
+          <a:bodyPr/>
+          <a:lstStyle/>
+          <a:p>
+            <a:r>
+              <a:rPr lang="en-US" sz="3200" dirty="0" smtClean="0"/>
+              <a:t>Titles are 48pt Segoe UI Light and sentence case. They do not use periods.</a:t>
+            </a:r>
+          </a:p>
+          <a:p>
+            <a:r>
+              <a:rPr lang="en-US" sz="3200" dirty="0" smtClean="0"/>
+              <a:t>All text 28pt and above (including this content) is in Segoe UI Light. The smallest font you should use is 14pt, and in Segoe UI (body). </a:t>
+            </a:r>
+          </a:p>
+          <a:p>
+            <a:pPr lvl="1"/>
+            <a:r>
+              <a:rPr lang="en-US" sz="1800" dirty="0" smtClean="0"/>
+              <a:t>Second level not bulleted, 14pt Segoe UI (body) like this.</a:t>
+            </a:r>
+          </a:p>
+          <a:p>
+            <a:pPr lvl="1"/>
+            <a:r>
+              <a:rPr lang="en-US" sz="1800" dirty="0" smtClean="0"/>
+              <a:t>Multiple bullets would look like this.</a:t>
+            </a:r>
+          </a:p>
+          <a:p>
+            <a:pPr lvl="2"/>
+            <a:r>
+              <a:rPr lang="en-US" sz="1800" dirty="0" smtClean="0"/>
+              <a:t>Third level are bullets, like this.</a:t>
+            </a:r>
+          </a:p>
+          <a:p>
+            <a:r>
+              <a:rPr lang="en-US" sz="3200" dirty="0" smtClean="0"/>
+              <a:t>Font is white (RGB 255,255,255) on </a:t>
+            </a:r>
+            <a:br>
+              <a:rPr lang="en-US" sz="3200" dirty="0" smtClean="0"/>
+            </a:br>
+            <a:r>
+              <a:rPr lang="en-US" sz="3200" dirty="0" smtClean="0"/>
+              <a:t>dark blue slides.</a:t>
+            </a:r>
+          </a:p>
+        </p:txBody>
+      </p:sp>
+      <p:sp>
+        <p:nvSpPr>
+          <p:cNvPr id="3" name="Title 2"/>
           <p:cNvSpPr>
             <a:spLocks noGrp="1"/>
           </p:cNvSpPr>
@@ -21010,17 +21244,67 @@
           <a:lstStyle/>
           <a:p>
             <a:r>
-              <a:rPr lang="en-US" dirty="0" smtClean="0"/>
-              <a:t>Special emphasis content, like a quote or statement, can appear in this location on the slide, at 48pt. Avoid running text from one edge of the page to the other. Do not use this slide for bulleted content.</a:t>
+              <a:rPr lang="en-US" smtClean="0"/>
+              <a:t>Typography (color back option)</a:t>
             </a:r>
             <a:endParaRPr lang="en-US" dirty="0"/>
+          </a:p>
+        </p:txBody>
+      </p:sp>
+      <p:sp>
+        <p:nvSpPr>
+          <p:cNvPr id="4" name="Content Placeholder 3"/>
+          <p:cNvSpPr>
+            <a:spLocks noGrp="1"/>
+          </p:cNvSpPr>
+          <p:nvPr>
+            <p:ph type="body" sz="quarter" idx="11"/>
+          </p:nvPr>
+        </p:nvSpPr>
+        <p:spPr/>
+        <p:txBody>
+          <a:bodyPr/>
+          <a:lstStyle/>
+          <a:p>
+            <a:r>
+              <a:rPr lang="en-US" sz="2000" dirty="0" smtClean="0"/>
+              <a:t>This could be a </a:t>
+            </a:r>
+            <a:br>
+              <a:rPr lang="en-US" sz="2000" dirty="0" smtClean="0"/>
+            </a:br>
+            <a:r>
+              <a:rPr lang="en-US" sz="2000" dirty="0" smtClean="0"/>
+              <a:t>pithy summary of your slide content, </a:t>
+            </a:r>
+            <a:br>
+              <a:rPr lang="en-US" sz="2000" dirty="0" smtClean="0"/>
+            </a:br>
+            <a:r>
+              <a:rPr lang="en-US" sz="2000" dirty="0" smtClean="0"/>
+              <a:t>or a single phrase </a:t>
+            </a:r>
+            <a:br>
+              <a:rPr lang="en-US" sz="2000" dirty="0" smtClean="0"/>
+            </a:br>
+            <a:r>
+              <a:rPr lang="en-US" sz="2000" dirty="0" smtClean="0"/>
+              <a:t>to describe the </a:t>
+            </a:r>
+            <a:br>
+              <a:rPr lang="en-US" sz="2000" dirty="0" smtClean="0"/>
+            </a:br>
+            <a:r>
+              <a:rPr lang="en-US" sz="2000" dirty="0" smtClean="0"/>
+              <a:t>main idea.</a:t>
+            </a:r>
           </a:p>
         </p:txBody>
       </p:sp>
     </p:spTree>
     <p:extLst>
       <p:ext uri="{BB962C8B-B14F-4D97-AF65-F5344CB8AC3E}">
-        <p14:creationId xmlns:p14="http://schemas.microsoft.com/office/powerpoint/2010/main" val="1398224350"/>
+        <p14:creationId xmlns:p14="http://schemas.microsoft.com/office/powerpoint/2010/main" val="1525763904"/>
       </p:ext>
     </p:extLst>
   </p:cSld>
@@ -21068,65 +21352,7 @@
       </p:grpSpPr>
       <p:sp>
         <p:nvSpPr>
-          <p:cNvPr id="2" name="Text Placeholder 1"/>
-          <p:cNvSpPr>
-            <a:spLocks noGrp="1"/>
-          </p:cNvSpPr>
-          <p:nvPr>
-            <p:ph type="body" sz="quarter" idx="15"/>
-          </p:nvPr>
-        </p:nvSpPr>
-        <p:spPr/>
-        <p:txBody>
-          <a:bodyPr/>
-          <a:lstStyle/>
-          <a:p>
-            <a:r>
-              <a:rPr lang="en-US" smtClean="0"/>
-              <a:t>Text would go here.</a:t>
-            </a:r>
-          </a:p>
-          <a:p>
-            <a:r>
-              <a:rPr lang="en-US" smtClean="0"/>
-              <a:t>To add your own image, right click the thumbnail view of this slide and select New Slide. </a:t>
-            </a:r>
-          </a:p>
-          <a:p>
-            <a:r>
-              <a:rPr lang="en-US" smtClean="0"/>
-              <a:t>Click the picture icon, as directed, to add a new image.</a:t>
-            </a:r>
-            <a:endParaRPr lang="en-US" dirty="0"/>
-          </a:p>
-        </p:txBody>
-      </p:sp>
-      <p:pic>
-        <p:nvPicPr>
-          <p:cNvPr id="5" name="Picture Placeholder 4"/>
-          <p:cNvPicPr>
-            <a:picLocks noGrp="1" noChangeAspect="1"/>
-          </p:cNvPicPr>
-          <p:nvPr>
-            <p:ph type="pic" sz="quarter" idx="16"/>
-          </p:nvPr>
-        </p:nvPicPr>
-        <p:blipFill rotWithShape="1">
-          <a:blip r:embed="rId3" cstate="email">
-            <a:extLst>
-              <a:ext uri="{28A0092B-C50C-407E-A947-70E740481C1C}">
-                <a14:useLocalDpi xmlns:a14="http://schemas.microsoft.com/office/drawing/2010/main"/>
-              </a:ext>
-            </a:extLst>
-          </a:blip>
-          <a:srcRect l="20" r="20"/>
-          <a:stretch/>
-        </p:blipFill>
-        <p:spPr/>
-      </p:pic>
-      <p:sp>
-        <p:nvSpPr>
-          <p:cNvPr id="3" name="Title 2"/>
+          <p:cNvPr id="2" name="Title 1"/>
           <p:cNvSpPr>
             <a:spLocks noGrp="1"/>
           </p:cNvSpPr>
@@ -21140,8 +21366,8 @@
           <a:lstStyle/>
           <a:p>
             <a:r>
-              <a:rPr lang="en-US" smtClean="0"/>
-              <a:t>Picture shape with title</a:t>
+              <a:rPr lang="en-US" dirty="0" smtClean="0"/>
+              <a:t>Special emphasis content, like a quote or statement, can appear in this location on the slide, at 48pt. Avoid running text from one edge of the page to the other. Do not use this slide for bulleted content.</a:t>
             </a:r>
             <a:endParaRPr lang="en-US" dirty="0"/>
           </a:p>
@@ -21150,7 +21376,7 @@
     </p:spTree>
     <p:extLst>
       <p:ext uri="{BB962C8B-B14F-4D97-AF65-F5344CB8AC3E}">
-        <p14:creationId xmlns:p14="http://schemas.microsoft.com/office/powerpoint/2010/main" val="3867649854"/>
+        <p14:creationId xmlns:p14="http://schemas.microsoft.com/office/powerpoint/2010/main" val="1398224350"/>
       </p:ext>
     </p:extLst>
   </p:cSld>
@@ -21213,33 +21439,55 @@
           <a:p>
             <a:r>
               <a:rPr lang="en-US" smtClean="0"/>
-              <a:t>Use the Format Shape menu to change the color of the shape. </a:t>
+              <a:t>Text would go here.</a:t>
             </a:r>
           </a:p>
           <a:p>
             <a:r>
               <a:rPr lang="en-US" smtClean="0"/>
-              <a:t>This text box will automatically center to align beside the </a:t>
-            </a:r>
-            <a:br>
+              <a:t>To add your own image, right click the thumbnail view of this slide and select New Slide. </a:t>
+            </a:r>
+          </a:p>
+          <a:p>
+            <a:r>
               <a:rPr lang="en-US" smtClean="0"/>
-            </a:br>
-            <a:r>
-              <a:rPr lang="en-US" smtClean="0"/>
-              <a:t>color shape.</a:t>
+              <a:t>Click the picture icon, as directed, to add a new image.</a:t>
             </a:r>
             <a:endParaRPr lang="en-US" dirty="0"/>
           </a:p>
         </p:txBody>
       </p:sp>
+      <p:pic>
+        <p:nvPicPr>
+          <p:cNvPr id="5" name="Picture Placeholder 4"/>
+          <p:cNvPicPr>
+            <a:picLocks noGrp="1" noChangeAspect="1"/>
+          </p:cNvPicPr>
+          <p:nvPr>
+            <p:ph type="pic" sz="quarter" idx="16"/>
+          </p:nvPr>
+        </p:nvPicPr>
+        <p:blipFill rotWithShape="1">
+          <a:blip r:embed="rId3" cstate="email">
+            <a:extLst>
+              <a:ext uri="{28A0092B-C50C-407E-A947-70E740481C1C}">
+                <a14:useLocalDpi xmlns:a14="http://schemas.microsoft.com/office/drawing/2010/main"/>
+              </a:ext>
+            </a:extLst>
+          </a:blip>
+          <a:srcRect l="20" r="20"/>
+          <a:stretch/>
+        </p:blipFill>
+        <p:spPr/>
+      </p:pic>
       <p:sp>
         <p:nvSpPr>
-          <p:cNvPr id="5" name="Title 4"/>
+          <p:cNvPr id="3" name="Title 2"/>
           <p:cNvSpPr>
             <a:spLocks noGrp="1"/>
           </p:cNvSpPr>
           <p:nvPr>
-            <p:ph type="ctrTitle"/>
+            <p:ph type="title"/>
           </p:nvPr>
         </p:nvSpPr>
         <p:spPr/>
@@ -21249,7 +21497,7 @@
           <a:p>
             <a:r>
               <a:rPr lang="en-US" smtClean="0"/>
-              <a:t>Color shapes can hold messaging</a:t>
+              <a:t>Picture shape with title</a:t>
             </a:r>
             <a:endParaRPr lang="en-US" dirty="0"/>
           </a:p>
@@ -21258,7 +21506,7 @@
     </p:spTree>
     <p:extLst>
       <p:ext uri="{BB962C8B-B14F-4D97-AF65-F5344CB8AC3E}">
-        <p14:creationId xmlns:p14="http://schemas.microsoft.com/office/powerpoint/2010/main" val="1858047199"/>
+        <p14:creationId xmlns:p14="http://schemas.microsoft.com/office/powerpoint/2010/main" val="3867649854"/>
       </p:ext>
     </p:extLst>
   </p:cSld>
@@ -21320,34 +21568,20 @@
           <a:lstStyle/>
           <a:p>
             <a:r>
-              <a:rPr lang="en-US" dirty="0" smtClean="0"/>
-              <a:t>Color back </a:t>
-            </a:r>
-            <a:r>
-              <a:rPr lang="en-US" dirty="0"/>
-              <a:t>o</a:t>
-            </a:r>
-            <a:r>
-              <a:rPr lang="en-US" dirty="0" smtClean="0"/>
-              <a:t>ption.</a:t>
-            </a:r>
-          </a:p>
-          <a:p>
-            <a:r>
-              <a:rPr lang="en-US" dirty="0" smtClean="0"/>
+              <a:rPr lang="en-US" smtClean="0"/>
               <a:t>Use the Format Shape menu to change the color of the shape. </a:t>
             </a:r>
           </a:p>
           <a:p>
             <a:r>
-              <a:rPr lang="en-US" dirty="0" smtClean="0"/>
+              <a:rPr lang="en-US" smtClean="0"/>
               <a:t>This text box will automatically center to align beside the </a:t>
             </a:r>
             <a:br>
-              <a:rPr lang="en-US" dirty="0" smtClean="0"/>
+              <a:rPr lang="en-US" smtClean="0"/>
             </a:br>
             <a:r>
-              <a:rPr lang="en-US" dirty="0" smtClean="0"/>
+              <a:rPr lang="en-US" smtClean="0"/>
               <a:t>color shape.</a:t>
             </a:r>
             <a:endParaRPr lang="en-US" dirty="0"/>
@@ -21380,7 +21614,7 @@
     </p:spTree>
     <p:extLst>
       <p:ext uri="{BB962C8B-B14F-4D97-AF65-F5344CB8AC3E}">
-        <p14:creationId xmlns:p14="http://schemas.microsoft.com/office/powerpoint/2010/main" val="3254660220"/>
+        <p14:creationId xmlns:p14="http://schemas.microsoft.com/office/powerpoint/2010/main" val="1858047199"/>
       </p:ext>
     </p:extLst>
   </p:cSld>
@@ -21428,12 +21662,12 @@
       </p:grpSpPr>
       <p:sp>
         <p:nvSpPr>
-          <p:cNvPr id="3" name="Title 2"/>
+          <p:cNvPr id="2" name="Text Placeholder 1"/>
           <p:cNvSpPr>
             <a:spLocks noGrp="1"/>
           </p:cNvSpPr>
           <p:nvPr>
-            <p:ph type="title"/>
+            <p:ph type="body" sz="quarter" idx="15"/>
           </p:nvPr>
         </p:nvSpPr>
         <p:spPr/>
@@ -21442,8 +21676,58 @@
           <a:lstStyle/>
           <a:p>
             <a:r>
+              <a:rPr lang="en-US" dirty="0" smtClean="0"/>
+              <a:t>Color back </a:t>
+            </a:r>
+            <a:r>
+              <a:rPr lang="en-US" dirty="0"/>
+              <a:t>o</a:t>
+            </a:r>
+            <a:r>
+              <a:rPr lang="en-US" dirty="0" smtClean="0"/>
+              <a:t>ption.</a:t>
+            </a:r>
+          </a:p>
+          <a:p>
+            <a:r>
+              <a:rPr lang="en-US" dirty="0" smtClean="0"/>
+              <a:t>Use the Format Shape menu to change the color of the shape. </a:t>
+            </a:r>
+          </a:p>
+          <a:p>
+            <a:r>
+              <a:rPr lang="en-US" dirty="0" smtClean="0"/>
+              <a:t>This text box will automatically center to align beside the </a:t>
+            </a:r>
+            <a:br>
+              <a:rPr lang="en-US" dirty="0" smtClean="0"/>
+            </a:br>
+            <a:r>
+              <a:rPr lang="en-US" dirty="0" smtClean="0"/>
+              <a:t>color shape.</a:t>
+            </a:r>
+            <a:endParaRPr lang="en-US" dirty="0"/>
+          </a:p>
+        </p:txBody>
+      </p:sp>
+      <p:sp>
+        <p:nvSpPr>
+          <p:cNvPr id="5" name="Title 4"/>
+          <p:cNvSpPr>
+            <a:spLocks noGrp="1"/>
+          </p:cNvSpPr>
+          <p:nvPr>
+            <p:ph type="ctrTitle"/>
+          </p:nvPr>
+        </p:nvSpPr>
+        <p:spPr/>
+        <p:txBody>
+          <a:bodyPr/>
+          <a:lstStyle/>
+          <a:p>
+            <a:r>
               <a:rPr lang="en-US" smtClean="0"/>
-              <a:t>Demo title (use for demo intros)</a:t>
+              <a:t>Color shapes can hold messaging</a:t>
             </a:r>
             <a:endParaRPr lang="en-US" dirty="0"/>
           </a:p>
@@ -21452,7 +21736,7 @@
     </p:spTree>
     <p:extLst>
       <p:ext uri="{BB962C8B-B14F-4D97-AF65-F5344CB8AC3E}">
-        <p14:creationId xmlns:p14="http://schemas.microsoft.com/office/powerpoint/2010/main" val="176514256"/>
+        <p14:creationId xmlns:p14="http://schemas.microsoft.com/office/powerpoint/2010/main" val="3254660220"/>
       </p:ext>
     </p:extLst>
   </p:cSld>
@@ -21498,87 +21782,24 @@
           <a:chExt cx="0" cy="0"/>
         </a:xfrm>
       </p:grpSpPr>
-      <p:pic>
-        <p:nvPicPr>
-          <p:cNvPr id="5" name="Picture 4" descr="16x9 Tablet view 1 left.png"/>
-          <p:cNvPicPr>
-            <a:picLocks noChangeAspect="1"/>
-          </p:cNvPicPr>
-          <p:nvPr/>
-        </p:nvPicPr>
-        <p:blipFill>
-          <a:blip r:embed="rId2" cstate="email">
-            <a:extLst>
-              <a:ext uri="{28A0092B-C50C-407E-A947-70E740481C1C}">
-                <a14:useLocalDpi xmlns:a14="http://schemas.microsoft.com/office/drawing/2010/main"/>
-              </a:ext>
-            </a:extLst>
-          </a:blip>
-          <a:stretch>
-            <a:fillRect/>
-          </a:stretch>
-        </p:blipFill>
-        <p:spPr>
-          <a:xfrm>
-            <a:off x="5913437" y="718032"/>
-            <a:ext cx="6232294" cy="5558460"/>
-          </a:xfrm>
-          <a:prstGeom prst="rect">
-            <a:avLst/>
-          </a:prstGeom>
-        </p:spPr>
-      </p:pic>
       <p:sp>
         <p:nvSpPr>
-          <p:cNvPr id="2" name="Text Placeholder 1"/>
+          <p:cNvPr id="3" name="Title 2"/>
           <p:cNvSpPr>
             <a:spLocks noGrp="1"/>
           </p:cNvSpPr>
           <p:nvPr>
-            <p:ph type="body" sz="quarter" idx="15"/>
+            <p:ph type="title"/>
           </p:nvPr>
         </p:nvSpPr>
-        <p:spPr>
-          <a:xfrm>
-            <a:off x="274638" y="3040063"/>
-            <a:ext cx="7315203" cy="914400"/>
-          </a:xfrm>
-        </p:spPr>
+        <p:spPr/>
         <p:txBody>
           <a:bodyPr/>
           <a:lstStyle/>
           <a:p>
             <a:r>
               <a:rPr lang="en-US" smtClean="0"/>
-              <a:t>Single device preferred </a:t>
-            </a:r>
-            <a:br>
-              <a:rPr lang="en-US" smtClean="0"/>
-            </a:br>
-            <a:r>
-              <a:rPr lang="en-US" smtClean="0"/>
-              <a:t>angle. This is another </a:t>
-            </a:r>
-            <a:br>
-              <a:rPr lang="en-US" smtClean="0"/>
-            </a:br>
-            <a:r>
-              <a:rPr lang="en-US" smtClean="0"/>
-              <a:t>option for displaying a </a:t>
-            </a:r>
-            <a:br>
-              <a:rPr lang="en-US" smtClean="0"/>
-            </a:br>
-            <a:r>
-              <a:rPr lang="en-US" smtClean="0"/>
-              <a:t>hardware image </a:t>
-            </a:r>
-            <a:br>
-              <a:rPr lang="en-US" smtClean="0"/>
-            </a:br>
-            <a:r>
-              <a:rPr lang="en-US" smtClean="0"/>
-              <a:t>that sits at an angle. </a:t>
+              <a:t>Demo title (use for demo intros)</a:t>
             </a:r>
             <a:endParaRPr lang="en-US" dirty="0"/>
           </a:p>
@@ -21587,7 +21808,7 @@
     </p:spTree>
     <p:extLst>
       <p:ext uri="{BB962C8B-B14F-4D97-AF65-F5344CB8AC3E}">
-        <p14:creationId xmlns:p14="http://schemas.microsoft.com/office/powerpoint/2010/main" val="2628560266"/>
+        <p14:creationId xmlns:p14="http://schemas.microsoft.com/office/powerpoint/2010/main" val="176514256"/>
       </p:ext>
     </p:extLst>
   </p:cSld>
@@ -22040,6 +22261,141 @@
           <a:chExt cx="0" cy="0"/>
         </a:xfrm>
       </p:grpSpPr>
+      <p:pic>
+        <p:nvPicPr>
+          <p:cNvPr id="5" name="Picture 4" descr="16x9 Tablet view 1 left.png"/>
+          <p:cNvPicPr>
+            <a:picLocks noChangeAspect="1"/>
+          </p:cNvPicPr>
+          <p:nvPr/>
+        </p:nvPicPr>
+        <p:blipFill>
+          <a:blip r:embed="rId2" cstate="email">
+            <a:extLst>
+              <a:ext uri="{28A0092B-C50C-407E-A947-70E740481C1C}">
+                <a14:useLocalDpi xmlns:a14="http://schemas.microsoft.com/office/drawing/2010/main"/>
+              </a:ext>
+            </a:extLst>
+          </a:blip>
+          <a:stretch>
+            <a:fillRect/>
+          </a:stretch>
+        </p:blipFill>
+        <p:spPr>
+          <a:xfrm>
+            <a:off x="5913437" y="718032"/>
+            <a:ext cx="6232294" cy="5558460"/>
+          </a:xfrm>
+          <a:prstGeom prst="rect">
+            <a:avLst/>
+          </a:prstGeom>
+        </p:spPr>
+      </p:pic>
+      <p:sp>
+        <p:nvSpPr>
+          <p:cNvPr id="2" name="Text Placeholder 1"/>
+          <p:cNvSpPr>
+            <a:spLocks noGrp="1"/>
+          </p:cNvSpPr>
+          <p:nvPr>
+            <p:ph type="body" sz="quarter" idx="15"/>
+          </p:nvPr>
+        </p:nvSpPr>
+        <p:spPr>
+          <a:xfrm>
+            <a:off x="274638" y="3040063"/>
+            <a:ext cx="7315203" cy="914400"/>
+          </a:xfrm>
+        </p:spPr>
+        <p:txBody>
+          <a:bodyPr/>
+          <a:lstStyle/>
+          <a:p>
+            <a:r>
+              <a:rPr lang="en-US" smtClean="0"/>
+              <a:t>Single device preferred </a:t>
+            </a:r>
+            <a:br>
+              <a:rPr lang="en-US" smtClean="0"/>
+            </a:br>
+            <a:r>
+              <a:rPr lang="en-US" smtClean="0"/>
+              <a:t>angle. This is another </a:t>
+            </a:r>
+            <a:br>
+              <a:rPr lang="en-US" smtClean="0"/>
+            </a:br>
+            <a:r>
+              <a:rPr lang="en-US" smtClean="0"/>
+              <a:t>option for displaying a </a:t>
+            </a:r>
+            <a:br>
+              <a:rPr lang="en-US" smtClean="0"/>
+            </a:br>
+            <a:r>
+              <a:rPr lang="en-US" smtClean="0"/>
+              <a:t>hardware image </a:t>
+            </a:r>
+            <a:br>
+              <a:rPr lang="en-US" smtClean="0"/>
+            </a:br>
+            <a:r>
+              <a:rPr lang="en-US" smtClean="0"/>
+              <a:t>that sits at an angle. </a:t>
+            </a:r>
+            <a:endParaRPr lang="en-US" dirty="0"/>
+          </a:p>
+        </p:txBody>
+      </p:sp>
+    </p:spTree>
+    <p:extLst>
+      <p:ext uri="{BB962C8B-B14F-4D97-AF65-F5344CB8AC3E}">
+        <p14:creationId xmlns:p14="http://schemas.microsoft.com/office/powerpoint/2010/main" val="2628560266"/>
+      </p:ext>
+    </p:extLst>
+  </p:cSld>
+  <p:clrMapOvr>
+    <a:masterClrMapping/>
+  </p:clrMapOvr>
+  <mc:AlternateContent xmlns:mc="http://schemas.openxmlformats.org/markup-compatibility/2006" xmlns:p14="http://schemas.microsoft.com/office/powerpoint/2010/main">
+    <mc:Choice Requires="p14">
+      <p:transition spd="med" p14:dur="700">
+        <p:fade/>
+      </p:transition>
+    </mc:Choice>
+    <mc:Fallback xmlns="">
+      <p:transition spd="med">
+        <p:fade/>
+      </p:transition>
+    </mc:Fallback>
+  </mc:AlternateContent>
+  <p:timing>
+    <p:tnLst>
+      <p:par>
+        <p:cTn id="1" dur="indefinite" restart="never" nodeType="tmRoot"/>
+      </p:par>
+    </p:tnLst>
+  </p:timing>
+</p:sld>
+</file>
+
+<file path=ppt/slides/slide21.xml><?xml version="1.0" encoding="utf-8"?>
+<p:sld xmlns:a="http://schemas.openxmlformats.org/drawingml/2006/main" xmlns:r="http://schemas.openxmlformats.org/officeDocument/2006/relationships" xmlns:p="http://schemas.openxmlformats.org/presentationml/2006/main" show="0">
+  <p:cSld>
+    <p:spTree>
+      <p:nvGrpSpPr>
+        <p:cNvPr id="1" name=""/>
+        <p:cNvGrpSpPr/>
+        <p:nvPr/>
+      </p:nvGrpSpPr>
+      <p:grpSpPr>
+        <a:xfrm>
+          <a:off x="0" y="0"/>
+          <a:ext cx="0" cy="0"/>
+          <a:chOff x="0" y="0"/>
+          <a:chExt cx="0" cy="0"/>
+        </a:xfrm>
+      </p:grpSpPr>
       <p:sp>
         <p:nvSpPr>
           <p:cNvPr id="3" name="Title 2"/>
@@ -22095,7 +22451,7 @@
 </p:sld>
 </file>
 
-<file path=ppt/slides/slide21.xml><?xml version="1.0" encoding="utf-8"?>
+<file path=ppt/slides/slide22.xml><?xml version="1.0" encoding="utf-8"?>
 <p:sld xmlns:a="http://schemas.openxmlformats.org/drawingml/2006/main" xmlns:r="http://schemas.openxmlformats.org/officeDocument/2006/relationships" xmlns:p="http://schemas.openxmlformats.org/presentationml/2006/main" show="0">
   <p:cSld>
     <p:spTree>
@@ -22209,7 +22565,7 @@
 </p:sld>
 </file>
 
-<file path=ppt/slides/slide22.xml><?xml version="1.0" encoding="utf-8"?>
+<file path=ppt/slides/slide23.xml><?xml version="1.0" encoding="utf-8"?>
 <p:sld xmlns:a="http://schemas.openxmlformats.org/drawingml/2006/main" xmlns:r="http://schemas.openxmlformats.org/officeDocument/2006/relationships" xmlns:p="http://schemas.openxmlformats.org/presentationml/2006/main" show="0">
   <p:cSld>
     <p:spTree>
@@ -22328,7 +22684,7 @@
 </p:sld>
 </file>
 
-<file path=ppt/slides/slide23.xml><?xml version="1.0" encoding="utf-8"?>
+<file path=ppt/slides/slide24.xml><?xml version="1.0" encoding="utf-8"?>
 <p:sld xmlns:a="http://schemas.openxmlformats.org/drawingml/2006/main" xmlns:r="http://schemas.openxmlformats.org/officeDocument/2006/relationships" xmlns:p="http://schemas.openxmlformats.org/presentationml/2006/main" show="0">
   <p:cSld>
     <p:spTree>
@@ -26292,7 +26648,7 @@
 </p:sld>
 </file>
 
-<file path=ppt/slides/slide24.xml><?xml version="1.0" encoding="utf-8"?>
+<file path=ppt/slides/slide25.xml><?xml version="1.0" encoding="utf-8"?>
 <p:sld xmlns:a="http://schemas.openxmlformats.org/drawingml/2006/main" xmlns:r="http://schemas.openxmlformats.org/officeDocument/2006/relationships" xmlns:p="http://schemas.openxmlformats.org/presentationml/2006/main" show="0">
   <p:cSld>
     <p:spTree>
@@ -27682,7 +28038,7 @@
 </p:sld>
 </file>
 
-<file path=ppt/slides/slide25.xml><?xml version="1.0" encoding="utf-8"?>
+<file path=ppt/slides/slide26.xml><?xml version="1.0" encoding="utf-8"?>
 <p:sld xmlns:a="http://schemas.openxmlformats.org/drawingml/2006/main" xmlns:r="http://schemas.openxmlformats.org/officeDocument/2006/relationships" xmlns:p="http://schemas.openxmlformats.org/presentationml/2006/main" show="0">
   <p:cSld>
     <p:spTree>
@@ -29539,7 +29895,7 @@
 </p:sld>
 </file>
 
-<file path=ppt/slides/slide26.xml><?xml version="1.0" encoding="utf-8"?>
+<file path=ppt/slides/slide27.xml><?xml version="1.0" encoding="utf-8"?>
 <p:sld xmlns:a="http://schemas.openxmlformats.org/drawingml/2006/main" xmlns:r="http://schemas.openxmlformats.org/officeDocument/2006/relationships" xmlns:p="http://schemas.openxmlformats.org/presentationml/2006/main" show="0">
   <p:cSld>
     <p:spTree>
@@ -29634,7 +29990,7 @@
 </p:sld>
 </file>
 
-<file path=ppt/slides/slide27.xml><?xml version="1.0" encoding="utf-8"?>
+<file path=ppt/slides/slide28.xml><?xml version="1.0" encoding="utf-8"?>
 <p:sld xmlns:a="http://schemas.openxmlformats.org/drawingml/2006/main" xmlns:r="http://schemas.openxmlformats.org/officeDocument/2006/relationships" xmlns:p="http://schemas.openxmlformats.org/presentationml/2006/main" show="0">
   <p:cSld>
     <p:spTree>
@@ -29706,7 +30062,7 @@
 </p:sld>
 </file>
 
-<file path=ppt/slides/slide28.xml><?xml version="1.0" encoding="utf-8"?>
+<file path=ppt/slides/slide29.xml><?xml version="1.0" encoding="utf-8"?>
 <p:sld xmlns:a="http://schemas.openxmlformats.org/drawingml/2006/main" xmlns:r="http://schemas.openxmlformats.org/officeDocument/2006/relationships" xmlns:p="http://schemas.openxmlformats.org/presentationml/2006/main" show="0">
   <p:cSld>
     <p:spTree>
@@ -29784,7 +30140,159 @@
 </p:sld>
 </file>
 
-<file path=ppt/slides/slide29.xml><?xml version="1.0" encoding="utf-8"?>
+<file path=ppt/slides/slide3.xml><?xml version="1.0" encoding="utf-8"?>
+<p:sld xmlns:a="http://schemas.openxmlformats.org/drawingml/2006/main" xmlns:r="http://schemas.openxmlformats.org/officeDocument/2006/relationships" xmlns:p="http://schemas.openxmlformats.org/presentationml/2006/main">
+  <p:cSld>
+    <p:spTree>
+      <p:nvGrpSpPr>
+        <p:cNvPr id="1" name=""/>
+        <p:cNvGrpSpPr/>
+        <p:nvPr/>
+      </p:nvGrpSpPr>
+      <p:grpSpPr>
+        <a:xfrm>
+          <a:off x="0" y="0"/>
+          <a:ext cx="0" cy="0"/>
+          <a:chOff x="0" y="0"/>
+          <a:chExt cx="0" cy="0"/>
+        </a:xfrm>
+      </p:grpSpPr>
+      <p:sp>
+        <p:nvSpPr>
+          <p:cNvPr id="2" name="Text Placeholder 1"/>
+          <p:cNvSpPr>
+            <a:spLocks noGrp="1"/>
+          </p:cNvSpPr>
+          <p:nvPr>
+            <p:ph type="body" sz="quarter" idx="15"/>
+          </p:nvPr>
+        </p:nvSpPr>
+        <p:spPr/>
+        <p:txBody>
+          <a:bodyPr/>
+          <a:lstStyle/>
+          <a:p>
+            <a:r>
+              <a:rPr lang="en-US" dirty="0" smtClean="0"/>
+              <a:t>ASP.NET Web API</a:t>
+            </a:r>
+            <a:endParaRPr lang="en-US" dirty="0" smtClean="0"/>
+          </a:p>
+          <a:p>
+            <a:r>
+              <a:rPr lang="en-US" dirty="0" smtClean="0"/>
+              <a:t>First contact with Angular.js</a:t>
+            </a:r>
+          </a:p>
+          <a:p>
+            <a:r>
+              <a:rPr lang="en-US" dirty="0" smtClean="0"/>
+              <a:t>Getting data</a:t>
+            </a:r>
+          </a:p>
+          <a:p>
+            <a:r>
+              <a:rPr lang="en-US" dirty="0" smtClean="0"/>
+              <a:t>Routing and views</a:t>
+            </a:r>
+          </a:p>
+          <a:p>
+            <a:r>
+              <a:rPr lang="en-US" dirty="0" smtClean="0"/>
+              <a:t>Real-time synchronization</a:t>
+            </a:r>
+          </a:p>
+          <a:p>
+            <a:r>
+              <a:rPr lang="en-US" dirty="0" smtClean="0"/>
+              <a:t>Debug &amp; Deployment</a:t>
+            </a:r>
+            <a:endParaRPr lang="en-US" dirty="0"/>
+          </a:p>
+        </p:txBody>
+      </p:sp>
+      <p:pic>
+        <p:nvPicPr>
+          <p:cNvPr id="4" name="Picture Placeholder 3"/>
+          <p:cNvPicPr>
+            <a:picLocks noGrp="1" noChangeAspect="1"/>
+          </p:cNvPicPr>
+          <p:nvPr>
+            <p:ph type="pic" sz="quarter" idx="16"/>
+          </p:nvPr>
+        </p:nvPicPr>
+        <p:blipFill rotWithShape="1">
+          <a:blip r:embed="rId3" cstate="email">
+            <a:extLst>
+              <a:ext uri="{28A0092B-C50C-407E-A947-70E740481C1C}">
+                <a14:useLocalDpi xmlns:a14="http://schemas.microsoft.com/office/drawing/2010/main"/>
+              </a:ext>
+            </a:extLst>
+          </a:blip>
+          <a:srcRect l="16545" r="16545"/>
+          <a:stretch/>
+        </p:blipFill>
+        <p:spPr/>
+      </p:pic>
+      <p:sp>
+        <p:nvSpPr>
+          <p:cNvPr id="5" name="Title 4"/>
+          <p:cNvSpPr>
+            <a:spLocks noGrp="1"/>
+          </p:cNvSpPr>
+          <p:nvPr>
+            <p:ph type="title"/>
+          </p:nvPr>
+        </p:nvSpPr>
+        <p:spPr/>
+        <p:txBody>
+          <a:bodyPr/>
+          <a:lstStyle/>
+          <a:p>
+            <a:r>
+              <a:rPr lang="en-US" dirty="0" smtClean="0"/>
+              <a:t>Agenda</a:t>
+            </a:r>
+            <a:br>
+              <a:rPr lang="en-US" dirty="0" smtClean="0"/>
+            </a:br>
+            <a:endParaRPr lang="en-US" dirty="0"/>
+          </a:p>
+        </p:txBody>
+      </p:sp>
+    </p:spTree>
+    <p:extLst>
+      <p:ext uri="{BB962C8B-B14F-4D97-AF65-F5344CB8AC3E}">
+        <p14:creationId xmlns:p14="http://schemas.microsoft.com/office/powerpoint/2010/main" val="298026768"/>
+      </p:ext>
+    </p:extLst>
+  </p:cSld>
+  <p:clrMapOvr>
+    <a:masterClrMapping/>
+  </p:clrMapOvr>
+  <mc:AlternateContent xmlns:mc="http://schemas.openxmlformats.org/markup-compatibility/2006" xmlns:p14="http://schemas.microsoft.com/office/powerpoint/2010/main">
+    <mc:Choice Requires="p14">
+      <p:transition spd="med" p14:dur="700">
+        <p:fade/>
+      </p:transition>
+    </mc:Choice>
+    <mc:Fallback xmlns="">
+      <p:transition spd="med">
+        <p:fade/>
+      </p:transition>
+    </mc:Fallback>
+  </mc:AlternateContent>
+  <p:timing>
+    <p:tnLst>
+      <p:par>
+        <p:cTn id="1" dur="indefinite" restart="never" nodeType="tmRoot"/>
+      </p:par>
+    </p:tnLst>
+  </p:timing>
+</p:sld>
+</file>
+
+<file path=ppt/slides/slide30.xml><?xml version="1.0" encoding="utf-8"?>
 <p:sld xmlns:a="http://schemas.openxmlformats.org/drawingml/2006/main" xmlns:r="http://schemas.openxmlformats.org/officeDocument/2006/relationships" xmlns:p="http://schemas.openxmlformats.org/presentationml/2006/main" show="0">
   <p:cSld>
     <p:spTree>
@@ -29862,159 +30370,7 @@
 </p:sld>
 </file>
 
-<file path=ppt/slides/slide3.xml><?xml version="1.0" encoding="utf-8"?>
-<p:sld xmlns:a="http://schemas.openxmlformats.org/drawingml/2006/main" xmlns:r="http://schemas.openxmlformats.org/officeDocument/2006/relationships" xmlns:p="http://schemas.openxmlformats.org/presentationml/2006/main">
-  <p:cSld>
-    <p:spTree>
-      <p:nvGrpSpPr>
-        <p:cNvPr id="1" name=""/>
-        <p:cNvGrpSpPr/>
-        <p:nvPr/>
-      </p:nvGrpSpPr>
-      <p:grpSpPr>
-        <a:xfrm>
-          <a:off x="0" y="0"/>
-          <a:ext cx="0" cy="0"/>
-          <a:chOff x="0" y="0"/>
-          <a:chExt cx="0" cy="0"/>
-        </a:xfrm>
-      </p:grpSpPr>
-      <p:sp>
-        <p:nvSpPr>
-          <p:cNvPr id="2" name="Text Placeholder 1"/>
-          <p:cNvSpPr>
-            <a:spLocks noGrp="1"/>
-          </p:cNvSpPr>
-          <p:nvPr>
-            <p:ph type="body" sz="quarter" idx="15"/>
-          </p:nvPr>
-        </p:nvSpPr>
-        <p:spPr/>
-        <p:txBody>
-          <a:bodyPr/>
-          <a:lstStyle/>
-          <a:p>
-            <a:r>
-              <a:rPr lang="en-US" dirty="0" err="1" smtClean="0"/>
-              <a:t>WebAPI</a:t>
-            </a:r>
-            <a:endParaRPr lang="en-US" dirty="0" smtClean="0"/>
-          </a:p>
-          <a:p>
-            <a:r>
-              <a:rPr lang="en-US" dirty="0" smtClean="0"/>
-              <a:t>First contact with Angular.js</a:t>
-            </a:r>
-          </a:p>
-          <a:p>
-            <a:r>
-              <a:rPr lang="en-US" dirty="0" smtClean="0"/>
-              <a:t>Getting data</a:t>
-            </a:r>
-          </a:p>
-          <a:p>
-            <a:r>
-              <a:rPr lang="en-US" dirty="0" smtClean="0"/>
-              <a:t>Routing and views</a:t>
-            </a:r>
-          </a:p>
-          <a:p>
-            <a:r>
-              <a:rPr lang="en-US" dirty="0" smtClean="0"/>
-              <a:t>Real-time synchronization</a:t>
-            </a:r>
-          </a:p>
-          <a:p>
-            <a:r>
-              <a:rPr lang="en-US" dirty="0" smtClean="0"/>
-              <a:t>Debug &amp; Deployment</a:t>
-            </a:r>
-            <a:endParaRPr lang="en-US" dirty="0"/>
-          </a:p>
-        </p:txBody>
-      </p:sp>
-      <p:pic>
-        <p:nvPicPr>
-          <p:cNvPr id="4" name="Picture Placeholder 3"/>
-          <p:cNvPicPr>
-            <a:picLocks noGrp="1" noChangeAspect="1"/>
-          </p:cNvPicPr>
-          <p:nvPr>
-            <p:ph type="pic" sz="quarter" idx="16"/>
-          </p:nvPr>
-        </p:nvPicPr>
-        <p:blipFill rotWithShape="1">
-          <a:blip r:embed="rId3" cstate="email">
-            <a:extLst>
-              <a:ext uri="{28A0092B-C50C-407E-A947-70E740481C1C}">
-                <a14:useLocalDpi xmlns:a14="http://schemas.microsoft.com/office/drawing/2010/main"/>
-              </a:ext>
-            </a:extLst>
-          </a:blip>
-          <a:srcRect l="16545" r="16545"/>
-          <a:stretch/>
-        </p:blipFill>
-        <p:spPr/>
-      </p:pic>
-      <p:sp>
-        <p:nvSpPr>
-          <p:cNvPr id="5" name="Title 4"/>
-          <p:cNvSpPr>
-            <a:spLocks noGrp="1"/>
-          </p:cNvSpPr>
-          <p:nvPr>
-            <p:ph type="title"/>
-          </p:nvPr>
-        </p:nvSpPr>
-        <p:spPr/>
-        <p:txBody>
-          <a:bodyPr/>
-          <a:lstStyle/>
-          <a:p>
-            <a:r>
-              <a:rPr lang="en-US" dirty="0" smtClean="0"/>
-              <a:t>Agenda</a:t>
-            </a:r>
-            <a:br>
-              <a:rPr lang="en-US" dirty="0" smtClean="0"/>
-            </a:br>
-            <a:endParaRPr lang="en-US" dirty="0"/>
-          </a:p>
-        </p:txBody>
-      </p:sp>
-    </p:spTree>
-    <p:extLst>
-      <p:ext uri="{BB962C8B-B14F-4D97-AF65-F5344CB8AC3E}">
-        <p14:creationId xmlns:p14="http://schemas.microsoft.com/office/powerpoint/2010/main" val="298026768"/>
-      </p:ext>
-    </p:extLst>
-  </p:cSld>
-  <p:clrMapOvr>
-    <a:masterClrMapping/>
-  </p:clrMapOvr>
-  <mc:AlternateContent xmlns:mc="http://schemas.openxmlformats.org/markup-compatibility/2006" xmlns:p14="http://schemas.microsoft.com/office/powerpoint/2010/main">
-    <mc:Choice Requires="p14">
-      <p:transition spd="med" p14:dur="700">
-        <p:fade/>
-      </p:transition>
-    </mc:Choice>
-    <mc:Fallback xmlns="">
-      <p:transition spd="med">
-        <p:fade/>
-      </p:transition>
-    </mc:Fallback>
-  </mc:AlternateContent>
-  <p:timing>
-    <p:tnLst>
-      <p:par>
-        <p:cTn id="1" dur="indefinite" restart="never" nodeType="tmRoot"/>
-      </p:par>
-    </p:tnLst>
-  </p:timing>
-</p:sld>
-</file>
-
-<file path=ppt/slides/slide30.xml><?xml version="1.0" encoding="utf-8"?>
+<file path=ppt/slides/slide31.xml><?xml version="1.0" encoding="utf-8"?>
 <p:sld xmlns:a="http://schemas.openxmlformats.org/drawingml/2006/main" xmlns:r="http://schemas.openxmlformats.org/officeDocument/2006/relationships" xmlns:p="http://schemas.openxmlformats.org/presentationml/2006/main" show="0">
   <p:cSld>
     <p:spTree>
@@ -30116,7 +30472,7 @@
 </p:sld>
 </file>
 
-<file path=ppt/slides/slide31.xml><?xml version="1.0" encoding="utf-8"?>
+<file path=ppt/slides/slide32.xml><?xml version="1.0" encoding="utf-8"?>
 <p:sld xmlns:a="http://schemas.openxmlformats.org/drawingml/2006/main" xmlns:r="http://schemas.openxmlformats.org/officeDocument/2006/relationships" xmlns:p="http://schemas.openxmlformats.org/presentationml/2006/main" show="0">
   <p:cSld>
     <p:spTree>
@@ -30218,7 +30574,7 @@
 </p:sld>
 </file>
 
-<file path=ppt/slides/slide32.xml><?xml version="1.0" encoding="utf-8"?>
+<file path=ppt/slides/slide33.xml><?xml version="1.0" encoding="utf-8"?>
 <p:sld xmlns:a="http://schemas.openxmlformats.org/drawingml/2006/main" xmlns:r="http://schemas.openxmlformats.org/officeDocument/2006/relationships" xmlns:p="http://schemas.openxmlformats.org/presentationml/2006/main">
   <p:cSld>
     <p:spTree>
@@ -30449,242 +30805,1185 @@
       </p:grpSpPr>
       <p:sp>
         <p:nvSpPr>
-          <p:cNvPr id="2" name="Text Placeholder 1"/>
+          <p:cNvPr id="3" name="Title 2"/>
           <p:cNvSpPr>
             <a:spLocks noGrp="1"/>
           </p:cNvSpPr>
           <p:nvPr>
-            <p:ph type="body" sz="quarter" idx="15"/>
+            <p:ph type="title"/>
           </p:nvPr>
         </p:nvSpPr>
-        <p:spPr/>
+        <p:spPr>
+          <a:xfrm>
+            <a:off x="572843" y="94490"/>
+            <a:ext cx="11300393" cy="1351952"/>
+          </a:xfrm>
+        </p:spPr>
         <p:txBody>
-          <a:bodyPr/>
+          <a:bodyPr>
+            <a:noAutofit/>
+          </a:bodyPr>
           <a:lstStyle/>
           <a:p>
             <a:r>
-              <a:rPr lang="en-US" b="1" dirty="0" smtClean="0"/>
-              <a:t>MVC</a:t>
-            </a:r>
-            <a:r>
               <a:rPr lang="en-US" dirty="0" smtClean="0"/>
-              <a:t> framework</a:t>
-            </a:r>
-          </a:p>
-          <a:p>
+              <a:t>ASP.NET </a:t>
+            </a:r>
+            <a:r>
+              <a:rPr lang="en-US" dirty="0"/>
+              <a:t>Web </a:t>
+            </a:r>
             <a:r>
               <a:rPr lang="en-US" dirty="0" smtClean="0"/>
-              <a:t>For </a:t>
-            </a:r>
-            <a:r>
-              <a:rPr lang="en-US" b="1" dirty="0" smtClean="0"/>
-              <a:t>S</a:t>
+              <a:t>API </a:t>
             </a:r>
             <a:r>
               <a:rPr lang="en-US" dirty="0" smtClean="0"/>
-              <a:t>ingle </a:t>
-            </a:r>
-            <a:r>
-              <a:rPr lang="en-US" b="1" dirty="0" smtClean="0"/>
-              <a:t>P</a:t>
-            </a:r>
-            <a:r>
-              <a:rPr lang="en-US" dirty="0" smtClean="0"/>
-              <a:t>age </a:t>
-            </a:r>
-            <a:r>
-              <a:rPr lang="en-US" b="1" dirty="0" smtClean="0"/>
-              <a:t>A</a:t>
-            </a:r>
-            <a:r>
-              <a:rPr lang="en-US" dirty="0" smtClean="0"/>
-              <a:t>pplication</a:t>
-            </a:r>
-            <a:br>
-              <a:rPr lang="en-US" dirty="0" smtClean="0"/>
-            </a:br>
-            <a:r>
-              <a:rPr lang="en-US" dirty="0" smtClean="0"/>
-              <a:t/>
-            </a:r>
-            <a:br>
-              <a:rPr lang="en-US" dirty="0" smtClean="0"/>
-            </a:br>
-            <a:r>
-              <a:rPr lang="en-US" dirty="0" smtClean="0"/>
-              <a:t>You need only one script file:</a:t>
-            </a:r>
-          </a:p>
-          <a:p>
-            <a:r>
-              <a:rPr lang="en-US" sz="2400" dirty="0">
-                <a:solidFill>
-                  <a:srgbClr val="0000FF"/>
-                </a:solidFill>
-                <a:highlight>
-                  <a:srgbClr val="FFFFFF"/>
-                </a:highlight>
-                <a:latin typeface="Consolas" panose="020B0609020204030204" pitchFamily="49" charset="0"/>
-              </a:rPr>
-              <a:t>&lt;</a:t>
-            </a:r>
-            <a:r>
-              <a:rPr lang="en-US" sz="2400" dirty="0">
-                <a:solidFill>
-                  <a:srgbClr val="800000"/>
-                </a:solidFill>
-                <a:highlight>
-                  <a:srgbClr val="FFFFFF"/>
-                </a:highlight>
-                <a:latin typeface="Consolas" panose="020B0609020204030204" pitchFamily="49" charset="0"/>
-              </a:rPr>
-              <a:t>script</a:t>
-            </a:r>
-            <a:r>
-              <a:rPr lang="en-US" sz="2400" dirty="0">
-                <a:solidFill>
-                  <a:srgbClr val="000000"/>
-                </a:solidFill>
-                <a:highlight>
-                  <a:srgbClr val="FFFFFF"/>
-                </a:highlight>
-                <a:latin typeface="Consolas" panose="020B0609020204030204" pitchFamily="49" charset="0"/>
-              </a:rPr>
-              <a:t> </a:t>
-            </a:r>
-            <a:r>
-              <a:rPr lang="en-US" sz="2400" dirty="0" err="1">
-                <a:solidFill>
-                  <a:srgbClr val="FF0000"/>
-                </a:solidFill>
-                <a:highlight>
-                  <a:srgbClr val="FFFFFF"/>
-                </a:highlight>
-                <a:latin typeface="Consolas" panose="020B0609020204030204" pitchFamily="49" charset="0"/>
-              </a:rPr>
-              <a:t>src</a:t>
-            </a:r>
-            <a:r>
-              <a:rPr lang="en-US" sz="2400" dirty="0">
-                <a:solidFill>
-                  <a:srgbClr val="0000FF"/>
-                </a:solidFill>
-                <a:highlight>
-                  <a:srgbClr val="FFFFFF"/>
-                </a:highlight>
-                <a:latin typeface="Consolas" panose="020B0609020204030204" pitchFamily="49" charset="0"/>
-              </a:rPr>
-              <a:t>="angular.min.js"&gt;&lt;/</a:t>
-            </a:r>
-            <a:r>
-              <a:rPr lang="en-US" sz="2400" dirty="0" smtClean="0">
-                <a:solidFill>
-                  <a:srgbClr val="800000"/>
-                </a:solidFill>
-                <a:highlight>
-                  <a:srgbClr val="FFFFFF"/>
-                </a:highlight>
-                <a:latin typeface="Consolas" panose="020B0609020204030204" pitchFamily="49" charset="0"/>
-              </a:rPr>
-              <a:t>script</a:t>
-            </a:r>
-            <a:r>
-              <a:rPr lang="en-US" sz="2400" dirty="0" smtClean="0">
-                <a:solidFill>
-                  <a:srgbClr val="0000FF"/>
-                </a:solidFill>
-                <a:highlight>
-                  <a:srgbClr val="FFFFFF"/>
-                </a:highlight>
-                <a:latin typeface="Consolas" panose="020B0609020204030204" pitchFamily="49" charset="0"/>
-              </a:rPr>
-              <a:t>&gt;</a:t>
-            </a:r>
-          </a:p>
-          <a:p>
-            <a:r>
-              <a:rPr lang="en-US" dirty="0" smtClean="0"/>
-              <a:t/>
-            </a:r>
-            <a:br>
-              <a:rPr lang="en-US" dirty="0" smtClean="0"/>
-            </a:br>
-            <a:r>
-              <a:rPr lang="en-US" dirty="0" smtClean="0"/>
-              <a:t>Latest version here:</a:t>
-            </a:r>
-          </a:p>
-          <a:p>
-            <a:r>
-              <a:rPr lang="en-US" dirty="0">
-                <a:hlinkClick r:id="rId3"/>
-              </a:rPr>
-              <a:t>http://code.angularjs.org</a:t>
-            </a:r>
-            <a:r>
-              <a:rPr lang="en-US" dirty="0" smtClean="0">
-                <a:hlinkClick r:id="rId3"/>
-              </a:rPr>
-              <a:t>/</a:t>
+              <a:t>and HTTP Services</a:t>
             </a:r>
             <a:endParaRPr lang="en-US" dirty="0"/>
-          </a:p>
-          <a:p>
-            <a:endParaRPr lang="en-US" sz="2400" dirty="0"/>
           </a:p>
         </p:txBody>
       </p:sp>
       <p:sp>
         <p:nvSpPr>
-          <p:cNvPr id="5" name="Title 4"/>
-          <p:cNvSpPr>
-            <a:spLocks noGrp="1"/>
-          </p:cNvSpPr>
-          <p:nvPr>
-            <p:ph type="ctrTitle"/>
-          </p:nvPr>
+          <p:cNvPr id="4" name="Rectangle 3"/>
+          <p:cNvSpPr/>
+          <p:nvPr/>
         </p:nvSpPr>
-        <p:spPr/>
+        <p:spPr bwMode="auto">
+          <a:xfrm>
+            <a:off x="1436379" y="4938260"/>
+            <a:ext cx="9585088" cy="1055880"/>
+          </a:xfrm>
+          <a:prstGeom prst="rect">
+            <a:avLst/>
+          </a:prstGeom>
+          <a:solidFill>
+            <a:srgbClr val="002050"/>
+          </a:solidFill>
+          <a:ln>
+            <a:noFill/>
+            <a:headEnd type="none" w="med" len="med"/>
+            <a:tailEnd type="none" w="med" len="med"/>
+          </a:ln>
+          <a:effectLst/>
+        </p:spPr>
+        <p:style>
+          <a:lnRef idx="1">
+            <a:schemeClr val="accent2"/>
+          </a:lnRef>
+          <a:fillRef idx="3">
+            <a:schemeClr val="accent2"/>
+          </a:fillRef>
+          <a:effectRef idx="2">
+            <a:schemeClr val="accent2"/>
+          </a:effectRef>
+          <a:fontRef idx="minor">
+            <a:schemeClr val="lt1"/>
+          </a:fontRef>
+        </p:style>
         <p:txBody>
-          <a:bodyPr/>
+          <a:bodyPr vert="horz" wrap="square" lIns="83930" tIns="41966" rIns="83930" bIns="41966" numCol="1" rtlCol="0" anchor="ctr" anchorCtr="0" compatLnSpc="1">
+            <a:prstTxWarp prst="textNoShape">
+              <a:avLst/>
+            </a:prstTxWarp>
+          </a:bodyPr>
           <a:lstStyle/>
           <a:p>
-            <a:r>
-              <a:rPr lang="en-US" dirty="0" smtClean="0"/>
-              <a:t>First contact with Angular.js</a:t>
-            </a:r>
-            <a:endParaRPr lang="en-US" dirty="0"/>
+            <a:pPr algn="ctr" defTabSz="839061" fontAlgn="base">
+              <a:spcBef>
+                <a:spcPct val="0"/>
+              </a:spcBef>
+              <a:spcAft>
+                <a:spcPct val="0"/>
+              </a:spcAft>
+            </a:pPr>
+            <a:endParaRPr lang="en-US" sz="1652" dirty="0">
+              <a:gradFill>
+                <a:gsLst>
+                  <a:gs pos="0">
+                    <a:srgbClr val="FFFFFF"/>
+                  </a:gs>
+                  <a:gs pos="100000">
+                    <a:srgbClr val="FFFFFF"/>
+                  </a:gs>
+                </a:gsLst>
+                <a:lin ang="5400000" scaled="0"/>
+              </a:gradFill>
+            </a:endParaRPr>
           </a:p>
         </p:txBody>
       </p:sp>
+      <p:sp>
+        <p:nvSpPr>
+          <p:cNvPr id="17" name="TextBox 28"/>
+          <p:cNvSpPr txBox="1"/>
+          <p:nvPr/>
+        </p:nvSpPr>
+        <p:spPr>
+          <a:xfrm>
+            <a:off x="2490733" y="5190866"/>
+            <a:ext cx="7462803" cy="526442"/>
+          </a:xfrm>
+          <a:prstGeom prst="rect">
+            <a:avLst/>
+          </a:prstGeom>
+          <a:noFill/>
+        </p:spPr>
+        <p:txBody>
+          <a:bodyPr wrap="square" rtlCol="0">
+            <a:spAutoFit/>
+          </a:bodyPr>
+          <a:lstStyle>
+            <a:defPPr>
+              <a:defRPr lang="en-US"/>
+            </a:defPPr>
+            <a:lvl1pPr marL="0" algn="l" defTabSz="914363" rtl="0" eaLnBrk="1" latinLnBrk="0" hangingPunct="1">
+              <a:defRPr sz="1800" kern="1200">
+                <a:solidFill>
+                  <a:schemeClr val="tx1"/>
+                </a:solidFill>
+                <a:latin typeface="+mn-lt"/>
+                <a:ea typeface="+mn-ea"/>
+                <a:cs typeface="+mn-cs"/>
+              </a:defRPr>
+            </a:lvl1pPr>
+            <a:lvl2pPr marL="457182" algn="l" defTabSz="914363" rtl="0" eaLnBrk="1" latinLnBrk="0" hangingPunct="1">
+              <a:defRPr sz="1800" kern="1200">
+                <a:solidFill>
+                  <a:schemeClr val="tx1"/>
+                </a:solidFill>
+                <a:latin typeface="+mn-lt"/>
+                <a:ea typeface="+mn-ea"/>
+                <a:cs typeface="+mn-cs"/>
+              </a:defRPr>
+            </a:lvl2pPr>
+            <a:lvl3pPr marL="914363" algn="l" defTabSz="914363" rtl="0" eaLnBrk="1" latinLnBrk="0" hangingPunct="1">
+              <a:defRPr sz="1800" kern="1200">
+                <a:solidFill>
+                  <a:schemeClr val="tx1"/>
+                </a:solidFill>
+                <a:latin typeface="+mn-lt"/>
+                <a:ea typeface="+mn-ea"/>
+                <a:cs typeface="+mn-cs"/>
+              </a:defRPr>
+            </a:lvl3pPr>
+            <a:lvl4pPr marL="1371545" algn="l" defTabSz="914363" rtl="0" eaLnBrk="1" latinLnBrk="0" hangingPunct="1">
+              <a:defRPr sz="1800" kern="1200">
+                <a:solidFill>
+                  <a:schemeClr val="tx1"/>
+                </a:solidFill>
+                <a:latin typeface="+mn-lt"/>
+                <a:ea typeface="+mn-ea"/>
+                <a:cs typeface="+mn-cs"/>
+              </a:defRPr>
+            </a:lvl4pPr>
+            <a:lvl5pPr marL="1828727" algn="l" defTabSz="914363" rtl="0" eaLnBrk="1" latinLnBrk="0" hangingPunct="1">
+              <a:defRPr sz="1800" kern="1200">
+                <a:solidFill>
+                  <a:schemeClr val="tx1"/>
+                </a:solidFill>
+                <a:latin typeface="+mn-lt"/>
+                <a:ea typeface="+mn-ea"/>
+                <a:cs typeface="+mn-cs"/>
+              </a:defRPr>
+            </a:lvl5pPr>
+            <a:lvl6pPr marL="2285909" algn="l" defTabSz="914363" rtl="0" eaLnBrk="1" latinLnBrk="0" hangingPunct="1">
+              <a:defRPr sz="1800" kern="1200">
+                <a:solidFill>
+                  <a:schemeClr val="tx1"/>
+                </a:solidFill>
+                <a:latin typeface="+mn-lt"/>
+                <a:ea typeface="+mn-ea"/>
+                <a:cs typeface="+mn-cs"/>
+              </a:defRPr>
+            </a:lvl6pPr>
+            <a:lvl7pPr marL="2743090" algn="l" defTabSz="914363" rtl="0" eaLnBrk="1" latinLnBrk="0" hangingPunct="1">
+              <a:defRPr sz="1800" kern="1200">
+                <a:solidFill>
+                  <a:schemeClr val="tx1"/>
+                </a:solidFill>
+                <a:latin typeface="+mn-lt"/>
+                <a:ea typeface="+mn-ea"/>
+                <a:cs typeface="+mn-cs"/>
+              </a:defRPr>
+            </a:lvl7pPr>
+            <a:lvl8pPr marL="3200272" algn="l" defTabSz="914363" rtl="0" eaLnBrk="1" latinLnBrk="0" hangingPunct="1">
+              <a:defRPr sz="1800" kern="1200">
+                <a:solidFill>
+                  <a:schemeClr val="tx1"/>
+                </a:solidFill>
+                <a:latin typeface="+mn-lt"/>
+                <a:ea typeface="+mn-ea"/>
+                <a:cs typeface="+mn-cs"/>
+              </a:defRPr>
+            </a:lvl8pPr>
+            <a:lvl9pPr marL="3657454" algn="l" defTabSz="914363" rtl="0" eaLnBrk="1" latinLnBrk="0" hangingPunct="1">
+              <a:defRPr sz="1800" kern="1200">
+                <a:solidFill>
+                  <a:schemeClr val="tx1"/>
+                </a:solidFill>
+                <a:latin typeface="+mn-lt"/>
+                <a:ea typeface="+mn-ea"/>
+                <a:cs typeface="+mn-cs"/>
+              </a:defRPr>
+            </a:lvl9pPr>
+          </a:lstStyle>
+          <a:p>
+            <a:pPr algn="ctr"/>
+            <a:r>
+              <a:rPr lang="en-US" sz="2754" dirty="0">
+                <a:solidFill>
+                  <a:srgbClr val="FFFFFF">
+                    <a:alpha val="99000"/>
+                  </a:srgbClr>
+                </a:solidFill>
+              </a:rPr>
+              <a:t>ASP.NET Core</a:t>
+            </a:r>
+          </a:p>
+        </p:txBody>
+      </p:sp>
+      <p:grpSp>
+        <p:nvGrpSpPr>
+          <p:cNvPr id="2" name="Group 1"/>
+          <p:cNvGrpSpPr/>
+          <p:nvPr/>
+        </p:nvGrpSpPr>
+        <p:grpSpPr>
+          <a:xfrm>
+            <a:off x="8521525" y="3030960"/>
+            <a:ext cx="2499942" cy="1815883"/>
+            <a:chOff x="6450162" y="1837082"/>
+            <a:chExt cx="2042622" cy="1483699"/>
+          </a:xfrm>
+          <a:solidFill>
+            <a:srgbClr val="7D7D7D"/>
+          </a:solidFill>
+        </p:grpSpPr>
+        <p:sp>
+          <p:nvSpPr>
+            <p:cNvPr id="41" name="Rectangle 40"/>
+            <p:cNvSpPr/>
+            <p:nvPr/>
+          </p:nvSpPr>
+          <p:spPr>
+            <a:xfrm>
+              <a:off x="6450162" y="2602822"/>
+              <a:ext cx="2042622" cy="717959"/>
+            </a:xfrm>
+            <a:prstGeom prst="rect">
+              <a:avLst/>
+            </a:prstGeom>
+            <a:grpFill/>
+            <a:ln>
+              <a:noFill/>
+              <a:headEnd type="none" w="med" len="med"/>
+              <a:tailEnd type="none" w="med" len="med"/>
+            </a:ln>
+            <a:effectLst/>
+          </p:spPr>
+          <p:style>
+            <a:lnRef idx="1">
+              <a:schemeClr val="accent2"/>
+            </a:lnRef>
+            <a:fillRef idx="3">
+              <a:schemeClr val="accent2"/>
+            </a:fillRef>
+            <a:effectRef idx="2">
+              <a:schemeClr val="accent2"/>
+            </a:effectRef>
+            <a:fontRef idx="minor">
+              <a:schemeClr val="lt1"/>
+            </a:fontRef>
+          </p:style>
+          <p:txBody>
+            <a:bodyPr vert="horz" wrap="square" lIns="83930" tIns="41966" rIns="83930" bIns="41966" numCol="1" rtlCol="0" anchor="ctr" anchorCtr="0" compatLnSpc="1">
+              <a:prstTxWarp prst="textNoShape">
+                <a:avLst/>
+              </a:prstTxWarp>
+            </a:bodyPr>
+            <a:lstStyle/>
+            <a:p>
+              <a:pPr algn="ctr" defTabSz="839061" fontAlgn="base">
+                <a:spcBef>
+                  <a:spcPct val="0"/>
+                </a:spcBef>
+                <a:spcAft>
+                  <a:spcPct val="0"/>
+                </a:spcAft>
+              </a:pPr>
+              <a:r>
+                <a:rPr lang="en-US" sz="2856" dirty="0">
+                  <a:gradFill>
+                    <a:gsLst>
+                      <a:gs pos="0">
+                        <a:srgbClr val="FFFFFF"/>
+                      </a:gs>
+                      <a:gs pos="100000">
+                        <a:srgbClr val="FFFFFF"/>
+                      </a:gs>
+                    </a:gsLst>
+                    <a:lin ang="5400000" scaled="0"/>
+                  </a:gradFill>
+                </a:rPr>
+                <a:t>Web API</a:t>
+              </a:r>
+            </a:p>
+          </p:txBody>
+        </p:sp>
+        <p:sp>
+          <p:nvSpPr>
+            <p:cNvPr id="42" name="Rectangle 41"/>
+            <p:cNvSpPr/>
+            <p:nvPr/>
+          </p:nvSpPr>
+          <p:spPr>
+            <a:xfrm>
+              <a:off x="6450162" y="1850820"/>
+              <a:ext cx="1017438" cy="655830"/>
+            </a:xfrm>
+            <a:prstGeom prst="rect">
+              <a:avLst/>
+            </a:prstGeom>
+            <a:grpFill/>
+            <a:ln>
+              <a:noFill/>
+              <a:headEnd type="none" w="med" len="med"/>
+              <a:tailEnd type="none" w="med" len="med"/>
+            </a:ln>
+            <a:effectLst/>
+          </p:spPr>
+          <p:style>
+            <a:lnRef idx="1">
+              <a:schemeClr val="accent2"/>
+            </a:lnRef>
+            <a:fillRef idx="3">
+              <a:schemeClr val="accent2"/>
+            </a:fillRef>
+            <a:effectRef idx="2">
+              <a:schemeClr val="accent2"/>
+            </a:effectRef>
+            <a:fontRef idx="minor">
+              <a:schemeClr val="lt1"/>
+            </a:fontRef>
+          </p:style>
+          <p:txBody>
+            <a:bodyPr vert="horz" wrap="square" lIns="83930" tIns="41966" rIns="83930" bIns="41966" numCol="1" rtlCol="0" anchor="ctr" anchorCtr="0" compatLnSpc="1">
+              <a:prstTxWarp prst="textNoShape">
+                <a:avLst/>
+              </a:prstTxWarp>
+            </a:bodyPr>
+            <a:lstStyle/>
+            <a:p>
+              <a:pPr algn="ctr" defTabSz="839061" fontAlgn="base">
+                <a:spcBef>
+                  <a:spcPct val="0"/>
+                </a:spcBef>
+                <a:spcAft>
+                  <a:spcPct val="0"/>
+                </a:spcAft>
+              </a:pPr>
+              <a:r>
+                <a:rPr lang="en-US" sz="2856" dirty="0">
+                  <a:gradFill>
+                    <a:gsLst>
+                      <a:gs pos="0">
+                        <a:srgbClr val="FFFFFF"/>
+                      </a:gs>
+                      <a:gs pos="100000">
+                        <a:srgbClr val="FFFFFF"/>
+                      </a:gs>
+                    </a:gsLst>
+                    <a:lin ang="5400000" scaled="0"/>
+                  </a:gradFill>
+                </a:rPr>
+                <a:t>JSON</a:t>
+              </a:r>
+            </a:p>
+          </p:txBody>
+        </p:sp>
+        <p:sp>
+          <p:nvSpPr>
+            <p:cNvPr id="44" name="Rectangle 43"/>
+            <p:cNvSpPr/>
+            <p:nvPr/>
+          </p:nvSpPr>
+          <p:spPr>
+            <a:xfrm>
+              <a:off x="7562449" y="1837082"/>
+              <a:ext cx="930335" cy="669568"/>
+            </a:xfrm>
+            <a:prstGeom prst="rect">
+              <a:avLst/>
+            </a:prstGeom>
+            <a:grpFill/>
+            <a:ln>
+              <a:noFill/>
+              <a:headEnd type="none" w="med" len="med"/>
+              <a:tailEnd type="none" w="med" len="med"/>
+            </a:ln>
+            <a:effectLst/>
+          </p:spPr>
+          <p:style>
+            <a:lnRef idx="1">
+              <a:schemeClr val="accent2"/>
+            </a:lnRef>
+            <a:fillRef idx="3">
+              <a:schemeClr val="accent2"/>
+            </a:fillRef>
+            <a:effectRef idx="2">
+              <a:schemeClr val="accent2"/>
+            </a:effectRef>
+            <a:fontRef idx="minor">
+              <a:schemeClr val="lt1"/>
+            </a:fontRef>
+          </p:style>
+          <p:txBody>
+            <a:bodyPr vert="horz" wrap="square" lIns="83930" tIns="41966" rIns="83930" bIns="41966" numCol="1" rtlCol="0" anchor="ctr" anchorCtr="0" compatLnSpc="1">
+              <a:prstTxWarp prst="textNoShape">
+                <a:avLst/>
+              </a:prstTxWarp>
+            </a:bodyPr>
+            <a:lstStyle/>
+            <a:p>
+              <a:pPr algn="ctr" defTabSz="839061" fontAlgn="base">
+                <a:spcBef>
+                  <a:spcPct val="0"/>
+                </a:spcBef>
+                <a:spcAft>
+                  <a:spcPct val="0"/>
+                </a:spcAft>
+              </a:pPr>
+              <a:r>
+                <a:rPr lang="en-US" sz="2856" dirty="0">
+                  <a:gradFill>
+                    <a:gsLst>
+                      <a:gs pos="0">
+                        <a:srgbClr val="FFFFFF"/>
+                      </a:gs>
+                      <a:gs pos="100000">
+                        <a:srgbClr val="FFFFFF"/>
+                      </a:gs>
+                    </a:gsLst>
+                    <a:lin ang="5400000" scaled="0"/>
+                  </a:gradFill>
+                </a:rPr>
+                <a:t>XML</a:t>
+              </a:r>
+            </a:p>
+          </p:txBody>
+        </p:sp>
+      </p:grpSp>
+      <p:grpSp>
+        <p:nvGrpSpPr>
+          <p:cNvPr id="12" name="Group 11"/>
+          <p:cNvGrpSpPr/>
+          <p:nvPr/>
+        </p:nvGrpSpPr>
+        <p:grpSpPr>
+          <a:xfrm>
+            <a:off x="1413552" y="3043143"/>
+            <a:ext cx="7014714" cy="1803704"/>
+            <a:chOff x="646246" y="2200704"/>
+            <a:chExt cx="5731496" cy="1473748"/>
+          </a:xfrm>
+          <a:solidFill>
+            <a:srgbClr val="4567C5"/>
+          </a:solidFill>
+        </p:grpSpPr>
+        <p:sp>
+          <p:nvSpPr>
+            <p:cNvPr id="28" name="Rectangle 27"/>
+            <p:cNvSpPr/>
+            <p:nvPr/>
+          </p:nvSpPr>
+          <p:spPr>
+            <a:xfrm>
+              <a:off x="664898" y="2940743"/>
+              <a:ext cx="1853482" cy="733709"/>
+            </a:xfrm>
+            <a:prstGeom prst="rect">
+              <a:avLst/>
+            </a:prstGeom>
+            <a:grpFill/>
+            <a:ln>
+              <a:noFill/>
+              <a:headEnd type="none" w="med" len="med"/>
+              <a:tailEnd type="none" w="med" len="med"/>
+            </a:ln>
+            <a:effectLst/>
+          </p:spPr>
+          <p:style>
+            <a:lnRef idx="1">
+              <a:schemeClr val="accent2"/>
+            </a:lnRef>
+            <a:fillRef idx="3">
+              <a:schemeClr val="accent2"/>
+            </a:fillRef>
+            <a:effectRef idx="2">
+              <a:schemeClr val="accent2"/>
+            </a:effectRef>
+            <a:fontRef idx="minor">
+              <a:schemeClr val="lt1"/>
+            </a:fontRef>
+          </p:style>
+          <p:txBody>
+            <a:bodyPr vert="horz" wrap="square" lIns="83930" tIns="41966" rIns="83930" bIns="41966" numCol="1" rtlCol="0" anchor="ctr" anchorCtr="0" compatLnSpc="1">
+              <a:prstTxWarp prst="textNoShape">
+                <a:avLst/>
+              </a:prstTxWarp>
+            </a:bodyPr>
+            <a:lstStyle/>
+            <a:p>
+              <a:pPr algn="ctr" defTabSz="839061" fontAlgn="base">
+                <a:spcBef>
+                  <a:spcPct val="0"/>
+                </a:spcBef>
+                <a:spcAft>
+                  <a:spcPct val="0"/>
+                </a:spcAft>
+              </a:pPr>
+              <a:r>
+                <a:rPr lang="en-US" sz="2856" dirty="0">
+                  <a:gradFill>
+                    <a:gsLst>
+                      <a:gs pos="0">
+                        <a:srgbClr val="FFFFFF"/>
+                      </a:gs>
+                      <a:gs pos="100000">
+                        <a:srgbClr val="FFFFFF"/>
+                      </a:gs>
+                    </a:gsLst>
+                    <a:lin ang="5400000" scaled="0"/>
+                  </a:gradFill>
+                </a:rPr>
+                <a:t>Web Forms</a:t>
+              </a:r>
+            </a:p>
+          </p:txBody>
+        </p:sp>
+        <p:sp>
+          <p:nvSpPr>
+            <p:cNvPr id="40" name="Rectangle 39"/>
+            <p:cNvSpPr/>
+            <p:nvPr/>
+          </p:nvSpPr>
+          <p:spPr>
+            <a:xfrm>
+              <a:off x="646246" y="2200704"/>
+              <a:ext cx="5712846" cy="659614"/>
+            </a:xfrm>
+            <a:prstGeom prst="rect">
+              <a:avLst/>
+            </a:prstGeom>
+            <a:grpFill/>
+            <a:ln>
+              <a:noFill/>
+              <a:headEnd type="none" w="med" len="med"/>
+              <a:tailEnd type="none" w="med" len="med"/>
+            </a:ln>
+            <a:effectLst/>
+          </p:spPr>
+          <p:style>
+            <a:lnRef idx="1">
+              <a:schemeClr val="accent2"/>
+            </a:lnRef>
+            <a:fillRef idx="3">
+              <a:schemeClr val="accent2"/>
+            </a:fillRef>
+            <a:effectRef idx="2">
+              <a:schemeClr val="accent2"/>
+            </a:effectRef>
+            <a:fontRef idx="minor">
+              <a:schemeClr val="lt1"/>
+            </a:fontRef>
+          </p:style>
+          <p:txBody>
+            <a:bodyPr vert="horz" wrap="square" lIns="83930" tIns="41966" rIns="83930" bIns="41966" numCol="1" rtlCol="0" anchor="ctr" anchorCtr="0" compatLnSpc="1">
+              <a:prstTxWarp prst="textNoShape">
+                <a:avLst/>
+              </a:prstTxWarp>
+            </a:bodyPr>
+            <a:lstStyle/>
+            <a:p>
+              <a:pPr algn="ctr" defTabSz="839061" fontAlgn="base">
+                <a:spcBef>
+                  <a:spcPct val="0"/>
+                </a:spcBef>
+                <a:spcAft>
+                  <a:spcPct val="0"/>
+                </a:spcAft>
+              </a:pPr>
+              <a:r>
+                <a:rPr lang="en-US" sz="2856" dirty="0">
+                  <a:gradFill>
+                    <a:gsLst>
+                      <a:gs pos="0">
+                        <a:srgbClr val="FFFFFF"/>
+                      </a:gs>
+                      <a:gs pos="100000">
+                        <a:srgbClr val="FFFFFF"/>
+                      </a:gs>
+                    </a:gsLst>
+                    <a:lin ang="5400000" scaled="0"/>
+                  </a:gradFill>
+                </a:rPr>
+                <a:t>HTML</a:t>
+              </a:r>
+            </a:p>
+          </p:txBody>
+        </p:sp>
+        <p:sp>
+          <p:nvSpPr>
+            <p:cNvPr id="25" name="Rectangle 24"/>
+            <p:cNvSpPr/>
+            <p:nvPr/>
+          </p:nvSpPr>
+          <p:spPr>
+            <a:xfrm>
+              <a:off x="4524260" y="2940740"/>
+              <a:ext cx="1853482" cy="733709"/>
+            </a:xfrm>
+            <a:prstGeom prst="rect">
+              <a:avLst/>
+            </a:prstGeom>
+            <a:grpFill/>
+            <a:ln>
+              <a:noFill/>
+              <a:headEnd type="none" w="med" len="med"/>
+              <a:tailEnd type="none" w="med" len="med"/>
+            </a:ln>
+            <a:effectLst/>
+          </p:spPr>
+          <p:style>
+            <a:lnRef idx="1">
+              <a:schemeClr val="accent2"/>
+            </a:lnRef>
+            <a:fillRef idx="3">
+              <a:schemeClr val="accent2"/>
+            </a:fillRef>
+            <a:effectRef idx="2">
+              <a:schemeClr val="accent2"/>
+            </a:effectRef>
+            <a:fontRef idx="minor">
+              <a:schemeClr val="lt1"/>
+            </a:fontRef>
+          </p:style>
+          <p:txBody>
+            <a:bodyPr vert="horz" wrap="square" lIns="83930" tIns="41966" rIns="83930" bIns="41966" numCol="1" rtlCol="0" anchor="ctr" anchorCtr="0" compatLnSpc="1">
+              <a:prstTxWarp prst="textNoShape">
+                <a:avLst/>
+              </a:prstTxWarp>
+            </a:bodyPr>
+            <a:lstStyle/>
+            <a:p>
+              <a:pPr algn="ctr" defTabSz="839061" fontAlgn="base">
+                <a:spcBef>
+                  <a:spcPct val="0"/>
+                </a:spcBef>
+                <a:spcAft>
+                  <a:spcPct val="0"/>
+                </a:spcAft>
+              </a:pPr>
+              <a:r>
+                <a:rPr lang="en-US" sz="2856" dirty="0">
+                  <a:gradFill>
+                    <a:gsLst>
+                      <a:gs pos="0">
+                        <a:srgbClr val="FFFFFF"/>
+                      </a:gs>
+                      <a:gs pos="100000">
+                        <a:srgbClr val="FFFFFF"/>
+                      </a:gs>
+                    </a:gsLst>
+                    <a:lin ang="5400000" scaled="0"/>
+                  </a:gradFill>
+                </a:rPr>
+                <a:t>MVC</a:t>
+              </a:r>
+            </a:p>
+          </p:txBody>
+        </p:sp>
+        <p:sp>
+          <p:nvSpPr>
+            <p:cNvPr id="26" name="Rectangle 25"/>
+            <p:cNvSpPr/>
+            <p:nvPr/>
+          </p:nvSpPr>
+          <p:spPr>
+            <a:xfrm>
+              <a:off x="2594579" y="2940741"/>
+              <a:ext cx="1853482" cy="733709"/>
+            </a:xfrm>
+            <a:prstGeom prst="rect">
+              <a:avLst/>
+            </a:prstGeom>
+            <a:grpFill/>
+            <a:ln>
+              <a:noFill/>
+              <a:headEnd type="none" w="med" len="med"/>
+              <a:tailEnd type="none" w="med" len="med"/>
+            </a:ln>
+            <a:effectLst/>
+          </p:spPr>
+          <p:style>
+            <a:lnRef idx="1">
+              <a:schemeClr val="accent2"/>
+            </a:lnRef>
+            <a:fillRef idx="3">
+              <a:schemeClr val="accent2"/>
+            </a:fillRef>
+            <a:effectRef idx="2">
+              <a:schemeClr val="accent2"/>
+            </a:effectRef>
+            <a:fontRef idx="minor">
+              <a:schemeClr val="lt1"/>
+            </a:fontRef>
+          </p:style>
+          <p:txBody>
+            <a:bodyPr vert="horz" wrap="square" lIns="83930" tIns="41966" rIns="83930" bIns="41966" numCol="1" rtlCol="0" anchor="ctr" anchorCtr="0" compatLnSpc="1">
+              <a:prstTxWarp prst="textNoShape">
+                <a:avLst/>
+              </a:prstTxWarp>
+            </a:bodyPr>
+            <a:lstStyle/>
+            <a:p>
+              <a:pPr algn="ctr" defTabSz="839061" fontAlgn="base">
+                <a:spcBef>
+                  <a:spcPct val="0"/>
+                </a:spcBef>
+                <a:spcAft>
+                  <a:spcPct val="0"/>
+                </a:spcAft>
+              </a:pPr>
+              <a:r>
+                <a:rPr lang="en-US" sz="2856" dirty="0">
+                  <a:gradFill>
+                    <a:gsLst>
+                      <a:gs pos="0">
+                        <a:srgbClr val="FFFFFF"/>
+                      </a:gs>
+                      <a:gs pos="100000">
+                        <a:srgbClr val="FFFFFF"/>
+                      </a:gs>
+                    </a:gsLst>
+                    <a:lin ang="5400000" scaled="0"/>
+                  </a:gradFill>
+                </a:rPr>
+                <a:t>Web Pages</a:t>
+              </a:r>
+            </a:p>
+          </p:txBody>
+        </p:sp>
+      </p:grpSp>
+      <p:sp>
+        <p:nvSpPr>
+          <p:cNvPr id="30" name="Rectangle 29"/>
+          <p:cNvSpPr/>
+          <p:nvPr/>
+        </p:nvSpPr>
+        <p:spPr>
+          <a:xfrm>
+            <a:off x="1413552" y="1566320"/>
+            <a:ext cx="6991890" cy="1378409"/>
+          </a:xfrm>
+          <a:prstGeom prst="rect">
+            <a:avLst/>
+          </a:prstGeom>
+          <a:solidFill>
+            <a:srgbClr val="00188F"/>
+          </a:solidFill>
+          <a:ln>
+            <a:noFill/>
+            <a:headEnd type="none" w="med" len="med"/>
+            <a:tailEnd type="none" w="med" len="med"/>
+          </a:ln>
+          <a:effectLst/>
+        </p:spPr>
+        <p:style>
+          <a:lnRef idx="1">
+            <a:schemeClr val="accent2"/>
+          </a:lnRef>
+          <a:fillRef idx="3">
+            <a:schemeClr val="accent2"/>
+          </a:fillRef>
+          <a:effectRef idx="2">
+            <a:schemeClr val="accent2"/>
+          </a:effectRef>
+          <a:fontRef idx="minor">
+            <a:schemeClr val="lt1"/>
+          </a:fontRef>
+        </p:style>
+        <p:txBody>
+          <a:bodyPr vert="horz" wrap="square" lIns="83930" tIns="41966" rIns="83930" bIns="41966" numCol="1" rtlCol="0" anchor="ctr" anchorCtr="0" compatLnSpc="1">
+            <a:prstTxWarp prst="textNoShape">
+              <a:avLst/>
+            </a:prstTxWarp>
+          </a:bodyPr>
+          <a:lstStyle/>
+          <a:p>
+            <a:pPr algn="ctr" defTabSz="839061" fontAlgn="base">
+              <a:spcBef>
+                <a:spcPct val="0"/>
+              </a:spcBef>
+              <a:spcAft>
+                <a:spcPct val="0"/>
+              </a:spcAft>
+            </a:pPr>
+            <a:r>
+              <a:rPr lang="en-US" sz="6609" dirty="0">
+                <a:solidFill>
+                  <a:srgbClr val="FFFFFF"/>
+                </a:solidFill>
+                <a:latin typeface="Segoe UI Symbol" panose="020B0502040204020203" pitchFamily="34" charset="0"/>
+                <a:ea typeface="Segoe UI Symbol" panose="020B0502040204020203" pitchFamily="34" charset="0"/>
+              </a:rPr>
+              <a:t></a:t>
+            </a:r>
+          </a:p>
+        </p:txBody>
+      </p:sp>
+      <p:grpSp>
+        <p:nvGrpSpPr>
+          <p:cNvPr id="5" name="Group 4"/>
+          <p:cNvGrpSpPr/>
+          <p:nvPr/>
+        </p:nvGrpSpPr>
+        <p:grpSpPr>
+          <a:xfrm>
+            <a:off x="8521527" y="1563730"/>
+            <a:ext cx="2499943" cy="1378409"/>
+            <a:chOff x="8352743" y="1533208"/>
+            <a:chExt cx="2451147" cy="1351504"/>
+          </a:xfrm>
+          <a:solidFill>
+            <a:srgbClr val="000000"/>
+          </a:solidFill>
+        </p:grpSpPr>
+        <p:sp>
+          <p:nvSpPr>
+            <p:cNvPr id="32" name="Rectangle 31"/>
+            <p:cNvSpPr/>
+            <p:nvPr/>
+          </p:nvSpPr>
+          <p:spPr>
+            <a:xfrm>
+              <a:off x="8352743" y="1533208"/>
+              <a:ext cx="2451147" cy="1351504"/>
+            </a:xfrm>
+            <a:prstGeom prst="rect">
+              <a:avLst/>
+            </a:prstGeom>
+            <a:grpFill/>
+            <a:ln>
+              <a:noFill/>
+              <a:headEnd type="none" w="med" len="med"/>
+              <a:tailEnd type="none" w="med" len="med"/>
+            </a:ln>
+            <a:effectLst/>
+          </p:spPr>
+          <p:style>
+            <a:lnRef idx="1">
+              <a:schemeClr val="accent2"/>
+            </a:lnRef>
+            <a:fillRef idx="3">
+              <a:schemeClr val="accent2"/>
+            </a:fillRef>
+            <a:effectRef idx="2">
+              <a:schemeClr val="accent2"/>
+            </a:effectRef>
+            <a:fontRef idx="minor">
+              <a:schemeClr val="lt1"/>
+            </a:fontRef>
+          </p:style>
+          <p:txBody>
+            <a:bodyPr vert="horz" wrap="square" lIns="83930" tIns="41966" rIns="83930" bIns="41966" numCol="1" rtlCol="0" anchor="ctr" anchorCtr="0" compatLnSpc="1">
+              <a:prstTxWarp prst="textNoShape">
+                <a:avLst/>
+              </a:prstTxWarp>
+            </a:bodyPr>
+            <a:lstStyle/>
+            <a:p>
+              <a:pPr algn="ctr" defTabSz="839061" fontAlgn="base">
+                <a:spcBef>
+                  <a:spcPct val="0"/>
+                </a:spcBef>
+                <a:spcAft>
+                  <a:spcPct val="0"/>
+                </a:spcAft>
+              </a:pPr>
+              <a:endParaRPr lang="en-US" sz="6609" dirty="0">
+                <a:solidFill>
+                  <a:srgbClr val="FFFFFF"/>
+                </a:solidFill>
+                <a:latin typeface="Segoe UI Symbol" panose="020B0502040204020203" pitchFamily="34" charset="0"/>
+                <a:ea typeface="Segoe UI Symbol" panose="020B0502040204020203" pitchFamily="34" charset="0"/>
+              </a:endParaRPr>
+            </a:p>
+          </p:txBody>
+        </p:sp>
+        <p:pic>
+          <p:nvPicPr>
+            <p:cNvPr id="33" name="Picture 32"/>
+            <p:cNvPicPr>
+              <a:picLocks noChangeAspect="1"/>
+            </p:cNvPicPr>
+            <p:nvPr/>
+          </p:nvPicPr>
+          <p:blipFill>
+            <a:blip r:embed="rId3">
+              <a:extLst>
+                <a:ext uri="{28A0092B-C50C-407E-A947-70E740481C1C}">
+                  <a14:useLocalDpi xmlns:a14="http://schemas.microsoft.com/office/drawing/2010/main" val="0"/>
+                </a:ext>
+              </a:extLst>
+            </a:blip>
+            <a:stretch>
+              <a:fillRect/>
+            </a:stretch>
+          </p:blipFill>
+          <p:spPr>
+            <a:xfrm>
+              <a:off x="8828044" y="1808307"/>
+              <a:ext cx="1491250" cy="797734"/>
+            </a:xfrm>
+            <a:prstGeom prst="rect">
+              <a:avLst/>
+            </a:prstGeom>
+            <a:grpFill/>
+          </p:spPr>
+        </p:pic>
+        <p:sp>
+          <p:nvSpPr>
+            <p:cNvPr id="11" name="TextBox 10"/>
+            <p:cNvSpPr txBox="1"/>
+            <p:nvPr/>
+          </p:nvSpPr>
+          <p:spPr>
+            <a:xfrm>
+              <a:off x="8372273" y="1710362"/>
+              <a:ext cx="288541" cy="254237"/>
+            </a:xfrm>
+            <a:prstGeom prst="rect">
+              <a:avLst/>
+            </a:prstGeom>
+            <a:grpFill/>
+          </p:spPr>
+          <p:txBody>
+            <a:bodyPr wrap="none" lIns="0" tIns="0" rIns="0" bIns="0" rtlCol="0">
+              <a:spAutoFit/>
+            </a:bodyPr>
+            <a:lstStyle/>
+            <a:p>
+              <a:pPr defTabSz="1118698">
+                <a:lnSpc>
+                  <a:spcPct val="90000"/>
+                </a:lnSpc>
+                <a:spcBef>
+                  <a:spcPct val="20000"/>
+                </a:spcBef>
+                <a:buSzPct val="80000"/>
+              </a:pPr>
+              <a:r>
+                <a:rPr lang="en-US" sz="1836" dirty="0">
+                  <a:solidFill>
+                    <a:srgbClr val="FFFFFF"/>
+                  </a:solidFill>
+                  <a:latin typeface="Segoe UI Symbol" panose="020B0502040204020203" pitchFamily="34" charset="0"/>
+                  <a:ea typeface="Segoe UI Symbol" panose="020B0502040204020203" pitchFamily="34" charset="0"/>
+                </a:rPr>
+                <a:t></a:t>
+              </a:r>
+            </a:p>
+          </p:txBody>
+        </p:sp>
+        <p:sp>
+          <p:nvSpPr>
+            <p:cNvPr id="34" name="TextBox 33"/>
+            <p:cNvSpPr txBox="1"/>
+            <p:nvPr/>
+          </p:nvSpPr>
+          <p:spPr>
+            <a:xfrm>
+              <a:off x="10398038" y="2272306"/>
+              <a:ext cx="288541" cy="254237"/>
+            </a:xfrm>
+            <a:prstGeom prst="rect">
+              <a:avLst/>
+            </a:prstGeom>
+            <a:grpFill/>
+          </p:spPr>
+          <p:txBody>
+            <a:bodyPr wrap="none" lIns="0" tIns="0" rIns="0" bIns="0" rtlCol="0">
+              <a:spAutoFit/>
+            </a:bodyPr>
+            <a:lstStyle/>
+            <a:p>
+              <a:pPr defTabSz="1118698">
+                <a:lnSpc>
+                  <a:spcPct val="90000"/>
+                </a:lnSpc>
+                <a:spcBef>
+                  <a:spcPct val="20000"/>
+                </a:spcBef>
+                <a:buSzPct val="80000"/>
+              </a:pPr>
+              <a:r>
+                <a:rPr lang="en-US" sz="1836" dirty="0">
+                  <a:solidFill>
+                    <a:srgbClr val="FFFFFF"/>
+                  </a:solidFill>
+                  <a:latin typeface="Segoe UI Symbol" panose="020B0502040204020203" pitchFamily="34" charset="0"/>
+                  <a:ea typeface="Segoe UI Symbol" panose="020B0502040204020203" pitchFamily="34" charset="0"/>
+                </a:rPr>
+                <a:t></a:t>
+              </a:r>
+            </a:p>
+          </p:txBody>
+        </p:sp>
+      </p:grpSp>
     </p:spTree>
     <p:extLst>
       <p:ext uri="{BB962C8B-B14F-4D97-AF65-F5344CB8AC3E}">
-        <p14:creationId xmlns:p14="http://schemas.microsoft.com/office/powerpoint/2010/main" val="2507799111"/>
+        <p14:creationId xmlns:p14="http://schemas.microsoft.com/office/powerpoint/2010/main" val="800805965"/>
       </p:ext>
     </p:extLst>
   </p:cSld>
   <p:clrMapOvr>
     <a:masterClrMapping/>
   </p:clrMapOvr>
-  <mc:AlternateContent xmlns:mc="http://schemas.openxmlformats.org/markup-compatibility/2006" xmlns:p14="http://schemas.microsoft.com/office/powerpoint/2010/main">
-    <mc:Choice Requires="p14">
-      <p:transition spd="med" p14:dur="700">
-        <p:fade/>
-      </p:transition>
+  <mc:AlternateContent xmlns:mc="http://schemas.openxmlformats.org/markup-compatibility/2006">
+    <mc:Choice xmlns:p14="http://schemas.microsoft.com/office/powerpoint/2010/main" Requires="p14">
+      <p:transition spd="slow" p14:dur="2000"/>
     </mc:Choice>
-    <mc:Fallback xmlns="">
-      <p:transition spd="med">
-        <p:fade/>
-      </p:transition>
+    <mc:Fallback>
+      <p:transition spd="slow"/>
     </mc:Fallback>
   </mc:AlternateContent>
   <p:timing>
     <p:tnLst>
       <p:par>
-        <p:cTn id="1" dur="indefinite" restart="never" nodeType="tmRoot"/>
+        <p:cTn id="1" dur="indefinite" restart="never" nodeType="tmRoot">
+          <p:childTnLst>
+            <p:seq concurrent="1" nextAc="seek">
+              <p:cTn id="2" dur="indefinite" nodeType="mainSeq">
+                <p:childTnLst>
+                  <p:par>
+                    <p:cTn id="3" fill="hold">
+                      <p:stCondLst>
+                        <p:cond delay="indefinite"/>
+                      </p:stCondLst>
+                      <p:childTnLst>
+                        <p:par>
+                          <p:cTn id="4" fill="hold">
+                            <p:stCondLst>
+                              <p:cond delay="0"/>
+                            </p:stCondLst>
+                            <p:childTnLst>
+                              <p:par>
+                                <p:cTn id="5" presetID="1" presetClass="entr" presetSubtype="0" fill="hold" grpId="0" nodeType="clickEffect">
+                                  <p:stCondLst>
+                                    <p:cond delay="0"/>
+                                  </p:stCondLst>
+                                  <p:childTnLst>
+                                    <p:set>
+                                      <p:cBhvr>
+                                        <p:cTn id="6" dur="1" fill="hold">
+                                          <p:stCondLst>
+                                            <p:cond delay="0"/>
+                                          </p:stCondLst>
+                                        </p:cTn>
+                                        <p:tgtEl>
+                                          <p:spTgt spid="30"/>
+                                        </p:tgtEl>
+                                        <p:attrNameLst>
+                                          <p:attrName>style.visibility</p:attrName>
+                                        </p:attrNameLst>
+                                      </p:cBhvr>
+                                      <p:to>
+                                        <p:strVal val="visible"/>
+                                      </p:to>
+                                    </p:set>
+                                  </p:childTnLst>
+                                </p:cTn>
+                              </p:par>
+                            </p:childTnLst>
+                          </p:cTn>
+                        </p:par>
+                      </p:childTnLst>
+                    </p:cTn>
+                  </p:par>
+                  <p:par>
+                    <p:cTn id="7" fill="hold">
+                      <p:stCondLst>
+                        <p:cond delay="indefinite"/>
+                      </p:stCondLst>
+                      <p:childTnLst>
+                        <p:par>
+                          <p:cTn id="8" fill="hold">
+                            <p:stCondLst>
+                              <p:cond delay="0"/>
+                            </p:stCondLst>
+                            <p:childTnLst>
+                              <p:par>
+                                <p:cTn id="9" presetID="1" presetClass="entr" presetSubtype="0" fill="hold" nodeType="clickEffect">
+                                  <p:stCondLst>
+                                    <p:cond delay="0"/>
+                                  </p:stCondLst>
+                                  <p:childTnLst>
+                                    <p:set>
+                                      <p:cBhvr>
+                                        <p:cTn id="10" dur="1" fill="hold">
+                                          <p:stCondLst>
+                                            <p:cond delay="0"/>
+                                          </p:stCondLst>
+                                        </p:cTn>
+                                        <p:tgtEl>
+                                          <p:spTgt spid="5"/>
+                                        </p:tgtEl>
+                                        <p:attrNameLst>
+                                          <p:attrName>style.visibility</p:attrName>
+                                        </p:attrNameLst>
+                                      </p:cBhvr>
+                                      <p:to>
+                                        <p:strVal val="visible"/>
+                                      </p:to>
+                                    </p:set>
+                                  </p:childTnLst>
+                                </p:cTn>
+                              </p:par>
+                            </p:childTnLst>
+                          </p:cTn>
+                        </p:par>
+                      </p:childTnLst>
+                    </p:cTn>
+                  </p:par>
+                </p:childTnLst>
+              </p:cTn>
+              <p:prevCondLst>
+                <p:cond evt="onPrev" delay="0">
+                  <p:tgtEl>
+                    <p:sldTgt/>
+                  </p:tgtEl>
+                </p:cond>
+              </p:prevCondLst>
+              <p:nextCondLst>
+                <p:cond evt="onNext" delay="0">
+                  <p:tgtEl>
+                    <p:sldTgt/>
+                  </p:tgtEl>
+                </p:cond>
+              </p:nextCondLst>
+            </p:seq>
+          </p:childTnLst>
+        </p:cTn>
       </p:par>
     </p:tnLst>
+    <p:bldLst>
+      <p:bldP spid="30" grpId="0" animBg="1"/>
+    </p:bldLst>
   </p:timing>
 </p:sld>
 </file>
@@ -30722,26 +32021,169 @@
           <a:lstStyle/>
           <a:p>
             <a:r>
+              <a:rPr lang="en-US" b="1" dirty="0" smtClean="0"/>
+              <a:t>MVC</a:t>
+            </a:r>
+            <a:r>
               <a:rPr lang="en-US" dirty="0" smtClean="0"/>
-              <a:t>Module</a:t>
+              <a:t> framework</a:t>
             </a:r>
           </a:p>
           <a:p>
             <a:r>
               <a:rPr lang="en-US" dirty="0" smtClean="0"/>
-              <a:t>Controllers</a:t>
-            </a:r>
-          </a:p>
-          <a:p>
+              <a:t>For </a:t>
+            </a:r>
+            <a:r>
+              <a:rPr lang="en-US" b="1" dirty="0" smtClean="0"/>
+              <a:t>S</a:t>
+            </a:r>
             <a:r>
               <a:rPr lang="en-US" dirty="0" smtClean="0"/>
-              <a:t>Dependencies Injection</a:t>
-            </a:r>
-          </a:p>
-          <a:p>
+              <a:t>ingle </a:t>
+            </a:r>
+            <a:r>
+              <a:rPr lang="en-US" b="1" dirty="0" smtClean="0"/>
+              <a:t>P</a:t>
+            </a:r>
             <a:r>
               <a:rPr lang="en-US" dirty="0" smtClean="0"/>
-              <a:t>$scope</a:t>
+              <a:t>age </a:t>
+            </a:r>
+            <a:r>
+              <a:rPr lang="en-US" b="1" dirty="0" smtClean="0"/>
+              <a:t>A</a:t>
+            </a:r>
+            <a:r>
+              <a:rPr lang="en-US" dirty="0" smtClean="0"/>
+              <a:t>pplication</a:t>
+            </a:r>
+            <a:br>
+              <a:rPr lang="en-US" dirty="0" smtClean="0"/>
+            </a:br>
+            <a:r>
+              <a:rPr lang="en-US" dirty="0" smtClean="0"/>
+              <a:t/>
+            </a:r>
+            <a:br>
+              <a:rPr lang="en-US" dirty="0" smtClean="0"/>
+            </a:br>
+            <a:r>
+              <a:rPr lang="en-US" dirty="0" smtClean="0"/>
+              <a:t>You need only one script file:</a:t>
+            </a:r>
+          </a:p>
+          <a:p>
+            <a:r>
+              <a:rPr lang="en-US" sz="2400" dirty="0">
+                <a:solidFill>
+                  <a:srgbClr val="0000FF"/>
+                </a:solidFill>
+                <a:highlight>
+                  <a:srgbClr val="FFFFFF"/>
+                </a:highlight>
+                <a:latin typeface="Consolas" panose="020B0609020204030204" pitchFamily="49" charset="0"/>
+              </a:rPr>
+              <a:t>&lt;</a:t>
+            </a:r>
+            <a:r>
+              <a:rPr lang="en-US" sz="2400" dirty="0">
+                <a:solidFill>
+                  <a:srgbClr val="800000"/>
+                </a:solidFill>
+                <a:highlight>
+                  <a:srgbClr val="FFFFFF"/>
+                </a:highlight>
+                <a:latin typeface="Consolas" panose="020B0609020204030204" pitchFamily="49" charset="0"/>
+              </a:rPr>
+              <a:t>script</a:t>
+            </a:r>
+            <a:r>
+              <a:rPr lang="en-US" sz="2400" dirty="0">
+                <a:solidFill>
+                  <a:srgbClr val="000000"/>
+                </a:solidFill>
+                <a:highlight>
+                  <a:srgbClr val="FFFFFF"/>
+                </a:highlight>
+                <a:latin typeface="Consolas" panose="020B0609020204030204" pitchFamily="49" charset="0"/>
+              </a:rPr>
+              <a:t> </a:t>
+            </a:r>
+            <a:r>
+              <a:rPr lang="en-US" sz="2400" dirty="0" err="1">
+                <a:solidFill>
+                  <a:srgbClr val="FF0000"/>
+                </a:solidFill>
+                <a:highlight>
+                  <a:srgbClr val="FFFFFF"/>
+                </a:highlight>
+                <a:latin typeface="Consolas" panose="020B0609020204030204" pitchFamily="49" charset="0"/>
+              </a:rPr>
+              <a:t>src</a:t>
+            </a:r>
+            <a:r>
+              <a:rPr lang="en-US" sz="2400" dirty="0">
+                <a:solidFill>
+                  <a:srgbClr val="0000FF"/>
+                </a:solidFill>
+                <a:highlight>
+                  <a:srgbClr val="FFFFFF"/>
+                </a:highlight>
+                <a:latin typeface="Consolas" panose="020B0609020204030204" pitchFamily="49" charset="0"/>
+              </a:rPr>
+              <a:t>="angular.min.js"&gt;&lt;/</a:t>
+            </a:r>
+            <a:r>
+              <a:rPr lang="en-US" sz="2400" dirty="0" smtClean="0">
+                <a:solidFill>
+                  <a:srgbClr val="800000"/>
+                </a:solidFill>
+                <a:highlight>
+                  <a:srgbClr val="FFFFFF"/>
+                </a:highlight>
+                <a:latin typeface="Consolas" panose="020B0609020204030204" pitchFamily="49" charset="0"/>
+              </a:rPr>
+              <a:t>script</a:t>
+            </a:r>
+            <a:r>
+              <a:rPr lang="en-US" sz="2400" dirty="0" smtClean="0">
+                <a:solidFill>
+                  <a:srgbClr val="0000FF"/>
+                </a:solidFill>
+                <a:highlight>
+                  <a:srgbClr val="FFFFFF"/>
+                </a:highlight>
+                <a:latin typeface="Consolas" panose="020B0609020204030204" pitchFamily="49" charset="0"/>
+              </a:rPr>
+              <a:t>&gt;</a:t>
+            </a:r>
+          </a:p>
+          <a:p>
+            <a:r>
+              <a:rPr lang="en-US" dirty="0" smtClean="0"/>
+              <a:t/>
+            </a:r>
+            <a:br>
+              <a:rPr lang="en-US" dirty="0" smtClean="0"/>
+            </a:br>
+            <a:r>
+              <a:rPr lang="en-US" dirty="0" smtClean="0"/>
+              <a:t>Latest version here:</a:t>
+            </a:r>
+          </a:p>
+          <a:p>
+            <a:r>
+              <a:rPr lang="en-US" dirty="0">
+                <a:hlinkClick r:id="rId3"/>
+              </a:rPr>
+              <a:t>http://code.angularjs.org</a:t>
+            </a:r>
+            <a:r>
+              <a:rPr lang="en-US" dirty="0" smtClean="0">
+                <a:hlinkClick r:id="rId3"/>
+              </a:rPr>
+              <a:t>/</a:t>
             </a:r>
             <a:endParaRPr lang="en-US" dirty="0"/>
           </a:p>
@@ -30773,89 +32215,10 @@
           </a:p>
         </p:txBody>
       </p:sp>
-      <p:sp>
-        <p:nvSpPr>
-          <p:cNvPr id="8" name="Rectangle 7"/>
-          <p:cNvSpPr/>
-          <p:nvPr/>
-        </p:nvSpPr>
-        <p:spPr bwMode="auto">
-          <a:xfrm>
-            <a:off x="9784358" y="205458"/>
-            <a:ext cx="2652117" cy="457195"/>
-          </a:xfrm>
-          <a:prstGeom prst="rect">
-            <a:avLst/>
-          </a:prstGeom>
-          <a:solidFill>
-            <a:schemeClr val="accent1"/>
-          </a:solidFill>
-          <a:ln>
-            <a:noFill/>
-            <a:headEnd type="none" w="med" len="med"/>
-            <a:tailEnd type="none" w="med" len="med"/>
-          </a:ln>
-          <a:effectLst/>
-        </p:spPr>
-        <p:style>
-          <a:lnRef idx="1">
-            <a:schemeClr val="accent2"/>
-          </a:lnRef>
-          <a:fillRef idx="3">
-            <a:schemeClr val="accent2"/>
-          </a:fillRef>
-          <a:effectRef idx="2">
-            <a:schemeClr val="accent2"/>
-          </a:effectRef>
-          <a:fontRef idx="minor">
-            <a:schemeClr val="lt1"/>
-          </a:fontRef>
-        </p:style>
-        <p:txBody>
-          <a:bodyPr rot="0" spcFirstLastPara="0" vertOverflow="overflow" horzOverflow="overflow" vert="horz" wrap="square" lIns="182880" tIns="146304" rIns="182880" bIns="146304" numCol="1" spcCol="0" rtlCol="0" fromWordArt="0" anchor="ctr" anchorCtr="0" forceAA="0" compatLnSpc="1">
-            <a:prstTxWarp prst="textNoShape">
-              <a:avLst/>
-            </a:prstTxWarp>
-            <a:noAutofit/>
-          </a:bodyPr>
-          <a:lstStyle/>
-          <a:p>
-            <a:pPr algn="ctr" defTabSz="932472" fontAlgn="base">
-              <a:lnSpc>
-                <a:spcPct val="90000"/>
-              </a:lnSpc>
-              <a:spcBef>
-                <a:spcPct val="0"/>
-              </a:spcBef>
-              <a:spcAft>
-                <a:spcPct val="0"/>
-              </a:spcAft>
-            </a:pPr>
-            <a:r>
-              <a:rPr lang="en-US" sz="2000" dirty="0" smtClean="0">
-                <a:gradFill>
-                  <a:gsLst>
-                    <a:gs pos="0">
-                      <a:srgbClr val="FFFFFF"/>
-                    </a:gs>
-                    <a:gs pos="100000">
-                      <a:srgbClr val="FFFFFF"/>
-                    </a:gs>
-                  </a:gsLst>
-                  <a:lin ang="5400000" scaled="0"/>
-                </a:gradFill>
-                <a:ea typeface="Segoe UI" pitchFamily="34" charset="0"/>
-                <a:cs typeface="Segoe UI" pitchFamily="34" charset="0"/>
-              </a:rPr>
-              <a:t>angular.js</a:t>
-            </a:r>
-          </a:p>
-        </p:txBody>
-      </p:sp>
     </p:spTree>
     <p:extLst>
       <p:ext uri="{BB962C8B-B14F-4D97-AF65-F5344CB8AC3E}">
-        <p14:creationId xmlns:p14="http://schemas.microsoft.com/office/powerpoint/2010/main" val="774633147"/>
+        <p14:creationId xmlns:p14="http://schemas.microsoft.com/office/powerpoint/2010/main" val="2507799111"/>
       </p:ext>
     </p:extLst>
   </p:cSld>
@@ -30918,6 +32281,201 @@
           <a:p>
             <a:r>
               <a:rPr lang="en-US" dirty="0" smtClean="0"/>
+              <a:t>Module</a:t>
+            </a:r>
+          </a:p>
+          <a:p>
+            <a:r>
+              <a:rPr lang="en-US" dirty="0" smtClean="0"/>
+              <a:t>Controllers</a:t>
+            </a:r>
+          </a:p>
+          <a:p>
+            <a:r>
+              <a:rPr lang="en-US" dirty="0" smtClean="0"/>
+              <a:t>Dependencies Injection</a:t>
+            </a:r>
+          </a:p>
+          <a:p>
+            <a:r>
+              <a:rPr lang="en-US" dirty="0" smtClean="0"/>
+              <a:t>$scope</a:t>
+            </a:r>
+            <a:endParaRPr lang="en-US" dirty="0"/>
+          </a:p>
+          <a:p>
+            <a:endParaRPr lang="en-US" sz="2400" dirty="0"/>
+          </a:p>
+        </p:txBody>
+      </p:sp>
+      <p:sp>
+        <p:nvSpPr>
+          <p:cNvPr id="5" name="Title 4"/>
+          <p:cNvSpPr>
+            <a:spLocks noGrp="1"/>
+          </p:cNvSpPr>
+          <p:nvPr>
+            <p:ph type="ctrTitle"/>
+          </p:nvPr>
+        </p:nvSpPr>
+        <p:spPr/>
+        <p:txBody>
+          <a:bodyPr/>
+          <a:lstStyle/>
+          <a:p>
+            <a:r>
+              <a:rPr lang="en-US" dirty="0" smtClean="0"/>
+              <a:t>First contact with Angular.js</a:t>
+            </a:r>
+            <a:endParaRPr lang="en-US" dirty="0"/>
+          </a:p>
+        </p:txBody>
+      </p:sp>
+      <p:sp>
+        <p:nvSpPr>
+          <p:cNvPr id="8" name="Rectangle 7"/>
+          <p:cNvSpPr/>
+          <p:nvPr/>
+        </p:nvSpPr>
+        <p:spPr bwMode="auto">
+          <a:xfrm>
+            <a:off x="9784358" y="205458"/>
+            <a:ext cx="2652117" cy="457195"/>
+          </a:xfrm>
+          <a:prstGeom prst="rect">
+            <a:avLst/>
+          </a:prstGeom>
+          <a:solidFill>
+            <a:schemeClr val="accent1"/>
+          </a:solidFill>
+          <a:ln>
+            <a:noFill/>
+            <a:headEnd type="none" w="med" len="med"/>
+            <a:tailEnd type="none" w="med" len="med"/>
+          </a:ln>
+          <a:effectLst/>
+        </p:spPr>
+        <p:style>
+          <a:lnRef idx="1">
+            <a:schemeClr val="accent2"/>
+          </a:lnRef>
+          <a:fillRef idx="3">
+            <a:schemeClr val="accent2"/>
+          </a:fillRef>
+          <a:effectRef idx="2">
+            <a:schemeClr val="accent2"/>
+          </a:effectRef>
+          <a:fontRef idx="minor">
+            <a:schemeClr val="lt1"/>
+          </a:fontRef>
+        </p:style>
+        <p:txBody>
+          <a:bodyPr rot="0" spcFirstLastPara="0" vertOverflow="overflow" horzOverflow="overflow" vert="horz" wrap="square" lIns="182880" tIns="146304" rIns="182880" bIns="146304" numCol="1" spcCol="0" rtlCol="0" fromWordArt="0" anchor="ctr" anchorCtr="0" forceAA="0" compatLnSpc="1">
+            <a:prstTxWarp prst="textNoShape">
+              <a:avLst/>
+            </a:prstTxWarp>
+            <a:noAutofit/>
+          </a:bodyPr>
+          <a:lstStyle/>
+          <a:p>
+            <a:pPr algn="ctr" defTabSz="932472" fontAlgn="base">
+              <a:lnSpc>
+                <a:spcPct val="90000"/>
+              </a:lnSpc>
+              <a:spcBef>
+                <a:spcPct val="0"/>
+              </a:spcBef>
+              <a:spcAft>
+                <a:spcPct val="0"/>
+              </a:spcAft>
+            </a:pPr>
+            <a:r>
+              <a:rPr lang="en-US" sz="2000" dirty="0" smtClean="0">
+                <a:gradFill>
+                  <a:gsLst>
+                    <a:gs pos="0">
+                      <a:srgbClr val="FFFFFF"/>
+                    </a:gs>
+                    <a:gs pos="100000">
+                      <a:srgbClr val="FFFFFF"/>
+                    </a:gs>
+                  </a:gsLst>
+                  <a:lin ang="5400000" scaled="0"/>
+                </a:gradFill>
+                <a:ea typeface="Segoe UI" pitchFamily="34" charset="0"/>
+                <a:cs typeface="Segoe UI" pitchFamily="34" charset="0"/>
+              </a:rPr>
+              <a:t>angular.js</a:t>
+            </a:r>
+          </a:p>
+        </p:txBody>
+      </p:sp>
+    </p:spTree>
+    <p:extLst>
+      <p:ext uri="{BB962C8B-B14F-4D97-AF65-F5344CB8AC3E}">
+        <p14:creationId xmlns:p14="http://schemas.microsoft.com/office/powerpoint/2010/main" val="774633147"/>
+      </p:ext>
+    </p:extLst>
+  </p:cSld>
+  <p:clrMapOvr>
+    <a:masterClrMapping/>
+  </p:clrMapOvr>
+  <mc:AlternateContent xmlns:mc="http://schemas.openxmlformats.org/markup-compatibility/2006" xmlns:p14="http://schemas.microsoft.com/office/powerpoint/2010/main">
+    <mc:Choice Requires="p14">
+      <p:transition spd="med" p14:dur="700">
+        <p:fade/>
+      </p:transition>
+    </mc:Choice>
+    <mc:Fallback xmlns="">
+      <p:transition spd="med">
+        <p:fade/>
+      </p:transition>
+    </mc:Fallback>
+  </mc:AlternateContent>
+  <p:timing>
+    <p:tnLst>
+      <p:par>
+        <p:cTn id="1" dur="indefinite" restart="never" nodeType="tmRoot"/>
+      </p:par>
+    </p:tnLst>
+  </p:timing>
+</p:sld>
+</file>
+
+<file path=ppt/slides/slide7.xml><?xml version="1.0" encoding="utf-8"?>
+<p:sld xmlns:a="http://schemas.openxmlformats.org/drawingml/2006/main" xmlns:r="http://schemas.openxmlformats.org/officeDocument/2006/relationships" xmlns:p="http://schemas.openxmlformats.org/presentationml/2006/main">
+  <p:cSld>
+    <p:spTree>
+      <p:nvGrpSpPr>
+        <p:cNvPr id="1" name=""/>
+        <p:cNvGrpSpPr/>
+        <p:nvPr/>
+      </p:nvGrpSpPr>
+      <p:grpSpPr>
+        <a:xfrm>
+          <a:off x="0" y="0"/>
+          <a:ext cx="0" cy="0"/>
+          <a:chOff x="0" y="0"/>
+          <a:chExt cx="0" cy="0"/>
+        </a:xfrm>
+      </p:grpSpPr>
+      <p:sp>
+        <p:nvSpPr>
+          <p:cNvPr id="2" name="Text Placeholder 1"/>
+          <p:cNvSpPr>
+            <a:spLocks noGrp="1"/>
+          </p:cNvSpPr>
+          <p:nvPr>
+            <p:ph type="body" sz="quarter" idx="15"/>
+          </p:nvPr>
+        </p:nvSpPr>
+        <p:spPr/>
+        <p:txBody>
+          <a:bodyPr/>
+          <a:lstStyle/>
+          <a:p>
+            <a:r>
+              <a:rPr lang="en-US" dirty="0" smtClean="0"/>
               <a:t>$http</a:t>
             </a:r>
           </a:p>
@@ -31234,7 +32792,7 @@
 </p:sld>
 </file>
 
-<file path=ppt/slides/slide7.xml><?xml version="1.0" encoding="utf-8"?>
+<file path=ppt/slides/slide8.xml><?xml version="1.0" encoding="utf-8"?>
 <p:sld xmlns:a="http://schemas.openxmlformats.org/drawingml/2006/main" xmlns:r="http://schemas.openxmlformats.org/officeDocument/2006/relationships" xmlns:p="http://schemas.openxmlformats.org/presentationml/2006/main">
   <p:cSld>
     <p:spTree>
@@ -31664,7 +33222,7 @@
 </p:sld>
 </file>
 
-<file path=ppt/slides/slide8.xml><?xml version="1.0" encoding="utf-8"?>
+<file path=ppt/slides/slide9.xml><?xml version="1.0" encoding="utf-8"?>
 <p:sld xmlns:a="http://schemas.openxmlformats.org/drawingml/2006/main" xmlns:r="http://schemas.openxmlformats.org/officeDocument/2006/relationships" xmlns:p="http://schemas.openxmlformats.org/presentationml/2006/main">
   <p:cSld>
     <p:spTree>
@@ -32068,156 +33626,6 @@
     <p:extLst>
       <p:ext uri="{BB962C8B-B14F-4D97-AF65-F5344CB8AC3E}">
         <p14:creationId xmlns:p14="http://schemas.microsoft.com/office/powerpoint/2010/main" val="4245265404"/>
-      </p:ext>
-    </p:extLst>
-  </p:cSld>
-  <p:clrMapOvr>
-    <a:masterClrMapping/>
-  </p:clrMapOvr>
-  <mc:AlternateContent xmlns:mc="http://schemas.openxmlformats.org/markup-compatibility/2006" xmlns:p14="http://schemas.microsoft.com/office/powerpoint/2010/main">
-    <mc:Choice Requires="p14">
-      <p:transition spd="med" p14:dur="700">
-        <p:fade/>
-      </p:transition>
-    </mc:Choice>
-    <mc:Fallback xmlns="">
-      <p:transition spd="med">
-        <p:fade/>
-      </p:transition>
-    </mc:Fallback>
-  </mc:AlternateContent>
-  <p:timing>
-    <p:tnLst>
-      <p:par>
-        <p:cTn id="1" dur="indefinite" restart="never" nodeType="tmRoot"/>
-      </p:par>
-    </p:tnLst>
-  </p:timing>
-</p:sld>
-</file>
-
-<file path=ppt/slides/slide9.xml><?xml version="1.0" encoding="utf-8"?>
-<p:sld xmlns:a="http://schemas.openxmlformats.org/drawingml/2006/main" xmlns:r="http://schemas.openxmlformats.org/officeDocument/2006/relationships" xmlns:p="http://schemas.openxmlformats.org/presentationml/2006/main" show="0">
-  <p:cSld>
-    <p:spTree>
-      <p:nvGrpSpPr>
-        <p:cNvPr id="1" name=""/>
-        <p:cNvGrpSpPr/>
-        <p:nvPr/>
-      </p:nvGrpSpPr>
-      <p:grpSpPr>
-        <a:xfrm>
-          <a:off x="0" y="0"/>
-          <a:ext cx="0" cy="0"/>
-          <a:chOff x="0" y="0"/>
-          <a:chExt cx="0" cy="0"/>
-        </a:xfrm>
-      </p:grpSpPr>
-      <p:sp>
-        <p:nvSpPr>
-          <p:cNvPr id="2" name="Text Placeholder 1"/>
-          <p:cNvSpPr>
-            <a:spLocks noGrp="1"/>
-          </p:cNvSpPr>
-          <p:nvPr>
-            <p:ph type="body" sz="quarter" idx="10"/>
-          </p:nvPr>
-        </p:nvSpPr>
-        <p:spPr/>
-        <p:txBody>
-          <a:bodyPr/>
-          <a:lstStyle/>
-          <a:p>
-            <a:r>
-              <a:rPr lang="en-US" sz="3200" dirty="0" smtClean="0"/>
-              <a:t>Titles are 48pt Segoe UI Light and sentence case. They do not use periods.</a:t>
-            </a:r>
-          </a:p>
-          <a:p>
-            <a:r>
-              <a:rPr lang="en-US" sz="3200" dirty="0" smtClean="0"/>
-              <a:t>All text 28pt and above (including this content) is in Segoe UI Light. The smallest font you should use is 14pt, and in Segoe UI (body). </a:t>
-            </a:r>
-          </a:p>
-          <a:p>
-            <a:pPr lvl="1"/>
-            <a:r>
-              <a:rPr lang="en-US" sz="1800" dirty="0" smtClean="0"/>
-              <a:t>Second level not bulleted, 14pt Segoe UI (body) like this.</a:t>
-            </a:r>
-          </a:p>
-          <a:p>
-            <a:pPr lvl="1"/>
-            <a:r>
-              <a:rPr lang="en-US" sz="1800" dirty="0" smtClean="0"/>
-              <a:t>Multiple bullets would look like this.</a:t>
-            </a:r>
-          </a:p>
-          <a:p>
-            <a:pPr lvl="2"/>
-            <a:r>
-              <a:rPr lang="en-US" sz="1800" dirty="0" smtClean="0"/>
-              <a:t>Third level are bullets, like this.</a:t>
-            </a:r>
-          </a:p>
-          <a:p>
-            <a:r>
-              <a:rPr lang="en-US" sz="3200" dirty="0" smtClean="0"/>
-              <a:t>Font is gray (RGB 64,64,64) on white slides.</a:t>
-            </a:r>
-          </a:p>
-        </p:txBody>
-      </p:sp>
-      <p:sp>
-        <p:nvSpPr>
-          <p:cNvPr id="3" name="Title 2"/>
-          <p:cNvSpPr>
-            <a:spLocks noGrp="1"/>
-          </p:cNvSpPr>
-          <p:nvPr>
-            <p:ph type="title"/>
-          </p:nvPr>
-        </p:nvSpPr>
-        <p:spPr/>
-        <p:txBody>
-          <a:bodyPr/>
-          <a:lstStyle/>
-          <a:p>
-            <a:r>
-              <a:rPr lang="en-US" smtClean="0"/>
-              <a:t>Typography</a:t>
-            </a:r>
-            <a:endParaRPr lang="en-US" dirty="0"/>
-          </a:p>
-        </p:txBody>
-      </p:sp>
-      <p:sp>
-        <p:nvSpPr>
-          <p:cNvPr id="4" name="Content Placeholder 3"/>
-          <p:cNvSpPr>
-            <a:spLocks noGrp="1"/>
-          </p:cNvSpPr>
-          <p:nvPr>
-            <p:ph type="body" sz="quarter" idx="11"/>
-          </p:nvPr>
-        </p:nvSpPr>
-        <p:spPr/>
-        <p:txBody>
-          <a:bodyPr/>
-          <a:lstStyle/>
-          <a:p>
-            <a:r>
-              <a:rPr lang="en-US" smtClean="0"/>
-              <a:t>This could be a pithy summary of your slide content, or a single phrase to describe the main idea</a:t>
-            </a:r>
-            <a:endParaRPr lang="en-US" dirty="0" smtClean="0"/>
-          </a:p>
-        </p:txBody>
-      </p:sp>
-    </p:spTree>
-    <p:extLst>
-      <p:ext uri="{BB962C8B-B14F-4D97-AF65-F5344CB8AC3E}">
-        <p14:creationId xmlns:p14="http://schemas.microsoft.com/office/powerpoint/2010/main" val="3728537209"/>
       </p:ext>
     </p:extLst>
   </p:cSld>
@@ -33435,12 +34843,9 @@
 </file>
 
 <file path=customXml/item1.xml><?xml version="1.0" encoding="utf-8"?>
-<?mso-contentType ?>
-<FormTemplates xmlns="http://schemas.microsoft.com/sharepoint/v3/contenttype/forms">
-  <Display>DocumentLibraryForm</Display>
-  <Edit>DocumentLibraryForm</Edit>
-  <New>DocumentLibraryForm</New>
-</FormTemplates>
+<p:properties xmlns:p="http://schemas.microsoft.com/office/2006/metadata/properties" xmlns:xsi="http://www.w3.org/2001/XMLSchema-instance" xmlns:pc="http://schemas.microsoft.com/office/infopath/2007/PartnerControls">
+  <documentManagement/>
+</p:properties>
 </file>
 
 <file path=customXml/item2.xml><?xml version="1.0" encoding="utf-8"?>
@@ -33584,15 +34989,26 @@
 </file>
 
 <file path=customXml/item3.xml><?xml version="1.0" encoding="utf-8"?>
-<p:properties xmlns:p="http://schemas.microsoft.com/office/2006/metadata/properties" xmlns:xsi="http://www.w3.org/2001/XMLSchema-instance" xmlns:pc="http://schemas.microsoft.com/office/infopath/2007/PartnerControls">
-  <documentManagement/>
-</p:properties>
+<?mso-contentType ?>
+<FormTemplates xmlns="http://schemas.microsoft.com/sharepoint/v3/contenttype/forms">
+  <Display>DocumentLibraryForm</Display>
+  <Edit>DocumentLibraryForm</Edit>
+  <New>DocumentLibraryForm</New>
+</FormTemplates>
 </file>
 
 <file path=customXml/itemProps1.xml><?xml version="1.0" encoding="utf-8"?>
-<ds:datastoreItem xmlns:ds="http://schemas.openxmlformats.org/officeDocument/2006/customXml" ds:itemID="{758FDAC0-319D-4A54-8D8E-1D42CB1F8004}">
+<ds:datastoreItem xmlns:ds="http://schemas.openxmlformats.org/officeDocument/2006/customXml" ds:itemID="{F990F116-B58F-4255-B05B-DA3808E0E5C6}">
   <ds:schemaRefs>
-    <ds:schemaRef ds:uri="http://schemas.microsoft.com/sharepoint/v3/contenttype/forms"/>
+    <ds:schemaRef ds:uri="http://schemas.microsoft.com/office/2006/documentManagement/types"/>
+    <ds:schemaRef ds:uri="http://schemas.microsoft.com/office/infopath/2007/PartnerControls"/>
+    <ds:schemaRef ds:uri="http://purl.org/dc/elements/1.1/"/>
+    <ds:schemaRef ds:uri="http://schemas.microsoft.com/office/2006/metadata/properties"/>
+    <ds:schemaRef ds:uri="http://purl.org/dc/terms/"/>
+    <ds:schemaRef ds:uri="http://schemas.openxmlformats.org/package/2006/metadata/core-properties"/>
+    <ds:schemaRef ds:uri="aff21df7-b701-4b64-ba0c-13dedf197fd6"/>
+    <ds:schemaRef ds:uri="http://www.w3.org/XML/1998/namespace"/>
+    <ds:schemaRef ds:uri="http://purl.org/dc/dcmitype/"/>
   </ds:schemaRefs>
 </ds:datastoreItem>
 </file>
@@ -33616,17 +35032,9 @@
 </file>
 
 <file path=customXml/itemProps3.xml><?xml version="1.0" encoding="utf-8"?>
-<ds:datastoreItem xmlns:ds="http://schemas.openxmlformats.org/officeDocument/2006/customXml" ds:itemID="{F990F116-B58F-4255-B05B-DA3808E0E5C6}">
+<ds:datastoreItem xmlns:ds="http://schemas.openxmlformats.org/officeDocument/2006/customXml" ds:itemID="{758FDAC0-319D-4A54-8D8E-1D42CB1F8004}">
   <ds:schemaRefs>
-    <ds:schemaRef ds:uri="http://schemas.microsoft.com/office/2006/documentManagement/types"/>
-    <ds:schemaRef ds:uri="http://schemas.microsoft.com/office/infopath/2007/PartnerControls"/>
-    <ds:schemaRef ds:uri="http://purl.org/dc/elements/1.1/"/>
-    <ds:schemaRef ds:uri="http://schemas.microsoft.com/office/2006/metadata/properties"/>
-    <ds:schemaRef ds:uri="http://purl.org/dc/terms/"/>
-    <ds:schemaRef ds:uri="http://schemas.openxmlformats.org/package/2006/metadata/core-properties"/>
-    <ds:schemaRef ds:uri="aff21df7-b701-4b64-ba0c-13dedf197fd6"/>
-    <ds:schemaRef ds:uri="http://www.w3.org/XML/1998/namespace"/>
-    <ds:schemaRef ds:uri="http://purl.org/dc/dcmitype/"/>
+    <ds:schemaRef ds:uri="http://schemas.microsoft.com/sharepoint/v3/contenttype/forms"/>
   </ds:schemaRefs>
 </ds:datastoreItem>
 </file>